--- a/batch1/ppt/carparking.pptx
+++ b/batch1/ppt/carparking.pptx
@@ -1,41 +1,41 @@
 
 <file path=ppt/presentation.xml><?xml version="1.0" encoding="utf-8"?>
-<p:presentation xmlns:a="http://schemas.openxmlformats.org/drawingml/2006/main" xmlns:r="http://schemas.openxmlformats.org/officeDocument/2006/relationships" xmlns:mc="http://schemas.openxmlformats.org/markup-compatibility/2006" xmlns:mv="urn:schemas-microsoft-com:mac:vml" xmlns:p="http://schemas.openxmlformats.org/presentationml/2006/main" xmlns:c="http://schemas.openxmlformats.org/drawingml/2006/chart" xmlns:dgm="http://schemas.openxmlformats.org/drawingml/2006/diagram" xmlns:o="urn:schemas-microsoft-com:office:office" xmlns:v="urn:schemas-microsoft-com:vml" xmlns:pvml="urn:schemas-microsoft-com:office:powerpoint" xmlns:com="http://schemas.openxmlformats.org/drawingml/2006/compatibility" xmlns:p14="http://schemas.microsoft.com/office/powerpoint/2010/main" xmlns:p15="http://schemas.microsoft.com/office/powerpoint/2012/main" xmlns:ahyp="http://schemas.microsoft.com/office/drawing/2018/hyperlinkcolor" autoCompressPictures="0" strictFirstAndLastChars="0" saveSubsetFonts="1">
+<p:presentation xmlns:a="http://schemas.openxmlformats.org/drawingml/2006/main" xmlns:r="http://schemas.openxmlformats.org/officeDocument/2006/relationships" xmlns:p="http://schemas.openxmlformats.org/presentationml/2006/main" strictFirstAndLastChars="0" saveSubsetFonts="1" autoCompressPictures="0">
   <p:sldMasterIdLst>
-    <p:sldMasterId id="2147483648" r:id="rId4"/>
+    <p:sldMasterId id="2147483648" r:id="rId1"/>
   </p:sldMasterIdLst>
   <p:notesMasterIdLst>
-    <p:notesMasterId r:id="rId5"/>
+    <p:notesMasterId r:id="rId25"/>
   </p:notesMasterIdLst>
   <p:sldIdLst>
-    <p:sldId id="256" r:id="rId6"/>
-    <p:sldId id="257" r:id="rId7"/>
-    <p:sldId id="258" r:id="rId8"/>
-    <p:sldId id="259" r:id="rId9"/>
-    <p:sldId id="260" r:id="rId10"/>
-    <p:sldId id="261" r:id="rId11"/>
-    <p:sldId id="262" r:id="rId12"/>
-    <p:sldId id="263" r:id="rId13"/>
-    <p:sldId id="264" r:id="rId14"/>
-    <p:sldId id="265" r:id="rId15"/>
-    <p:sldId id="266" r:id="rId16"/>
-    <p:sldId id="267" r:id="rId17"/>
-    <p:sldId id="268" r:id="rId18"/>
-    <p:sldId id="269" r:id="rId19"/>
-    <p:sldId id="270" r:id="rId20"/>
-    <p:sldId id="271" r:id="rId21"/>
-    <p:sldId id="272" r:id="rId22"/>
-    <p:sldId id="273" r:id="rId23"/>
-    <p:sldId id="274" r:id="rId24"/>
-    <p:sldId id="275" r:id="rId25"/>
-    <p:sldId id="276" r:id="rId26"/>
-    <p:sldId id="277" r:id="rId27"/>
-    <p:sldId id="278" r:id="rId28"/>
+    <p:sldId id="256" r:id="rId2"/>
+    <p:sldId id="257" r:id="rId3"/>
+    <p:sldId id="258" r:id="rId4"/>
+    <p:sldId id="259" r:id="rId5"/>
+    <p:sldId id="260" r:id="rId6"/>
+    <p:sldId id="261" r:id="rId7"/>
+    <p:sldId id="262" r:id="rId8"/>
+    <p:sldId id="263" r:id="rId9"/>
+    <p:sldId id="264" r:id="rId10"/>
+    <p:sldId id="265" r:id="rId11"/>
+    <p:sldId id="266" r:id="rId12"/>
+    <p:sldId id="267" r:id="rId13"/>
+    <p:sldId id="268" r:id="rId14"/>
+    <p:sldId id="269" r:id="rId15"/>
+    <p:sldId id="270" r:id="rId16"/>
+    <p:sldId id="271" r:id="rId17"/>
+    <p:sldId id="272" r:id="rId18"/>
+    <p:sldId id="273" r:id="rId19"/>
+    <p:sldId id="274" r:id="rId20"/>
+    <p:sldId id="275" r:id="rId21"/>
+    <p:sldId id="276" r:id="rId22"/>
+    <p:sldId id="277" r:id="rId23"/>
+    <p:sldId id="278" r:id="rId24"/>
   </p:sldIdLst>
-  <p:sldSz cy="6858000" cx="12192000"/>
+  <p:sldSz cx="12192000" cy="6858000"/>
   <p:notesSz cx="6858000" cy="9144000"/>
   <p:defaultTextStyle>
-    <a:defPPr lvl="0" marR="0" rtl="0" algn="l">
+    <a:defPPr marR="0" lvl="0" algn="l" rtl="0">
       <a:lnSpc>
         <a:spcPct val="100000"/>
       </a:lnSpc>
@@ -46,7 +46,7 @@
         <a:spcPts val="0"/>
       </a:spcAft>
     </a:defPPr>
-    <a:lvl1pPr lvl="0" marR="0" rtl="0" algn="l">
+    <a:lvl1pPr marR="0" lvl="0" algn="l" rtl="0">
       <a:lnSpc>
         <a:spcPct val="100000"/>
       </a:lnSpc>
@@ -60,7 +60,7 @@
         <a:srgbClr val="000000"/>
       </a:buClr>
       <a:buFont typeface="Arial"/>
-      <a:defRPr b="0" i="0" sz="1400" u="none" cap="none" strike="noStrike">
+      <a:defRPr sz="1400" b="0" i="0" u="none" strike="noStrike" cap="none">
         <a:solidFill>
           <a:srgbClr val="000000"/>
         </a:solidFill>
@@ -70,7 +70,7 @@
         <a:sym typeface="Arial"/>
       </a:defRPr>
     </a:lvl1pPr>
-    <a:lvl2pPr lvl="1" marR="0" rtl="0" algn="l">
+    <a:lvl2pPr marR="0" lvl="1" algn="l" rtl="0">
       <a:lnSpc>
         <a:spcPct val="100000"/>
       </a:lnSpc>
@@ -84,7 +84,7 @@
         <a:srgbClr val="000000"/>
       </a:buClr>
       <a:buFont typeface="Arial"/>
-      <a:defRPr b="0" i="0" sz="1400" u="none" cap="none" strike="noStrike">
+      <a:defRPr sz="1400" b="0" i="0" u="none" strike="noStrike" cap="none">
         <a:solidFill>
           <a:srgbClr val="000000"/>
         </a:solidFill>
@@ -94,7 +94,7 @@
         <a:sym typeface="Arial"/>
       </a:defRPr>
     </a:lvl2pPr>
-    <a:lvl3pPr lvl="2" marR="0" rtl="0" algn="l">
+    <a:lvl3pPr marR="0" lvl="2" algn="l" rtl="0">
       <a:lnSpc>
         <a:spcPct val="100000"/>
       </a:lnSpc>
@@ -108,7 +108,7 @@
         <a:srgbClr val="000000"/>
       </a:buClr>
       <a:buFont typeface="Arial"/>
-      <a:defRPr b="0" i="0" sz="1400" u="none" cap="none" strike="noStrike">
+      <a:defRPr sz="1400" b="0" i="0" u="none" strike="noStrike" cap="none">
         <a:solidFill>
           <a:srgbClr val="000000"/>
         </a:solidFill>
@@ -118,7 +118,7 @@
         <a:sym typeface="Arial"/>
       </a:defRPr>
     </a:lvl3pPr>
-    <a:lvl4pPr lvl="3" marR="0" rtl="0" algn="l">
+    <a:lvl4pPr marR="0" lvl="3" algn="l" rtl="0">
       <a:lnSpc>
         <a:spcPct val="100000"/>
       </a:lnSpc>
@@ -132,7 +132,7 @@
         <a:srgbClr val="000000"/>
       </a:buClr>
       <a:buFont typeface="Arial"/>
-      <a:defRPr b="0" i="0" sz="1400" u="none" cap="none" strike="noStrike">
+      <a:defRPr sz="1400" b="0" i="0" u="none" strike="noStrike" cap="none">
         <a:solidFill>
           <a:srgbClr val="000000"/>
         </a:solidFill>
@@ -142,7 +142,7 @@
         <a:sym typeface="Arial"/>
       </a:defRPr>
     </a:lvl4pPr>
-    <a:lvl5pPr lvl="4" marR="0" rtl="0" algn="l">
+    <a:lvl5pPr marR="0" lvl="4" algn="l" rtl="0">
       <a:lnSpc>
         <a:spcPct val="100000"/>
       </a:lnSpc>
@@ -156,7 +156,7 @@
         <a:srgbClr val="000000"/>
       </a:buClr>
       <a:buFont typeface="Arial"/>
-      <a:defRPr b="0" i="0" sz="1400" u="none" cap="none" strike="noStrike">
+      <a:defRPr sz="1400" b="0" i="0" u="none" strike="noStrike" cap="none">
         <a:solidFill>
           <a:srgbClr val="000000"/>
         </a:solidFill>
@@ -166,7 +166,7 @@
         <a:sym typeface="Arial"/>
       </a:defRPr>
     </a:lvl5pPr>
-    <a:lvl6pPr lvl="5" marR="0" rtl="0" algn="l">
+    <a:lvl6pPr marR="0" lvl="5" algn="l" rtl="0">
       <a:lnSpc>
         <a:spcPct val="100000"/>
       </a:lnSpc>
@@ -180,7 +180,7 @@
         <a:srgbClr val="000000"/>
       </a:buClr>
       <a:buFont typeface="Arial"/>
-      <a:defRPr b="0" i="0" sz="1400" u="none" cap="none" strike="noStrike">
+      <a:defRPr sz="1400" b="0" i="0" u="none" strike="noStrike" cap="none">
         <a:solidFill>
           <a:srgbClr val="000000"/>
         </a:solidFill>
@@ -190,7 +190,7 @@
         <a:sym typeface="Arial"/>
       </a:defRPr>
     </a:lvl6pPr>
-    <a:lvl7pPr lvl="6" marR="0" rtl="0" algn="l">
+    <a:lvl7pPr marR="0" lvl="6" algn="l" rtl="0">
       <a:lnSpc>
         <a:spcPct val="100000"/>
       </a:lnSpc>
@@ -204,7 +204,7 @@
         <a:srgbClr val="000000"/>
       </a:buClr>
       <a:buFont typeface="Arial"/>
-      <a:defRPr b="0" i="0" sz="1400" u="none" cap="none" strike="noStrike">
+      <a:defRPr sz="1400" b="0" i="0" u="none" strike="noStrike" cap="none">
         <a:solidFill>
           <a:srgbClr val="000000"/>
         </a:solidFill>
@@ -214,7 +214,7 @@
         <a:sym typeface="Arial"/>
       </a:defRPr>
     </a:lvl7pPr>
-    <a:lvl8pPr lvl="7" marR="0" rtl="0" algn="l">
+    <a:lvl8pPr marR="0" lvl="7" algn="l" rtl="0">
       <a:lnSpc>
         <a:spcPct val="100000"/>
       </a:lnSpc>
@@ -228,7 +228,7 @@
         <a:srgbClr val="000000"/>
       </a:buClr>
       <a:buFont typeface="Arial"/>
-      <a:defRPr b="0" i="0" sz="1400" u="none" cap="none" strike="noStrike">
+      <a:defRPr sz="1400" b="0" i="0" u="none" strike="noStrike" cap="none">
         <a:solidFill>
           <a:srgbClr val="000000"/>
         </a:solidFill>
@@ -238,7 +238,7 @@
         <a:sym typeface="Arial"/>
       </a:defRPr>
     </a:lvl8pPr>
-    <a:lvl9pPr lvl="8" marR="0" rtl="0" algn="l">
+    <a:lvl9pPr marR="0" lvl="8" algn="l" rtl="0">
       <a:lnSpc>
         <a:spcPct val="100000"/>
       </a:lnSpc>
@@ -252,7 +252,7 @@
         <a:srgbClr val="000000"/>
       </a:buClr>
       <a:buFont typeface="Arial"/>
-      <a:defRPr b="0" i="0" sz="1400" u="none" cap="none" strike="noStrike">
+      <a:defRPr sz="1400" b="0" i="0" u="none" strike="noStrike" cap="none">
         <a:solidFill>
           <a:srgbClr val="000000"/>
         </a:solidFill>
@@ -265,7 +265,7 @@
   </p:defaultTextStyle>
   <p:extLst>
     <p:ext uri="{EFAFB233-063F-42B5-8137-9DF3F51BA10A}">
-      <p15:sldGuideLst>
+      <p15:sldGuideLst xmlns:ahyp="http://schemas.microsoft.com/office/drawing/2018/hyperlinkcolor" xmlns:p15="http://schemas.microsoft.com/office/powerpoint/2012/main" xmlns:p14="http://schemas.microsoft.com/office/powerpoint/2010/main" xmlns:com="http://schemas.openxmlformats.org/drawingml/2006/compatibility" xmlns:pvml="urn:schemas-microsoft-com:office:powerpoint" xmlns:v="urn:schemas-microsoft-com:vml" xmlns:o="urn:schemas-microsoft-com:office:office" xmlns:dgm="http://schemas.openxmlformats.org/drawingml/2006/diagram" xmlns:c="http://schemas.openxmlformats.org/drawingml/2006/chart" xmlns:mv="urn:schemas-microsoft-com:mac:vml" xmlns:mc="http://schemas.openxmlformats.org/markup-compatibility/2006" xmlns="">
         <p15:guide id="1" orient="horz" pos="2160">
           <p15:clr>
             <a:srgbClr val="000000"/>
@@ -280,30 +280,6 @@
     </p:ext>
   </p:extLst>
 </p:presentation>
-</file>
-
-<file path=ppt/presProps2.xml><?xml version="1.0" encoding="utf-8"?>
-<p:presentationPr xmlns:a="http://schemas.openxmlformats.org/drawingml/2006/main" xmlns:r="http://schemas.openxmlformats.org/officeDocument/2006/relationships" xmlns:mc="http://schemas.openxmlformats.org/markup-compatibility/2006" xmlns:mv="urn:schemas-microsoft-com:mac:vml" xmlns:p="http://schemas.openxmlformats.org/presentationml/2006/main" xmlns:c="http://schemas.openxmlformats.org/drawingml/2006/chart" xmlns:dgm="http://schemas.openxmlformats.org/drawingml/2006/diagram" xmlns:o="urn:schemas-microsoft-com:office:office" xmlns:v="urn:schemas-microsoft-com:vml" xmlns:pvml="urn:schemas-microsoft-com:office:powerpoint" xmlns:com="http://schemas.openxmlformats.org/drawingml/2006/compatibility" xmlns:p14="http://schemas.microsoft.com/office/powerpoint/2010/main" xmlns:p15="http://schemas.microsoft.com/office/powerpoint/2012/main" xmlns:ahyp="http://schemas.microsoft.com/office/drawing/2018/hyperlinkcolor"/>
-</file>
-
-<file path=ppt/viewProps2.xml><?xml version="1.0" encoding="utf-8"?>
-<p:viewPr xmlns:a="http://schemas.openxmlformats.org/drawingml/2006/main" xmlns:r="http://schemas.openxmlformats.org/officeDocument/2006/relationships" xmlns:mc="http://schemas.openxmlformats.org/markup-compatibility/2006" xmlns:mv="urn:schemas-microsoft-com:mac:vml" xmlns:p="http://schemas.openxmlformats.org/presentationml/2006/main" xmlns:c="http://schemas.openxmlformats.org/drawingml/2006/chart" xmlns:dgm="http://schemas.openxmlformats.org/drawingml/2006/diagram" xmlns:o="urn:schemas-microsoft-com:office:office" xmlns:v="urn:schemas-microsoft-com:vml" xmlns:pvml="urn:schemas-microsoft-com:office:powerpoint" xmlns:com="http://schemas.openxmlformats.org/drawingml/2006/compatibility" xmlns:p14="http://schemas.microsoft.com/office/powerpoint/2010/main" xmlns:p15="http://schemas.microsoft.com/office/powerpoint/2012/main" xmlns:ahyp="http://schemas.microsoft.com/office/drawing/2018/hyperlinkcolor" showComments="0">
-  <p:slideViewPr>
-    <p:cSldViewPr snapToGrid="0">
-      <p:cViewPr varScale="1">
-        <p:scale>
-          <a:sx n="100" d="100"/>
-          <a:sy n="100" d="100"/>
-        </p:scale>
-        <p:origin x="0" y="0"/>
-      </p:cViewPr>
-      <p:guideLst>
-        <p:guide pos="2160" orient="horz"/>
-        <p:guide pos="3840"/>
-      </p:guideLst>
-    </p:cSldViewPr>
-  </p:slideViewPr>
-</p:viewPr>
 </file>
 
 <file path=ppt/notesMasters/notesMaster1.xml><?xml version="1.0" encoding="utf-8"?>
@@ -651,6 +627,11 @@
         </p:txBody>
       </p:sp>
     </p:spTree>
+    <p:extLst>
+      <p:ext uri="{BB962C8B-B14F-4D97-AF65-F5344CB8AC3E}">
+        <p14:creationId xmlns:p14="http://schemas.microsoft.com/office/powerpoint/2010/main" val="186652960"/>
+      </p:ext>
+    </p:extLst>
   </p:cSld>
   <p:clrMap bg1="lt1" tx1="dk1" bg2="dk2" tx2="lt2" accent1="accent1" accent2="accent2" accent3="accent3" accent4="accent4" accent5="accent5" accent6="accent6" hlink="hlink" folHlink="folHlink"/>
   <p:notesStyle>
@@ -960,8 +941,8 @@
         </p:nvSpPr>
         <p:spPr>
           <a:xfrm>
-            <a:off x="1143225" y="685800"/>
-            <a:ext cx="4572225" cy="3429000"/>
+            <a:off x="381000" y="685800"/>
+            <a:ext cx="6096000" cy="3429000"/>
           </a:xfrm>
           <a:custGeom>
             <a:avLst/>
@@ -1082,8 +1063,8 @@
         </p:nvSpPr>
         <p:spPr>
           <a:xfrm>
-            <a:off x="1143225" y="685800"/>
-            <a:ext cx="4572225" cy="3429000"/>
+            <a:off x="381000" y="685800"/>
+            <a:ext cx="6096000" cy="3429000"/>
           </a:xfrm>
           <a:custGeom>
             <a:avLst/>
@@ -1204,8 +1185,8 @@
         </p:nvSpPr>
         <p:spPr>
           <a:xfrm>
-            <a:off x="1143225" y="685800"/>
-            <a:ext cx="4572225" cy="3429000"/>
+            <a:off x="381000" y="685800"/>
+            <a:ext cx="6096000" cy="3429000"/>
           </a:xfrm>
           <a:custGeom>
             <a:avLst/>
@@ -1524,8 +1505,8 @@
         </p:nvSpPr>
         <p:spPr>
           <a:xfrm>
-            <a:off x="1143225" y="685800"/>
-            <a:ext cx="4572300" cy="3429000"/>
+            <a:off x="381000" y="685800"/>
+            <a:ext cx="6096000" cy="3429000"/>
           </a:xfrm>
           <a:custGeom>
             <a:avLst/>
@@ -1692,8 +1673,8 @@
         </p:nvSpPr>
         <p:spPr>
           <a:xfrm>
-            <a:off x="1143225" y="685800"/>
-            <a:ext cx="4572225" cy="3429000"/>
+            <a:off x="381000" y="685800"/>
+            <a:ext cx="6096000" cy="3429000"/>
           </a:xfrm>
           <a:custGeom>
             <a:avLst/>
@@ -1768,8 +1749,8 @@
         </p:nvSpPr>
         <p:spPr>
           <a:xfrm>
-            <a:off x="1143225" y="685800"/>
-            <a:ext cx="4572300" cy="3429000"/>
+            <a:off x="381000" y="685800"/>
+            <a:ext cx="6096000" cy="3429000"/>
           </a:xfrm>
           <a:custGeom>
             <a:avLst/>
@@ -1936,8 +1917,8 @@
         </p:nvSpPr>
         <p:spPr>
           <a:xfrm>
-            <a:off x="1143225" y="685800"/>
-            <a:ext cx="4572225" cy="3429000"/>
+            <a:off x="381000" y="685800"/>
+            <a:ext cx="6096000" cy="3429000"/>
           </a:xfrm>
           <a:custGeom>
             <a:avLst/>
@@ -2058,8 +2039,8 @@
         </p:nvSpPr>
         <p:spPr>
           <a:xfrm>
-            <a:off x="1143225" y="685800"/>
-            <a:ext cx="4572225" cy="3429000"/>
+            <a:off x="381000" y="685800"/>
+            <a:ext cx="6096000" cy="3429000"/>
           </a:xfrm>
           <a:custGeom>
             <a:avLst/>
@@ -2180,8 +2161,8 @@
         </p:nvSpPr>
         <p:spPr>
           <a:xfrm>
-            <a:off x="1143225" y="685800"/>
-            <a:ext cx="4572225" cy="3429000"/>
+            <a:off x="381000" y="685800"/>
+            <a:ext cx="6096000" cy="3429000"/>
           </a:xfrm>
           <a:custGeom>
             <a:avLst/>
@@ -2302,8 +2283,8 @@
         </p:nvSpPr>
         <p:spPr>
           <a:xfrm>
-            <a:off x="1143225" y="685800"/>
-            <a:ext cx="4572225" cy="3429000"/>
+            <a:off x="381000" y="685800"/>
+            <a:ext cx="6096000" cy="3429000"/>
           </a:xfrm>
           <a:custGeom>
             <a:avLst/>
@@ -2378,8 +2359,8 @@
         </p:nvSpPr>
         <p:spPr>
           <a:xfrm>
-            <a:off x="1143225" y="685800"/>
-            <a:ext cx="4572300" cy="3429000"/>
+            <a:off x="381000" y="685800"/>
+            <a:ext cx="6096000" cy="3429000"/>
           </a:xfrm>
           <a:custGeom>
             <a:avLst/>
@@ -15012,7 +14993,7 @@
   </p:clrMapOvr>
   <p:extLst>
     <p:ext uri="{DCECCB84-F9BA-43D5-87BE-67443E8EF086}">
-      <p15:sldGuideLst xmlns="" xmlns:mc="http://schemas.openxmlformats.org/markup-compatibility/2006" xmlns:mv="urn:schemas-microsoft-com:mac:vml" xmlns:c="http://schemas.openxmlformats.org/drawingml/2006/chart" xmlns:dgm="http://schemas.openxmlformats.org/drawingml/2006/diagram" xmlns:o="urn:schemas-microsoft-com:office:office" xmlns:v="urn:schemas-microsoft-com:vml" xmlns:pvml="urn:schemas-microsoft-com:office:powerpoint" xmlns:com="http://schemas.openxmlformats.org/drawingml/2006/compatibility" xmlns:p14="http://schemas.microsoft.com/office/powerpoint/2010/main" xmlns:p15="http://schemas.microsoft.com/office/powerpoint/2012/main" xmlns:ahyp="http://schemas.microsoft.com/office/drawing/2018/hyperlinkcolor">
+      <p15:sldGuideLst xmlns:ahyp="http://schemas.microsoft.com/office/drawing/2018/hyperlinkcolor" xmlns:p15="http://schemas.microsoft.com/office/powerpoint/2012/main" xmlns:p14="http://schemas.microsoft.com/office/powerpoint/2010/main" xmlns:com="http://schemas.openxmlformats.org/drawingml/2006/compatibility" xmlns:pvml="urn:schemas-microsoft-com:office:powerpoint" xmlns:v="urn:schemas-microsoft-com:vml" xmlns:o="urn:schemas-microsoft-com:office:office" xmlns:dgm="http://schemas.openxmlformats.org/drawingml/2006/diagram" xmlns:c="http://schemas.openxmlformats.org/drawingml/2006/chart" xmlns:mv="urn:schemas-microsoft-com:mac:vml" xmlns:mc="http://schemas.openxmlformats.org/markup-compatibility/2006" xmlns="">
         <p15:guide id="1" orient="horz" pos="696">
           <p15:clr>
             <a:srgbClr val="FBAE40"/>
@@ -19143,7 +19124,7 @@
   </p:txStyles>
   <p:extLst>
     <p:ext uri="{27BBF7A9-308A-43DC-89C8-2F10F3537804}">
-      <p15:sldGuideLst xmlns="" xmlns:mc="http://schemas.openxmlformats.org/markup-compatibility/2006" xmlns:mv="urn:schemas-microsoft-com:mac:vml" xmlns:c="http://schemas.openxmlformats.org/drawingml/2006/chart" xmlns:dgm="http://schemas.openxmlformats.org/drawingml/2006/diagram" xmlns:o="urn:schemas-microsoft-com:office:office" xmlns:v="urn:schemas-microsoft-com:vml" xmlns:pvml="urn:schemas-microsoft-com:office:powerpoint" xmlns:com="http://schemas.openxmlformats.org/drawingml/2006/compatibility" xmlns:p14="http://schemas.microsoft.com/office/powerpoint/2010/main" xmlns:p15="http://schemas.microsoft.com/office/powerpoint/2012/main" xmlns:ahyp="http://schemas.microsoft.com/office/drawing/2018/hyperlinkcolor">
+      <p15:sldGuideLst xmlns:ahyp="http://schemas.microsoft.com/office/drawing/2018/hyperlinkcolor" xmlns:p15="http://schemas.microsoft.com/office/powerpoint/2012/main" xmlns:p14="http://schemas.microsoft.com/office/powerpoint/2010/main" xmlns:com="http://schemas.openxmlformats.org/drawingml/2006/compatibility" xmlns:pvml="urn:schemas-microsoft-com:office:powerpoint" xmlns:v="urn:schemas-microsoft-com:vml" xmlns:o="urn:schemas-microsoft-com:office:office" xmlns:dgm="http://schemas.openxmlformats.org/drawingml/2006/diagram" xmlns:c="http://schemas.openxmlformats.org/drawingml/2006/chart" xmlns:mv="urn:schemas-microsoft-com:mac:vml" xmlns:mc="http://schemas.openxmlformats.org/markup-compatibility/2006" xmlns="">
         <p15:guide id="1" pos="792">
           <p15:clr>
             <a:srgbClr val="F26B43"/>
@@ -20607,11 +20588,11 @@
 </file>
 
 <file path=ppt/slides/slide13.xml><?xml version="1.0" encoding="utf-8"?>
-<p:sld xmlns:a="http://schemas.openxmlformats.org/drawingml/2006/main" xmlns:r="http://schemas.openxmlformats.org/officeDocument/2006/relationships" xmlns:mc="http://schemas.openxmlformats.org/markup-compatibility/2006" xmlns:mv="urn:schemas-microsoft-com:mac:vml" xmlns:p="http://schemas.openxmlformats.org/presentationml/2006/main" xmlns:c="http://schemas.openxmlformats.org/drawingml/2006/chart" xmlns:dgm="http://schemas.openxmlformats.org/drawingml/2006/diagram" xmlns:o="urn:schemas-microsoft-com:office:office" xmlns:v="urn:schemas-microsoft-com:vml" xmlns:pvml="urn:schemas-microsoft-com:office:powerpoint" xmlns:com="http://schemas.openxmlformats.org/drawingml/2006/compatibility" xmlns:p14="http://schemas.microsoft.com/office/powerpoint/2010/main" xmlns:p15="http://schemas.microsoft.com/office/powerpoint/2012/main" xmlns:ahyp="http://schemas.microsoft.com/office/drawing/2018/hyperlinkcolor">
+<p:sld xmlns:a="http://schemas.openxmlformats.org/drawingml/2006/main" xmlns:r="http://schemas.openxmlformats.org/officeDocument/2006/relationships" xmlns:p="http://schemas.openxmlformats.org/presentationml/2006/main">
   <p:cSld>
     <p:spTree>
       <p:nvGrpSpPr>
-        <p:cNvPr id="175" name="Shape 175"/>
+        <p:cNvPr id="1" name="Shape 175"/>
         <p:cNvGrpSpPr/>
         <p:nvPr/>
       </p:nvGrpSpPr>
@@ -20626,7 +20607,9 @@
       <p:sp>
         <p:nvSpPr>
           <p:cNvPr id="176" name="Google Shape;176;p1"/>
-          <p:cNvSpPr txBox="1"/>
+          <p:cNvSpPr txBox="1">
+            <a:spLocks noGrp="1"/>
+          </p:cNvSpPr>
           <p:nvPr>
             <p:ph type="title"/>
           </p:nvPr>
@@ -20645,12 +20628,12 @@
           </a:ln>
         </p:spPr>
         <p:txBody>
-          <a:bodyPr anchorCtr="0" anchor="t" bIns="45700" lIns="91425" spcFirstLastPara="1" rIns="91425" wrap="square" tIns="45700">
+          <a:bodyPr spcFirstLastPara="1" wrap="square" lIns="91425" tIns="45700" rIns="91425" bIns="45700" anchor="t" anchorCtr="0">
             <a:normAutofit/>
           </a:bodyPr>
           <a:lstStyle/>
           <a:p>
-            <a:pPr indent="0" lvl="0" marL="0" rtl="0" algn="l">
+            <a:pPr marL="0" lvl="0" indent="0" algn="l" rtl="0">
               <a:lnSpc>
                 <a:spcPct val="90000"/>
               </a:lnSpc>
@@ -20692,23 +20675,23 @@
           <a:solidFill>
             <a:schemeClr val="lt1"/>
           </a:solidFill>
-          <a:ln cap="flat" cmpd="sng" w="25400">
+          <a:ln w="25400" cap="flat" cmpd="sng">
             <a:solidFill>
               <a:schemeClr val="dk1"/>
             </a:solidFill>
             <a:prstDash val="solid"/>
             <a:round/>
-            <a:headEnd len="sm" w="sm" type="none"/>
-            <a:tailEnd len="sm" w="sm" type="none"/>
+            <a:headEnd type="none" w="sm" len="sm"/>
+            <a:tailEnd type="none" w="sm" len="sm"/>
           </a:ln>
         </p:spPr>
         <p:txBody>
-          <a:bodyPr anchorCtr="0" anchor="ctr" bIns="45700" lIns="91425" spcFirstLastPara="1" rIns="91425" wrap="square" tIns="45700">
+          <a:bodyPr spcFirstLastPara="1" wrap="square" lIns="91425" tIns="45700" rIns="91425" bIns="45700" anchor="ctr" anchorCtr="0">
             <a:noAutofit/>
           </a:bodyPr>
           <a:lstStyle/>
           <a:p>
-            <a:pPr indent="0" lvl="0" marL="0" marR="0" rtl="0" algn="ctr">
+            <a:pPr marL="0" marR="0" lvl="0" indent="0" algn="ctr" rtl="0">
               <a:lnSpc>
                 <a:spcPct val="100000"/>
               </a:lnSpc>
@@ -20728,7 +20711,7 @@
               </a:rPr>
               <a:t>Admin</a:t>
             </a:r>
-            <a:endParaRPr b="0" i="0" sz="1800" u="none" cap="none" strike="noStrike">
+            <a:endParaRPr sz="1800" b="0" i="0" u="none" strike="noStrike" cap="none">
               <a:solidFill>
                 <a:schemeClr val="dk1"/>
               </a:solidFill>
@@ -20747,7 +20730,7 @@
           <p:nvPr/>
         </p:nvCxnSpPr>
         <p:spPr>
-          <a:xfrm flipH="1" rot="10800000">
+          <a:xfrm rot="10800000" flipH="1">
             <a:off x="4079631" y="1772497"/>
             <a:ext cx="1364700" cy="14100"/>
           </a:xfrm>
@@ -20755,14 +20738,14 @@
             <a:avLst/>
           </a:prstGeom>
           <a:noFill/>
-          <a:ln cap="flat" cmpd="sng" w="9525">
+          <a:ln w="9525" cap="flat" cmpd="sng">
             <a:solidFill>
               <a:schemeClr val="dk1"/>
             </a:solidFill>
             <a:prstDash val="solid"/>
             <a:round/>
-            <a:headEnd len="sm" w="sm" type="none"/>
-            <a:tailEnd len="med" w="med" type="stealth"/>
+            <a:headEnd type="none" w="sm" len="sm"/>
+            <a:tailEnd type="stealth" w="med" len="med"/>
           </a:ln>
         </p:spPr>
       </p:cxnSp>
@@ -20783,23 +20766,23 @@
           <a:solidFill>
             <a:schemeClr val="lt1"/>
           </a:solidFill>
-          <a:ln cap="flat" cmpd="sng" w="25400">
+          <a:ln w="25400" cap="flat" cmpd="sng">
             <a:solidFill>
               <a:schemeClr val="dk1"/>
             </a:solidFill>
             <a:prstDash val="solid"/>
             <a:round/>
-            <a:headEnd len="sm" w="sm" type="none"/>
-            <a:tailEnd len="sm" w="sm" type="none"/>
+            <a:headEnd type="none" w="sm" len="sm"/>
+            <a:tailEnd type="none" w="sm" len="sm"/>
           </a:ln>
         </p:spPr>
         <p:txBody>
-          <a:bodyPr anchorCtr="0" anchor="ctr" bIns="45700" lIns="91425" spcFirstLastPara="1" rIns="91425" wrap="square" tIns="45700">
+          <a:bodyPr spcFirstLastPara="1" wrap="square" lIns="91425" tIns="45700" rIns="91425" bIns="45700" anchor="ctr" anchorCtr="0">
             <a:noAutofit/>
           </a:bodyPr>
           <a:lstStyle/>
           <a:p>
-            <a:pPr indent="0" lvl="0" marL="0" marR="0" rtl="0" algn="l">
+            <a:pPr marL="0" marR="0" lvl="0" indent="0" algn="l" rtl="0">
               <a:lnSpc>
                 <a:spcPct val="100000"/>
               </a:lnSpc>
@@ -20826,7 +20809,7 @@
             </a:endParaRPr>
           </a:p>
           <a:p>
-            <a:pPr indent="0" lvl="0" marL="0" marR="0" rtl="0" algn="l">
+            <a:pPr marL="0" marR="0" lvl="0" indent="0" algn="l" rtl="0">
               <a:lnSpc>
                 <a:spcPct val="100000"/>
               </a:lnSpc>
@@ -20846,7 +20829,7 @@
               </a:rPr>
               <a:t>    details </a:t>
             </a:r>
-            <a:endParaRPr b="0" i="0" sz="1400" u="none" cap="none" strike="noStrike">
+            <a:endParaRPr sz="1400" b="0" i="0" u="none" strike="noStrike" cap="none">
               <a:solidFill>
                 <a:schemeClr val="dk1"/>
               </a:solidFill>
@@ -20865,7 +20848,7 @@
           <p:nvPr/>
         </p:nvCxnSpPr>
         <p:spPr>
-          <a:xfrm flipH="1" rot="10800000">
+          <a:xfrm rot="10800000" flipH="1">
             <a:off x="6949440" y="1772497"/>
             <a:ext cx="1125300" cy="14100"/>
           </a:xfrm>
@@ -20873,14 +20856,14 @@
             <a:avLst/>
           </a:prstGeom>
           <a:noFill/>
-          <a:ln cap="flat" cmpd="sng" w="9525">
+          <a:ln w="9525" cap="flat" cmpd="sng">
             <a:solidFill>
               <a:schemeClr val="dk1"/>
             </a:solidFill>
             <a:prstDash val="solid"/>
             <a:round/>
-            <a:headEnd len="sm" w="sm" type="none"/>
-            <a:tailEnd len="med" w="med" type="stealth"/>
+            <a:headEnd type="none" w="sm" len="sm"/>
+            <a:tailEnd type="stealth" w="med" len="med"/>
           </a:ln>
         </p:spPr>
       </p:cxnSp>
@@ -20901,23 +20884,23 @@
           <a:solidFill>
             <a:schemeClr val="lt1"/>
           </a:solidFill>
-          <a:ln cap="flat" cmpd="sng" w="25400">
+          <a:ln w="25400" cap="flat" cmpd="sng">
             <a:solidFill>
               <a:schemeClr val="dk1"/>
             </a:solidFill>
             <a:prstDash val="solid"/>
             <a:round/>
-            <a:headEnd len="sm" w="sm" type="none"/>
-            <a:tailEnd len="sm" w="sm" type="none"/>
+            <a:headEnd type="none" w="sm" len="sm"/>
+            <a:tailEnd type="none" w="sm" len="sm"/>
           </a:ln>
         </p:spPr>
         <p:txBody>
-          <a:bodyPr anchorCtr="0" anchor="ctr" bIns="45700" lIns="91425" spcFirstLastPara="1" rIns="91425" wrap="square" tIns="45700">
+          <a:bodyPr spcFirstLastPara="1" wrap="square" lIns="91425" tIns="45700" rIns="91425" bIns="45700" anchor="ctr" anchorCtr="0">
             <a:noAutofit/>
           </a:bodyPr>
           <a:lstStyle/>
           <a:p>
-            <a:pPr indent="0" lvl="0" marL="0" marR="0" rtl="0" algn="ctr">
+            <a:pPr marL="0" marR="0" lvl="0" indent="0" algn="ctr" rtl="0">
               <a:lnSpc>
                 <a:spcPct val="100000"/>
               </a:lnSpc>
@@ -20930,7 +20913,7 @@
               <a:buNone/>
             </a:pPr>
             <a:r>
-              <a:rPr b="0" i="0" lang="en-IN" sz="1400" u="none" cap="none" strike="noStrike">
+              <a:rPr lang="en-IN" sz="1400" b="0" i="0" u="none" strike="noStrike" cap="none">
                 <a:solidFill>
                   <a:schemeClr val="dk1"/>
                 </a:solidFill>
@@ -20941,7 +20924,7 @@
               </a:rPr>
               <a:t>customer</a:t>
             </a:r>
-            <a:endParaRPr b="0" i="0" sz="1400" u="none" cap="none" strike="noStrike">
+            <a:endParaRPr sz="1400" b="0" i="0" u="none" strike="noStrike" cap="none">
               <a:solidFill>
                 <a:schemeClr val="dk1"/>
               </a:solidFill>
@@ -20970,14 +20953,14 @@
             <a:avLst/>
           </a:prstGeom>
           <a:noFill/>
-          <a:ln cap="flat" cmpd="sng" w="9525">
+          <a:ln w="9525" cap="flat" cmpd="sng">
             <a:solidFill>
               <a:schemeClr val="dk1"/>
             </a:solidFill>
             <a:prstDash val="solid"/>
             <a:round/>
-            <a:headEnd len="sm" w="sm" type="none"/>
-            <a:tailEnd len="sm" w="sm" type="none"/>
+            <a:headEnd type="none" w="sm" len="sm"/>
+            <a:tailEnd type="none" w="sm" len="sm"/>
           </a:ln>
         </p:spPr>
       </p:cxnSp>
@@ -20988,7 +20971,7 @@
           <p:nvPr/>
         </p:nvCxnSpPr>
         <p:spPr>
-          <a:xfrm flipH="1" rot="10800000">
+          <a:xfrm rot="10800000" flipH="1">
             <a:off x="3123028" y="2813475"/>
             <a:ext cx="2321100" cy="28200"/>
           </a:xfrm>
@@ -20996,14 +20979,14 @@
             <a:avLst/>
           </a:prstGeom>
           <a:noFill/>
-          <a:ln cap="flat" cmpd="sng" w="9525">
+          <a:ln w="9525" cap="flat" cmpd="sng">
             <a:solidFill>
               <a:schemeClr val="dk1"/>
             </a:solidFill>
             <a:prstDash val="solid"/>
             <a:round/>
-            <a:headEnd len="sm" w="sm" type="none"/>
-            <a:tailEnd len="med" w="med" type="stealth"/>
+            <a:headEnd type="none" w="sm" len="sm"/>
+            <a:tailEnd type="stealth" w="med" len="med"/>
           </a:ln>
         </p:spPr>
       </p:cxnSp>
@@ -21014,7 +20997,7 @@
           <p:nvPr/>
         </p:nvCxnSpPr>
         <p:spPr>
-          <a:xfrm flipH="1" rot="-5400000">
+          <a:xfrm rot="-5400000" flipH="1">
             <a:off x="1744404" y="2940135"/>
             <a:ext cx="1730400" cy="42300"/>
           </a:xfrm>
@@ -21022,14 +21005,14 @@
             <a:avLst/>
           </a:prstGeom>
           <a:noFill/>
-          <a:ln cap="flat" cmpd="sng" w="9525">
+          <a:ln w="9525" cap="flat" cmpd="sng">
             <a:solidFill>
               <a:schemeClr val="dk1"/>
             </a:solidFill>
             <a:prstDash val="solid"/>
             <a:round/>
-            <a:headEnd len="sm" w="sm" type="none"/>
-            <a:tailEnd len="sm" w="sm" type="none"/>
+            <a:headEnd type="none" w="sm" len="sm"/>
+            <a:tailEnd type="none" w="sm" len="sm"/>
           </a:ln>
         </p:spPr>
       </p:cxnSp>
@@ -21040,7 +21023,7 @@
           <p:nvPr/>
         </p:nvCxnSpPr>
         <p:spPr>
-          <a:xfrm flipH="1" rot="10800000">
+          <a:xfrm rot="10800000" flipH="1">
             <a:off x="2630660" y="3798214"/>
             <a:ext cx="2813400" cy="28200"/>
           </a:xfrm>
@@ -21048,14 +21031,14 @@
             <a:avLst/>
           </a:prstGeom>
           <a:noFill/>
-          <a:ln cap="flat" cmpd="sng" w="9525">
+          <a:ln w="9525" cap="flat" cmpd="sng">
             <a:solidFill>
               <a:schemeClr val="dk1"/>
             </a:solidFill>
             <a:prstDash val="solid"/>
             <a:round/>
-            <a:headEnd len="sm" w="sm" type="none"/>
-            <a:tailEnd len="med" w="med" type="stealth"/>
+            <a:headEnd type="none" w="sm" len="sm"/>
+            <a:tailEnd type="stealth" w="med" len="med"/>
           </a:ln>
         </p:spPr>
       </p:cxnSp>
@@ -21076,23 +21059,23 @@
           <a:solidFill>
             <a:schemeClr val="lt1"/>
           </a:solidFill>
-          <a:ln cap="flat" cmpd="sng" w="25400">
+          <a:ln w="25400" cap="flat" cmpd="sng">
             <a:solidFill>
               <a:schemeClr val="dk1"/>
             </a:solidFill>
             <a:prstDash val="solid"/>
             <a:round/>
-            <a:headEnd len="sm" w="sm" type="none"/>
-            <a:tailEnd len="sm" w="sm" type="none"/>
+            <a:headEnd type="none" w="sm" len="sm"/>
+            <a:tailEnd type="none" w="sm" len="sm"/>
           </a:ln>
         </p:spPr>
         <p:txBody>
-          <a:bodyPr anchorCtr="0" anchor="ctr" bIns="45700" lIns="91425" spcFirstLastPara="1" rIns="91425" wrap="square" tIns="45700">
+          <a:bodyPr spcFirstLastPara="1" wrap="square" lIns="91425" tIns="45700" rIns="91425" bIns="45700" anchor="ctr" anchorCtr="0">
             <a:noAutofit/>
           </a:bodyPr>
           <a:lstStyle/>
           <a:p>
-            <a:pPr indent="0" lvl="0" marL="0" marR="0" rtl="0" algn="ctr">
+            <a:pPr marL="0" marR="0" lvl="0" indent="0" algn="ctr" rtl="0">
               <a:lnSpc>
                 <a:spcPct val="100000"/>
               </a:lnSpc>
@@ -21105,7 +21088,7 @@
               <a:buNone/>
             </a:pPr>
             <a:r>
-              <a:rPr b="0" i="0" lang="en-IN" sz="1400" u="none" cap="none" strike="noStrike">
+              <a:rPr lang="en-IN" sz="1400" b="0" i="0" u="none" strike="noStrike" cap="none">
                 <a:solidFill>
                   <a:schemeClr val="dk1"/>
                 </a:solidFill>
@@ -21116,7 +21099,7 @@
               </a:rPr>
               <a:t>Parking slot</a:t>
             </a:r>
-            <a:endParaRPr b="0" i="0" sz="1400" u="none" cap="none" strike="noStrike">
+            <a:endParaRPr sz="1400" b="0" i="0" u="none" strike="noStrike" cap="none">
               <a:solidFill>
                 <a:schemeClr val="dk1"/>
               </a:solidFill>
@@ -21145,23 +21128,23 @@
           <a:solidFill>
             <a:schemeClr val="lt1"/>
           </a:solidFill>
-          <a:ln cap="flat" cmpd="sng" w="25400">
+          <a:ln w="25400" cap="flat" cmpd="sng">
             <a:solidFill>
               <a:schemeClr val="dk1"/>
             </a:solidFill>
             <a:prstDash val="solid"/>
             <a:round/>
-            <a:headEnd len="sm" w="sm" type="none"/>
-            <a:tailEnd len="sm" w="sm" type="none"/>
+            <a:headEnd type="none" w="sm" len="sm"/>
+            <a:tailEnd type="none" w="sm" len="sm"/>
           </a:ln>
         </p:spPr>
         <p:txBody>
-          <a:bodyPr anchorCtr="0" anchor="ctr" bIns="45700" lIns="91425" spcFirstLastPara="1" rIns="91425" wrap="square" tIns="45700">
+          <a:bodyPr spcFirstLastPara="1" wrap="square" lIns="91425" tIns="45700" rIns="91425" bIns="45700" anchor="ctr" anchorCtr="0">
             <a:noAutofit/>
           </a:bodyPr>
           <a:lstStyle/>
           <a:p>
-            <a:pPr indent="0" lvl="0" marL="0" marR="0" rtl="0" algn="ctr">
+            <a:pPr marL="0" marR="0" lvl="0" indent="0" algn="ctr" rtl="0">
               <a:lnSpc>
                 <a:spcPct val="100000"/>
               </a:lnSpc>
@@ -21174,7 +21157,7 @@
               <a:buNone/>
             </a:pPr>
             <a:r>
-              <a:rPr b="0" i="0" lang="en-IN" sz="1400" u="none" cap="none" strike="noStrike">
+              <a:rPr lang="en-IN" sz="1400" b="0" i="0" u="none" strike="noStrike" cap="none">
                 <a:solidFill>
                   <a:schemeClr val="dk1"/>
                 </a:solidFill>
@@ -21185,7 +21168,7 @@
               </a:rPr>
               <a:t>In/out entry</a:t>
             </a:r>
-            <a:endParaRPr b="0" i="0" sz="1400" u="none" cap="none" strike="noStrike">
+            <a:endParaRPr sz="1400" b="0" i="0" u="none" strike="noStrike" cap="none">
               <a:solidFill>
                 <a:schemeClr val="dk1"/>
               </a:solidFill>
@@ -21212,14 +21195,14 @@
             <a:avLst/>
           </a:prstGeom>
           <a:noFill/>
-          <a:ln cap="flat" cmpd="sng" w="9525">
+          <a:ln w="9525" cap="flat" cmpd="sng">
             <a:solidFill>
               <a:schemeClr val="dk1"/>
             </a:solidFill>
             <a:prstDash val="solid"/>
             <a:round/>
-            <a:headEnd len="sm" w="sm" type="none"/>
-            <a:tailEnd len="sm" w="sm" type="none"/>
+            <a:headEnd type="none" w="sm" len="sm"/>
+            <a:tailEnd type="none" w="sm" len="sm"/>
           </a:ln>
         </p:spPr>
       </p:cxnSp>
@@ -21230,7 +21213,7 @@
           <p:nvPr/>
         </p:nvCxnSpPr>
         <p:spPr>
-          <a:xfrm flipH="1" rot="10800000">
+          <a:xfrm rot="10800000" flipH="1">
             <a:off x="2250831" y="4867390"/>
             <a:ext cx="3179400" cy="14100"/>
           </a:xfrm>
@@ -21238,14 +21221,14 @@
             <a:avLst/>
           </a:prstGeom>
           <a:noFill/>
-          <a:ln cap="flat" cmpd="sng" w="9525">
+          <a:ln w="9525" cap="flat" cmpd="sng">
             <a:solidFill>
               <a:schemeClr val="dk1"/>
             </a:solidFill>
             <a:prstDash val="solid"/>
             <a:round/>
-            <a:headEnd len="sm" w="sm" type="none"/>
-            <a:tailEnd len="med" w="med" type="stealth"/>
+            <a:headEnd type="none" w="sm" len="sm"/>
+            <a:tailEnd type="stealth" w="med" len="med"/>
           </a:ln>
         </p:spPr>
       </p:cxnSp>
@@ -21266,23 +21249,23 @@
           <a:solidFill>
             <a:schemeClr val="lt1"/>
           </a:solidFill>
-          <a:ln cap="flat" cmpd="sng" w="25400">
+          <a:ln w="25400" cap="flat" cmpd="sng">
             <a:solidFill>
               <a:schemeClr val="dk1"/>
             </a:solidFill>
             <a:prstDash val="solid"/>
             <a:round/>
-            <a:headEnd len="sm" w="sm" type="none"/>
-            <a:tailEnd len="sm" w="sm" type="none"/>
+            <a:headEnd type="none" w="sm" len="sm"/>
+            <a:tailEnd type="none" w="sm" len="sm"/>
           </a:ln>
         </p:spPr>
         <p:txBody>
-          <a:bodyPr anchorCtr="0" anchor="ctr" bIns="45700" lIns="91425" spcFirstLastPara="1" rIns="91425" wrap="square" tIns="45700">
+          <a:bodyPr spcFirstLastPara="1" wrap="square" lIns="91425" tIns="45700" rIns="91425" bIns="45700" anchor="ctr" anchorCtr="0">
             <a:noAutofit/>
           </a:bodyPr>
           <a:lstStyle/>
           <a:p>
-            <a:pPr indent="0" lvl="0" marL="0" marR="0" rtl="0" algn="ctr">
+            <a:pPr marL="0" marR="0" lvl="0" indent="0" algn="ctr" rtl="0">
               <a:lnSpc>
                 <a:spcPct val="100000"/>
               </a:lnSpc>
@@ -21295,7 +21278,7 @@
               <a:buNone/>
             </a:pPr>
             <a:r>
-              <a:rPr b="0" i="0" lang="en-IN" sz="1400" u="none" cap="none" strike="noStrike">
+              <a:rPr lang="en-IN" sz="1400" b="0" i="0" u="none" strike="noStrike" cap="none">
                 <a:solidFill>
                   <a:schemeClr val="dk1"/>
                 </a:solidFill>
@@ -21306,7 +21289,7 @@
               </a:rPr>
               <a:t>Token generation</a:t>
             </a:r>
-            <a:endParaRPr b="0" i="0" sz="1400" u="none" cap="none" strike="noStrike">
+            <a:endParaRPr sz="1400" b="0" i="0" u="none" strike="noStrike" cap="none">
               <a:solidFill>
                 <a:schemeClr val="dk1"/>
               </a:solidFill>
@@ -21336,14 +21319,14 @@
             <a:avLst/>
           </a:prstGeom>
           <a:noFill/>
-          <a:ln cap="flat" cmpd="sng" w="9525">
+          <a:ln w="9525" cap="flat" cmpd="sng">
             <a:solidFill>
               <a:schemeClr val="dk1"/>
             </a:solidFill>
             <a:prstDash val="solid"/>
             <a:round/>
-            <a:headEnd len="sm" w="sm" type="none"/>
-            <a:tailEnd len="med" w="med" type="stealth"/>
+            <a:headEnd type="none" w="sm" len="sm"/>
+            <a:tailEnd type="stealth" w="med" len="med"/>
           </a:ln>
         </p:spPr>
       </p:cxnSp>
@@ -21364,14 +21347,14 @@
             <a:avLst/>
           </a:prstGeom>
           <a:noFill/>
-          <a:ln cap="flat" cmpd="sng" w="9525">
+          <a:ln w="9525" cap="flat" cmpd="sng">
             <a:solidFill>
               <a:schemeClr val="dk1"/>
             </a:solidFill>
             <a:prstDash val="solid"/>
             <a:round/>
-            <a:headEnd len="sm" w="sm" type="none"/>
-            <a:tailEnd len="med" w="med" type="stealth"/>
+            <a:headEnd type="none" w="sm" len="sm"/>
+            <a:tailEnd type="stealth" w="med" len="med"/>
           </a:ln>
         </p:spPr>
       </p:cxnSp>
@@ -21392,23 +21375,23 @@
           <a:solidFill>
             <a:schemeClr val="lt1"/>
           </a:solidFill>
-          <a:ln cap="flat" cmpd="sng" w="25400">
+          <a:ln w="25400" cap="flat" cmpd="sng">
             <a:solidFill>
               <a:schemeClr val="dk1"/>
             </a:solidFill>
             <a:prstDash val="solid"/>
             <a:round/>
-            <a:headEnd len="sm" w="sm" type="none"/>
-            <a:tailEnd len="sm" w="sm" type="none"/>
+            <a:headEnd type="none" w="sm" len="sm"/>
+            <a:tailEnd type="none" w="sm" len="sm"/>
           </a:ln>
         </p:spPr>
         <p:txBody>
-          <a:bodyPr anchorCtr="0" anchor="ctr" bIns="45700" lIns="91425" spcFirstLastPara="1" rIns="91425" wrap="square" tIns="45700">
+          <a:bodyPr spcFirstLastPara="1" wrap="square" lIns="91425" tIns="45700" rIns="91425" bIns="45700" anchor="ctr" anchorCtr="0">
             <a:noAutofit/>
           </a:bodyPr>
           <a:lstStyle/>
           <a:p>
-            <a:pPr indent="0" lvl="0" marL="0" marR="0" rtl="0" algn="ctr">
+            <a:pPr marL="0" marR="0" lvl="0" indent="0" algn="ctr" rtl="0">
               <a:lnSpc>
                 <a:spcPct val="100000"/>
               </a:lnSpc>
@@ -21421,7 +21404,7 @@
               <a:buNone/>
             </a:pPr>
             <a:r>
-              <a:rPr b="0" i="0" lang="en-IN" sz="1400" u="none" cap="none" strike="noStrike">
+              <a:rPr lang="en-IN" sz="1400" b="0" i="0" u="none" strike="noStrike" cap="none">
                 <a:solidFill>
                   <a:schemeClr val="dk1"/>
                 </a:solidFill>
@@ -21432,7 +21415,7 @@
               </a:rPr>
               <a:t>Billing</a:t>
             </a:r>
-            <a:endParaRPr b="0" i="0" sz="1400" u="none" cap="none" strike="noStrike">
+            <a:endParaRPr sz="1400" b="0" i="0" u="none" strike="noStrike" cap="none">
               <a:solidFill>
                 <a:schemeClr val="dk1"/>
               </a:solidFill>
@@ -21457,18 +21440,18 @@
           </a:xfrm>
           <a:prstGeom prst="bentConnector3">
             <a:avLst>
-              <a:gd fmla="val 49998" name="adj1"/>
+              <a:gd name="adj1" fmla="val 49998"/>
             </a:avLst>
           </a:prstGeom>
           <a:noFill/>
-          <a:ln cap="flat" cmpd="sng" w="9525">
+          <a:ln w="9525" cap="flat" cmpd="sng">
             <a:solidFill>
               <a:schemeClr val="dk1"/>
             </a:solidFill>
             <a:prstDash val="solid"/>
             <a:round/>
-            <a:headEnd len="sm" w="sm" type="none"/>
-            <a:tailEnd len="med" w="med" type="stealth"/>
+            <a:headEnd type="none" w="sm" len="sm"/>
+            <a:tailEnd type="stealth" w="med" len="med"/>
           </a:ln>
         </p:spPr>
       </p:cxnSp>
@@ -21485,18 +21468,18 @@
           </a:xfrm>
           <a:prstGeom prst="bentConnector3">
             <a:avLst>
-              <a:gd fmla="val 49998" name="adj1"/>
+              <a:gd name="adj1" fmla="val 49998"/>
             </a:avLst>
           </a:prstGeom>
           <a:noFill/>
-          <a:ln cap="flat" cmpd="sng" w="9525">
+          <a:ln w="9525" cap="flat" cmpd="sng">
             <a:solidFill>
               <a:schemeClr val="dk1"/>
             </a:solidFill>
             <a:prstDash val="solid"/>
             <a:round/>
-            <a:headEnd len="sm" w="sm" type="none"/>
-            <a:tailEnd len="med" w="med" type="stealth"/>
+            <a:headEnd type="none" w="sm" len="sm"/>
+            <a:tailEnd type="stealth" w="med" len="med"/>
           </a:ln>
         </p:spPr>
       </p:cxnSp>
@@ -21517,14 +21500,14 @@
             <a:avLst/>
           </a:prstGeom>
           <a:noFill/>
-          <a:ln cap="flat" cmpd="sng" w="9525">
+          <a:ln w="9525" cap="flat" cmpd="sng">
             <a:solidFill>
               <a:schemeClr val="dk1"/>
             </a:solidFill>
             <a:prstDash val="solid"/>
             <a:round/>
-            <a:headEnd len="sm" w="sm" type="none"/>
-            <a:tailEnd len="med" w="med" type="stealth"/>
+            <a:headEnd type="none" w="sm" len="sm"/>
+            <a:tailEnd type="stealth" w="med" len="med"/>
           </a:ln>
         </p:spPr>
       </p:cxnSp>
@@ -21545,14 +21528,14 @@
             <a:avLst/>
           </a:prstGeom>
           <a:noFill/>
-          <a:ln cap="flat" cmpd="sng" w="9525">
+          <a:ln w="9525" cap="flat" cmpd="sng">
             <a:solidFill>
               <a:schemeClr val="dk1"/>
             </a:solidFill>
             <a:prstDash val="solid"/>
             <a:round/>
-            <a:headEnd len="sm" w="sm" type="none"/>
-            <a:tailEnd len="med" w="med" type="stealth"/>
+            <a:headEnd type="none" w="sm" len="sm"/>
+            <a:tailEnd type="stealth" w="med" len="med"/>
           </a:ln>
         </p:spPr>
       </p:cxnSp>
@@ -21573,14 +21556,14 @@
             <a:avLst/>
           </a:prstGeom>
           <a:noFill/>
-          <a:ln cap="flat" cmpd="sng" w="9525">
+          <a:ln w="9525" cap="flat" cmpd="sng">
             <a:solidFill>
               <a:schemeClr val="dk1"/>
             </a:solidFill>
             <a:prstDash val="solid"/>
             <a:round/>
-            <a:headEnd len="sm" w="sm" type="none"/>
-            <a:tailEnd len="med" w="med" type="stealth"/>
+            <a:headEnd type="none" w="sm" len="sm"/>
+            <a:tailEnd type="stealth" w="med" len="med"/>
           </a:ln>
         </p:spPr>
       </p:cxnSp>
@@ -21601,23 +21584,23 @@
           <a:solidFill>
             <a:schemeClr val="lt1"/>
           </a:solidFill>
-          <a:ln cap="flat" cmpd="sng" w="25400">
+          <a:ln w="25400" cap="flat" cmpd="sng">
             <a:solidFill>
               <a:schemeClr val="dk1"/>
             </a:solidFill>
             <a:prstDash val="solid"/>
             <a:round/>
-            <a:headEnd len="sm" w="sm" type="none"/>
-            <a:tailEnd len="sm" w="sm" type="none"/>
+            <a:headEnd type="none" w="sm" len="sm"/>
+            <a:tailEnd type="none" w="sm" len="sm"/>
           </a:ln>
         </p:spPr>
         <p:txBody>
-          <a:bodyPr anchorCtr="0" anchor="ctr" bIns="45700" lIns="91425" spcFirstLastPara="1" rIns="91425" wrap="square" tIns="45700">
+          <a:bodyPr spcFirstLastPara="1" wrap="square" lIns="91425" tIns="45700" rIns="91425" bIns="45700" anchor="ctr" anchorCtr="0">
             <a:noAutofit/>
           </a:bodyPr>
           <a:lstStyle/>
           <a:p>
-            <a:pPr indent="0" lvl="0" marL="0" marR="0" rtl="0" algn="ctr">
+            <a:pPr marL="0" marR="0" lvl="0" indent="0" algn="ctr" rtl="0">
               <a:lnSpc>
                 <a:spcPct val="100000"/>
               </a:lnSpc>
@@ -21630,7 +21613,7 @@
               <a:buNone/>
             </a:pPr>
             <a:r>
-              <a:rPr b="0" i="0" lang="en-IN" sz="1400" u="none" cap="none" strike="noStrike">
+              <a:rPr lang="en-IN" sz="1400" b="0" i="0" u="none" strike="noStrike" cap="none">
                 <a:solidFill>
                   <a:schemeClr val="dk1"/>
                 </a:solidFill>
@@ -21641,7 +21624,7 @@
               </a:rPr>
               <a:t>slot</a:t>
             </a:r>
-            <a:endParaRPr b="0" i="0" sz="1400" u="none" cap="none" strike="noStrike">
+            <a:endParaRPr sz="1400" b="0" i="0" u="none" strike="noStrike" cap="none">
               <a:solidFill>
                 <a:schemeClr val="dk1"/>
               </a:solidFill>
@@ -21670,23 +21653,23 @@
           <a:solidFill>
             <a:schemeClr val="lt1"/>
           </a:solidFill>
-          <a:ln cap="flat" cmpd="sng" w="25400">
+          <a:ln w="25400" cap="flat" cmpd="sng">
             <a:solidFill>
               <a:schemeClr val="dk1"/>
             </a:solidFill>
             <a:prstDash val="solid"/>
             <a:round/>
-            <a:headEnd len="sm" w="sm" type="none"/>
-            <a:tailEnd len="sm" w="sm" type="none"/>
+            <a:headEnd type="none" w="sm" len="sm"/>
+            <a:tailEnd type="none" w="sm" len="sm"/>
           </a:ln>
         </p:spPr>
         <p:txBody>
-          <a:bodyPr anchorCtr="0" anchor="ctr" bIns="45700" lIns="91425" spcFirstLastPara="1" rIns="91425" wrap="square" tIns="45700">
+          <a:bodyPr spcFirstLastPara="1" wrap="square" lIns="91425" tIns="45700" rIns="91425" bIns="45700" anchor="ctr" anchorCtr="0">
             <a:noAutofit/>
           </a:bodyPr>
           <a:lstStyle/>
           <a:p>
-            <a:pPr indent="0" lvl="0" marL="0" marR="0" rtl="0" algn="ctr">
+            <a:pPr marL="0" marR="0" lvl="0" indent="0" algn="ctr" rtl="0">
               <a:lnSpc>
                 <a:spcPct val="100000"/>
               </a:lnSpc>
@@ -21699,7 +21682,7 @@
               <a:buNone/>
             </a:pPr>
             <a:r>
-              <a:rPr b="0" i="0" lang="en-IN" sz="1400" u="none" cap="none" strike="noStrike">
+              <a:rPr lang="en-IN" sz="1400" b="0" i="0" u="none" strike="noStrike" cap="none">
                 <a:solidFill>
                   <a:schemeClr val="dk1"/>
                 </a:solidFill>
@@ -21710,7 +21693,7 @@
               </a:rPr>
               <a:t>In/out entry</a:t>
             </a:r>
-            <a:endParaRPr b="0" i="0" sz="1400" u="none" cap="none" strike="noStrike">
+            <a:endParaRPr sz="1400" b="0" i="0" u="none" strike="noStrike" cap="none">
               <a:solidFill>
                 <a:schemeClr val="dk1"/>
               </a:solidFill>
@@ -21739,23 +21722,23 @@
           <a:solidFill>
             <a:schemeClr val="lt1"/>
           </a:solidFill>
-          <a:ln cap="flat" cmpd="sng" w="25400">
+          <a:ln w="25400" cap="flat" cmpd="sng">
             <a:solidFill>
               <a:schemeClr val="dk1"/>
             </a:solidFill>
             <a:prstDash val="solid"/>
             <a:round/>
-            <a:headEnd len="sm" w="sm" type="none"/>
-            <a:tailEnd len="sm" w="sm" type="none"/>
+            <a:headEnd type="none" w="sm" len="sm"/>
+            <a:tailEnd type="none" w="sm" len="sm"/>
           </a:ln>
         </p:spPr>
         <p:txBody>
-          <a:bodyPr anchorCtr="0" anchor="ctr" bIns="45700" lIns="91425" spcFirstLastPara="1" rIns="91425" wrap="square" tIns="45700">
+          <a:bodyPr spcFirstLastPara="1" wrap="square" lIns="91425" tIns="45700" rIns="91425" bIns="45700" anchor="ctr" anchorCtr="0">
             <a:noAutofit/>
           </a:bodyPr>
           <a:lstStyle/>
           <a:p>
-            <a:pPr indent="0" lvl="0" marL="0" marR="0" rtl="0" algn="ctr">
+            <a:pPr marL="0" marR="0" lvl="0" indent="0" algn="ctr" rtl="0">
               <a:lnSpc>
                 <a:spcPct val="100000"/>
               </a:lnSpc>
@@ -21768,7 +21751,7 @@
               <a:buNone/>
             </a:pPr>
             <a:r>
-              <a:rPr b="0" i="0" lang="en-IN" sz="1400" u="none" cap="none" strike="noStrike">
+              <a:rPr lang="en-IN" sz="1400" b="0" i="0" u="none" strike="noStrike" cap="none">
                 <a:solidFill>
                   <a:schemeClr val="dk1"/>
                 </a:solidFill>
@@ -21779,7 +21762,7 @@
               </a:rPr>
               <a:t>Token</a:t>
             </a:r>
-            <a:endParaRPr b="0" i="0" sz="1400" u="none" cap="none" strike="noStrike">
+            <a:endParaRPr sz="1400" b="0" i="0" u="none" strike="noStrike" cap="none">
               <a:solidFill>
                 <a:schemeClr val="dk1"/>
               </a:solidFill>
@@ -21808,23 +21791,23 @@
           <a:solidFill>
             <a:schemeClr val="lt1"/>
           </a:solidFill>
-          <a:ln cap="flat" cmpd="sng" w="25400">
+          <a:ln w="25400" cap="flat" cmpd="sng">
             <a:solidFill>
               <a:schemeClr val="dk1"/>
             </a:solidFill>
             <a:prstDash val="solid"/>
             <a:round/>
-            <a:headEnd len="sm" w="sm" type="none"/>
-            <a:tailEnd len="sm" w="sm" type="none"/>
+            <a:headEnd type="none" w="sm" len="sm"/>
+            <a:tailEnd type="none" w="sm" len="sm"/>
           </a:ln>
         </p:spPr>
         <p:txBody>
-          <a:bodyPr anchorCtr="0" anchor="ctr" bIns="45700" lIns="91425" spcFirstLastPara="1" rIns="91425" wrap="square" tIns="45700">
+          <a:bodyPr spcFirstLastPara="1" wrap="square" lIns="91425" tIns="45700" rIns="91425" bIns="45700" anchor="ctr" anchorCtr="0">
             <a:noAutofit/>
           </a:bodyPr>
           <a:lstStyle/>
           <a:p>
-            <a:pPr indent="0" lvl="0" marL="0" marR="0" rtl="0" algn="ctr">
+            <a:pPr marL="0" marR="0" lvl="0" indent="0" algn="ctr" rtl="0">
               <a:lnSpc>
                 <a:spcPct val="100000"/>
               </a:lnSpc>
@@ -21837,7 +21820,7 @@
               <a:buNone/>
             </a:pPr>
             <a:r>
-              <a:rPr b="0" i="0" lang="en-IN" sz="1400" u="none" cap="none" strike="noStrike">
+              <a:rPr lang="en-IN" sz="1400" b="0" i="0" u="none" strike="noStrike" cap="none">
                 <a:solidFill>
                   <a:schemeClr val="dk1"/>
                 </a:solidFill>
@@ -21848,7 +21831,7 @@
               </a:rPr>
               <a:t>Billing</a:t>
             </a:r>
-            <a:endParaRPr b="0" i="0" sz="1400" u="none" cap="none" strike="noStrike">
+            <a:endParaRPr sz="1400" b="0" i="0" u="none" strike="noStrike" cap="none">
               <a:solidFill>
                 <a:schemeClr val="dk1"/>
               </a:solidFill>
@@ -21869,3062 +21852,6 @@
 </file>
 
 <file path=ppt/slides/slide14.xml><?xml version="1.0" encoding="utf-8"?>
-<p:sld xmlns:a="http://schemas.openxmlformats.org/drawingml/2006/main" xmlns:r="http://schemas.openxmlformats.org/officeDocument/2006/relationships" xmlns:p="http://schemas.openxmlformats.org/presentationml/2006/main">
-  <p:cSld>
-    <p:spTree>
-      <p:nvGrpSpPr>
-        <p:cNvPr id="1" name=""/>
-        <p:cNvGrpSpPr/>
-        <p:nvPr/>
-      </p:nvGrpSpPr>
-      <p:grpSpPr>
-        <a:xfrm>
-          <a:off x="0" y="0"/>
-          <a:ext cx="0" cy="0"/>
-          <a:chOff x="0" y="0"/>
-          <a:chExt cx="0" cy="0"/>
-        </a:xfrm>
-      </p:grpSpPr>
-      <p:graphicFrame>
-        <p:nvGraphicFramePr>
-          <p:cNvPr id="8" name="Table 7"/>
-          <p:cNvGraphicFramePr>
-            <a:graphicFrameLocks noGrp="1"/>
-          </p:cNvGraphicFramePr>
-          <p:nvPr/>
-        </p:nvGraphicFramePr>
-        <p:xfrm>
-          <a:off x="3276600" y="4038600"/>
-          <a:ext cx="6400800" cy="2362200"/>
-        </p:xfrm>
-        <a:graphic>
-          <a:graphicData uri="http://schemas.openxmlformats.org/drawingml/2006/table">
-            <a:tbl>
-              <a:tblPr/>
-              <a:tblGrid>
-                <a:gridCol w="1599565"/>
-                <a:gridCol w="1600200"/>
-                <a:gridCol w="1600200"/>
-                <a:gridCol w="1600835"/>
-              </a:tblGrid>
-              <a:tr h="393700">
-                <a:tc>
-                  <a:txBody>
-                    <a:bodyPr/>
-                    <a:lstStyle/>
-                    <a:p>
-                      <a:pPr marL="0" marR="0" algn="ctr">
-                        <a:lnSpc>
-                          <a:spcPct val="150000"/>
-                        </a:lnSpc>
-                        <a:spcBef>
-                          <a:spcPts val="0"/>
-                        </a:spcBef>
-                        <a:spcAft>
-                          <a:spcPts val="1000"/>
-                        </a:spcAft>
-                      </a:pPr>
-                      <a:r>
-                        <a:rPr lang="en-IN" sz="1200" b="1" dirty="0">
-                          <a:latin typeface="Times New Roman" panose="02020603050405020304"/>
-                          <a:ea typeface="SimSun" panose="02010600030101010101" pitchFamily="2" charset="-122"/>
-                          <a:cs typeface="Times New Roman" panose="02020603050405020304"/>
-                        </a:rPr>
-                        <a:t>FIELD </a:t>
-                      </a:r>
-                      <a:endParaRPr lang="en-US" sz="1100" dirty="0">
-                        <a:latin typeface="Calibri" panose="020F0502020204030204"/>
-                        <a:ea typeface="Calibri" panose="020F0502020204030204"/>
-                        <a:cs typeface="Times New Roman" panose="02020603050405020304"/>
-                      </a:endParaRPr>
-                    </a:p>
-                  </a:txBody>
-                  <a:tcPr marL="68580" marR="68580" marT="0" marB="0">
-                    <a:lnL w="12700" cap="flat" cmpd="sng" algn="ctr">
-                      <a:solidFill>
-                        <a:srgbClr val="000000"/>
-                      </a:solidFill>
-                      <a:prstDash val="solid"/>
-                      <a:round/>
-                      <a:headEnd type="none" w="med" len="med"/>
-                      <a:tailEnd type="none" w="med" len="med"/>
-                    </a:lnL>
-                    <a:lnR w="12700" cap="flat" cmpd="sng" algn="ctr">
-                      <a:solidFill>
-                        <a:srgbClr val="000000"/>
-                      </a:solidFill>
-                      <a:prstDash val="solid"/>
-                      <a:round/>
-                      <a:headEnd type="none" w="med" len="med"/>
-                      <a:tailEnd type="none" w="med" len="med"/>
-                    </a:lnR>
-                    <a:lnT w="12700" cap="flat" cmpd="sng" algn="ctr">
-                      <a:solidFill>
-                        <a:srgbClr val="000000"/>
-                      </a:solidFill>
-                      <a:prstDash val="solid"/>
-                      <a:round/>
-                      <a:headEnd type="none" w="med" len="med"/>
-                      <a:tailEnd type="none" w="med" len="med"/>
-                    </a:lnT>
-                    <a:lnB w="12700" cap="flat" cmpd="sng" algn="ctr">
-                      <a:solidFill>
-                        <a:srgbClr val="000000"/>
-                      </a:solidFill>
-                      <a:prstDash val="solid"/>
-                      <a:round/>
-                      <a:headEnd type="none" w="med" len="med"/>
-                      <a:tailEnd type="none" w="med" len="med"/>
-                    </a:lnB>
-                  </a:tcPr>
-                </a:tc>
-                <a:tc>
-                  <a:txBody>
-                    <a:bodyPr/>
-                    <a:lstStyle/>
-                    <a:p>
-                      <a:pPr marL="0" marR="0" algn="ctr">
-                        <a:lnSpc>
-                          <a:spcPct val="150000"/>
-                        </a:lnSpc>
-                        <a:spcBef>
-                          <a:spcPts val="0"/>
-                        </a:spcBef>
-                        <a:spcAft>
-                          <a:spcPts val="1000"/>
-                        </a:spcAft>
-                      </a:pPr>
-                      <a:r>
-                        <a:rPr lang="en-IN" sz="1200" b="1">
-                          <a:latin typeface="Times New Roman" panose="02020603050405020304"/>
-                          <a:ea typeface="SimSun" panose="02010600030101010101" pitchFamily="2" charset="-122"/>
-                          <a:cs typeface="Times New Roman" panose="02020603050405020304"/>
-                        </a:rPr>
-                        <a:t>DATA TYPE</a:t>
-                      </a:r>
-                      <a:endParaRPr lang="en-US" sz="1100">
-                        <a:latin typeface="Calibri" panose="020F0502020204030204"/>
-                        <a:ea typeface="Calibri" panose="020F0502020204030204"/>
-                        <a:cs typeface="Times New Roman" panose="02020603050405020304"/>
-                      </a:endParaRPr>
-                    </a:p>
-                  </a:txBody>
-                  <a:tcPr marL="68580" marR="68580" marT="0" marB="0">
-                    <a:lnL w="12700" cap="flat" cmpd="sng" algn="ctr">
-                      <a:solidFill>
-                        <a:srgbClr val="000000"/>
-                      </a:solidFill>
-                      <a:prstDash val="solid"/>
-                      <a:round/>
-                      <a:headEnd type="none" w="med" len="med"/>
-                      <a:tailEnd type="none" w="med" len="med"/>
-                    </a:lnL>
-                    <a:lnR w="12700" cap="flat" cmpd="sng" algn="ctr">
-                      <a:solidFill>
-                        <a:srgbClr val="000000"/>
-                      </a:solidFill>
-                      <a:prstDash val="solid"/>
-                      <a:round/>
-                      <a:headEnd type="none" w="med" len="med"/>
-                      <a:tailEnd type="none" w="med" len="med"/>
-                    </a:lnR>
-                    <a:lnT w="12700" cap="flat" cmpd="sng" algn="ctr">
-                      <a:solidFill>
-                        <a:srgbClr val="000000"/>
-                      </a:solidFill>
-                      <a:prstDash val="solid"/>
-                      <a:round/>
-                      <a:headEnd type="none" w="med" len="med"/>
-                      <a:tailEnd type="none" w="med" len="med"/>
-                    </a:lnT>
-                    <a:lnB w="12700" cap="flat" cmpd="sng" algn="ctr">
-                      <a:solidFill>
-                        <a:srgbClr val="000000"/>
-                      </a:solidFill>
-                      <a:prstDash val="solid"/>
-                      <a:round/>
-                      <a:headEnd type="none" w="med" len="med"/>
-                      <a:tailEnd type="none" w="med" len="med"/>
-                    </a:lnB>
-                  </a:tcPr>
-                </a:tc>
-                <a:tc>
-                  <a:txBody>
-                    <a:bodyPr/>
-                    <a:lstStyle/>
-                    <a:p>
-                      <a:pPr marL="0" marR="0" algn="ctr">
-                        <a:lnSpc>
-                          <a:spcPct val="150000"/>
-                        </a:lnSpc>
-                        <a:spcBef>
-                          <a:spcPts val="0"/>
-                        </a:spcBef>
-                        <a:spcAft>
-                          <a:spcPts val="1000"/>
-                        </a:spcAft>
-                      </a:pPr>
-                      <a:r>
-                        <a:rPr lang="en-IN" sz="1200" b="1">
-                          <a:latin typeface="Times New Roman" panose="02020603050405020304"/>
-                          <a:ea typeface="SimSun" panose="02010600030101010101" pitchFamily="2" charset="-122"/>
-                          <a:cs typeface="Times New Roman" panose="02020603050405020304"/>
-                        </a:rPr>
-                        <a:t>SIZE</a:t>
-                      </a:r>
-                      <a:endParaRPr lang="en-US" sz="1100">
-                        <a:latin typeface="Calibri" panose="020F0502020204030204"/>
-                        <a:ea typeface="Calibri" panose="020F0502020204030204"/>
-                        <a:cs typeface="Times New Roman" panose="02020603050405020304"/>
-                      </a:endParaRPr>
-                    </a:p>
-                  </a:txBody>
-                  <a:tcPr marL="68580" marR="68580" marT="0" marB="0">
-                    <a:lnL w="12700" cap="flat" cmpd="sng" algn="ctr">
-                      <a:solidFill>
-                        <a:srgbClr val="000000"/>
-                      </a:solidFill>
-                      <a:prstDash val="solid"/>
-                      <a:round/>
-                      <a:headEnd type="none" w="med" len="med"/>
-                      <a:tailEnd type="none" w="med" len="med"/>
-                    </a:lnL>
-                    <a:lnR w="12700" cap="flat" cmpd="sng" algn="ctr">
-                      <a:solidFill>
-                        <a:srgbClr val="000000"/>
-                      </a:solidFill>
-                      <a:prstDash val="solid"/>
-                      <a:round/>
-                      <a:headEnd type="none" w="med" len="med"/>
-                      <a:tailEnd type="none" w="med" len="med"/>
-                    </a:lnR>
-                    <a:lnT w="12700" cap="flat" cmpd="sng" algn="ctr">
-                      <a:solidFill>
-                        <a:srgbClr val="000000"/>
-                      </a:solidFill>
-                      <a:prstDash val="solid"/>
-                      <a:round/>
-                      <a:headEnd type="none" w="med" len="med"/>
-                      <a:tailEnd type="none" w="med" len="med"/>
-                    </a:lnT>
-                    <a:lnB w="12700" cap="flat" cmpd="sng" algn="ctr">
-                      <a:solidFill>
-                        <a:srgbClr val="000000"/>
-                      </a:solidFill>
-                      <a:prstDash val="solid"/>
-                      <a:round/>
-                      <a:headEnd type="none" w="med" len="med"/>
-                      <a:tailEnd type="none" w="med" len="med"/>
-                    </a:lnB>
-                  </a:tcPr>
-                </a:tc>
-                <a:tc>
-                  <a:txBody>
-                    <a:bodyPr/>
-                    <a:lstStyle/>
-                    <a:p>
-                      <a:pPr marL="0" marR="0" algn="ctr">
-                        <a:lnSpc>
-                          <a:spcPct val="150000"/>
-                        </a:lnSpc>
-                        <a:spcBef>
-                          <a:spcPts val="0"/>
-                        </a:spcBef>
-                        <a:spcAft>
-                          <a:spcPts val="1000"/>
-                        </a:spcAft>
-                      </a:pPr>
-                      <a:r>
-                        <a:rPr lang="en-IN" sz="1200" b="1">
-                          <a:latin typeface="Times New Roman" panose="02020603050405020304"/>
-                          <a:ea typeface="SimSun" panose="02010600030101010101" pitchFamily="2" charset="-122"/>
-                          <a:cs typeface="Times New Roman" panose="02020603050405020304"/>
-                        </a:rPr>
-                        <a:t>CONSTRAINT</a:t>
-                      </a:r>
-                      <a:endParaRPr lang="en-US" sz="1100">
-                        <a:latin typeface="Calibri" panose="020F0502020204030204"/>
-                        <a:ea typeface="Calibri" panose="020F0502020204030204"/>
-                        <a:cs typeface="Times New Roman" panose="02020603050405020304"/>
-                      </a:endParaRPr>
-                    </a:p>
-                  </a:txBody>
-                  <a:tcPr marL="68580" marR="68580" marT="0" marB="0">
-                    <a:lnL w="12700" cap="flat" cmpd="sng" algn="ctr">
-                      <a:solidFill>
-                        <a:srgbClr val="000000"/>
-                      </a:solidFill>
-                      <a:prstDash val="solid"/>
-                      <a:round/>
-                      <a:headEnd type="none" w="med" len="med"/>
-                      <a:tailEnd type="none" w="med" len="med"/>
-                    </a:lnL>
-                    <a:lnR w="12700" cap="flat" cmpd="sng" algn="ctr">
-                      <a:solidFill>
-                        <a:srgbClr val="000000"/>
-                      </a:solidFill>
-                      <a:prstDash val="solid"/>
-                      <a:round/>
-                      <a:headEnd type="none" w="med" len="med"/>
-                      <a:tailEnd type="none" w="med" len="med"/>
-                    </a:lnR>
-                    <a:lnT w="12700" cap="flat" cmpd="sng" algn="ctr">
-                      <a:solidFill>
-                        <a:srgbClr val="000000"/>
-                      </a:solidFill>
-                      <a:prstDash val="solid"/>
-                      <a:round/>
-                      <a:headEnd type="none" w="med" len="med"/>
-                      <a:tailEnd type="none" w="med" len="med"/>
-                    </a:lnT>
-                    <a:lnB w="12700" cap="flat" cmpd="sng" algn="ctr">
-                      <a:solidFill>
-                        <a:srgbClr val="000000"/>
-                      </a:solidFill>
-                      <a:prstDash val="solid"/>
-                      <a:round/>
-                      <a:headEnd type="none" w="med" len="med"/>
-                      <a:tailEnd type="none" w="med" len="med"/>
-                    </a:lnB>
-                  </a:tcPr>
-                </a:tc>
-              </a:tr>
-              <a:tr h="393700">
-                <a:tc>
-                  <a:txBody>
-                    <a:bodyPr/>
-                    <a:lstStyle/>
-                    <a:p>
-                      <a:pPr marL="0" marR="0" algn="ctr">
-                        <a:lnSpc>
-                          <a:spcPct val="150000"/>
-                        </a:lnSpc>
-                        <a:spcBef>
-                          <a:spcPts val="0"/>
-                        </a:spcBef>
-                        <a:spcAft>
-                          <a:spcPts val="1000"/>
-                        </a:spcAft>
-                      </a:pPr>
-                      <a:r>
-                        <a:rPr lang="en-IN" sz="1200" dirty="0">
-                          <a:latin typeface="Times New Roman" panose="02020603050405020304"/>
-                          <a:ea typeface="SimSun" panose="02010600030101010101" pitchFamily="2" charset="-122"/>
-                          <a:cs typeface="Times New Roman" panose="02020603050405020304"/>
-                        </a:rPr>
-                        <a:t>In/out id</a:t>
-                      </a:r>
-                      <a:endParaRPr lang="en-US" sz="1100" dirty="0">
-                        <a:latin typeface="Calibri" panose="020F0502020204030204"/>
-                        <a:ea typeface="Calibri" panose="020F0502020204030204"/>
-                        <a:cs typeface="Times New Roman" panose="02020603050405020304"/>
-                      </a:endParaRPr>
-                    </a:p>
-                  </a:txBody>
-                  <a:tcPr marL="68580" marR="68580" marT="0" marB="0">
-                    <a:lnL w="12700" cap="flat" cmpd="sng" algn="ctr">
-                      <a:solidFill>
-                        <a:srgbClr val="000000"/>
-                      </a:solidFill>
-                      <a:prstDash val="solid"/>
-                      <a:round/>
-                      <a:headEnd type="none" w="med" len="med"/>
-                      <a:tailEnd type="none" w="med" len="med"/>
-                    </a:lnL>
-                    <a:lnR w="12700" cap="flat" cmpd="sng" algn="ctr">
-                      <a:solidFill>
-                        <a:srgbClr val="000000"/>
-                      </a:solidFill>
-                      <a:prstDash val="solid"/>
-                      <a:round/>
-                      <a:headEnd type="none" w="med" len="med"/>
-                      <a:tailEnd type="none" w="med" len="med"/>
-                    </a:lnR>
-                    <a:lnT w="12700" cap="flat" cmpd="sng" algn="ctr">
-                      <a:solidFill>
-                        <a:srgbClr val="000000"/>
-                      </a:solidFill>
-                      <a:prstDash val="solid"/>
-                      <a:round/>
-                      <a:headEnd type="none" w="med" len="med"/>
-                      <a:tailEnd type="none" w="med" len="med"/>
-                    </a:lnT>
-                    <a:lnB w="12700" cap="flat" cmpd="sng" algn="ctr">
-                      <a:solidFill>
-                        <a:srgbClr val="000000"/>
-                      </a:solidFill>
-                      <a:prstDash val="solid"/>
-                      <a:round/>
-                      <a:headEnd type="none" w="med" len="med"/>
-                      <a:tailEnd type="none" w="med" len="med"/>
-                    </a:lnB>
-                  </a:tcPr>
-                </a:tc>
-                <a:tc>
-                  <a:txBody>
-                    <a:bodyPr/>
-                    <a:lstStyle/>
-                    <a:p>
-                      <a:pPr marL="0" marR="0" algn="ctr">
-                        <a:lnSpc>
-                          <a:spcPct val="150000"/>
-                        </a:lnSpc>
-                        <a:spcBef>
-                          <a:spcPts val="0"/>
-                        </a:spcBef>
-                        <a:spcAft>
-                          <a:spcPts val="1000"/>
-                        </a:spcAft>
-                      </a:pPr>
-                      <a:r>
-                        <a:rPr lang="en-IN" sz="1200">
-                          <a:latin typeface="Times New Roman" panose="02020603050405020304"/>
-                          <a:ea typeface="SimSun" panose="02010600030101010101" pitchFamily="2" charset="-122"/>
-                          <a:cs typeface="Times New Roman" panose="02020603050405020304"/>
-                        </a:rPr>
-                        <a:t>Int</a:t>
-                      </a:r>
-                      <a:endParaRPr lang="en-US" sz="1100">
-                        <a:latin typeface="Calibri" panose="020F0502020204030204"/>
-                        <a:ea typeface="Calibri" panose="020F0502020204030204"/>
-                        <a:cs typeface="Times New Roman" panose="02020603050405020304"/>
-                      </a:endParaRPr>
-                    </a:p>
-                  </a:txBody>
-                  <a:tcPr marL="68580" marR="68580" marT="0" marB="0">
-                    <a:lnL w="12700" cap="flat" cmpd="sng" algn="ctr">
-                      <a:solidFill>
-                        <a:srgbClr val="000000"/>
-                      </a:solidFill>
-                      <a:prstDash val="solid"/>
-                      <a:round/>
-                      <a:headEnd type="none" w="med" len="med"/>
-                      <a:tailEnd type="none" w="med" len="med"/>
-                    </a:lnL>
-                    <a:lnR w="12700" cap="flat" cmpd="sng" algn="ctr">
-                      <a:solidFill>
-                        <a:srgbClr val="000000"/>
-                      </a:solidFill>
-                      <a:prstDash val="solid"/>
-                      <a:round/>
-                      <a:headEnd type="none" w="med" len="med"/>
-                      <a:tailEnd type="none" w="med" len="med"/>
-                    </a:lnR>
-                    <a:lnT w="12700" cap="flat" cmpd="sng" algn="ctr">
-                      <a:solidFill>
-                        <a:srgbClr val="000000"/>
-                      </a:solidFill>
-                      <a:prstDash val="solid"/>
-                      <a:round/>
-                      <a:headEnd type="none" w="med" len="med"/>
-                      <a:tailEnd type="none" w="med" len="med"/>
-                    </a:lnT>
-                    <a:lnB w="12700" cap="flat" cmpd="sng" algn="ctr">
-                      <a:solidFill>
-                        <a:srgbClr val="000000"/>
-                      </a:solidFill>
-                      <a:prstDash val="solid"/>
-                      <a:round/>
-                      <a:headEnd type="none" w="med" len="med"/>
-                      <a:tailEnd type="none" w="med" len="med"/>
-                    </a:lnB>
-                  </a:tcPr>
-                </a:tc>
-                <a:tc>
-                  <a:txBody>
-                    <a:bodyPr/>
-                    <a:lstStyle/>
-                    <a:p>
-                      <a:pPr marL="0" marR="0" algn="ctr">
-                        <a:lnSpc>
-                          <a:spcPct val="150000"/>
-                        </a:lnSpc>
-                        <a:spcBef>
-                          <a:spcPts val="0"/>
-                        </a:spcBef>
-                        <a:spcAft>
-                          <a:spcPts val="1000"/>
-                        </a:spcAft>
-                      </a:pPr>
-                      <a:r>
-                        <a:rPr lang="en-IN" sz="1200">
-                          <a:latin typeface="Times New Roman" panose="02020603050405020304"/>
-                          <a:ea typeface="SimSun" panose="02010600030101010101" pitchFamily="2" charset="-122"/>
-                          <a:cs typeface="Times New Roman" panose="02020603050405020304"/>
-                        </a:rPr>
-                        <a:t>10</a:t>
-                      </a:r>
-                      <a:endParaRPr lang="en-US" sz="1100">
-                        <a:latin typeface="Calibri" panose="020F0502020204030204"/>
-                        <a:ea typeface="Calibri" panose="020F0502020204030204"/>
-                        <a:cs typeface="Times New Roman" panose="02020603050405020304"/>
-                      </a:endParaRPr>
-                    </a:p>
-                  </a:txBody>
-                  <a:tcPr marL="68580" marR="68580" marT="0" marB="0">
-                    <a:lnL w="12700" cap="flat" cmpd="sng" algn="ctr">
-                      <a:solidFill>
-                        <a:srgbClr val="000000"/>
-                      </a:solidFill>
-                      <a:prstDash val="solid"/>
-                      <a:round/>
-                      <a:headEnd type="none" w="med" len="med"/>
-                      <a:tailEnd type="none" w="med" len="med"/>
-                    </a:lnL>
-                    <a:lnR w="12700" cap="flat" cmpd="sng" algn="ctr">
-                      <a:solidFill>
-                        <a:srgbClr val="000000"/>
-                      </a:solidFill>
-                      <a:prstDash val="solid"/>
-                      <a:round/>
-                      <a:headEnd type="none" w="med" len="med"/>
-                      <a:tailEnd type="none" w="med" len="med"/>
-                    </a:lnR>
-                    <a:lnT w="12700" cap="flat" cmpd="sng" algn="ctr">
-                      <a:solidFill>
-                        <a:srgbClr val="000000"/>
-                      </a:solidFill>
-                      <a:prstDash val="solid"/>
-                      <a:round/>
-                      <a:headEnd type="none" w="med" len="med"/>
-                      <a:tailEnd type="none" w="med" len="med"/>
-                    </a:lnT>
-                    <a:lnB w="12700" cap="flat" cmpd="sng" algn="ctr">
-                      <a:solidFill>
-                        <a:srgbClr val="000000"/>
-                      </a:solidFill>
-                      <a:prstDash val="solid"/>
-                      <a:round/>
-                      <a:headEnd type="none" w="med" len="med"/>
-                      <a:tailEnd type="none" w="med" len="med"/>
-                    </a:lnB>
-                  </a:tcPr>
-                </a:tc>
-                <a:tc>
-                  <a:txBody>
-                    <a:bodyPr/>
-                    <a:lstStyle/>
-                    <a:p>
-                      <a:pPr marL="0" marR="0" algn="ctr">
-                        <a:lnSpc>
-                          <a:spcPct val="150000"/>
-                        </a:lnSpc>
-                        <a:spcBef>
-                          <a:spcPts val="0"/>
-                        </a:spcBef>
-                        <a:spcAft>
-                          <a:spcPts val="1000"/>
-                        </a:spcAft>
-                      </a:pPr>
-                      <a:r>
-                        <a:rPr lang="en-IN" sz="1200">
-                          <a:latin typeface="Times New Roman" panose="02020603050405020304"/>
-                          <a:ea typeface="SimSun" panose="02010600030101010101" pitchFamily="2" charset="-122"/>
-                          <a:cs typeface="Times New Roman" panose="02020603050405020304"/>
-                        </a:rPr>
-                        <a:t>Primary key</a:t>
-                      </a:r>
-                      <a:endParaRPr lang="en-US" sz="1100">
-                        <a:latin typeface="Calibri" panose="020F0502020204030204"/>
-                        <a:ea typeface="Calibri" panose="020F0502020204030204"/>
-                        <a:cs typeface="Times New Roman" panose="02020603050405020304"/>
-                      </a:endParaRPr>
-                    </a:p>
-                  </a:txBody>
-                  <a:tcPr marL="68580" marR="68580" marT="0" marB="0">
-                    <a:lnL w="12700" cap="flat" cmpd="sng" algn="ctr">
-                      <a:solidFill>
-                        <a:srgbClr val="000000"/>
-                      </a:solidFill>
-                      <a:prstDash val="solid"/>
-                      <a:round/>
-                      <a:headEnd type="none" w="med" len="med"/>
-                      <a:tailEnd type="none" w="med" len="med"/>
-                    </a:lnL>
-                    <a:lnR w="12700" cap="flat" cmpd="sng" algn="ctr">
-                      <a:solidFill>
-                        <a:srgbClr val="000000"/>
-                      </a:solidFill>
-                      <a:prstDash val="solid"/>
-                      <a:round/>
-                      <a:headEnd type="none" w="med" len="med"/>
-                      <a:tailEnd type="none" w="med" len="med"/>
-                    </a:lnR>
-                    <a:lnT w="12700" cap="flat" cmpd="sng" algn="ctr">
-                      <a:solidFill>
-                        <a:srgbClr val="000000"/>
-                      </a:solidFill>
-                      <a:prstDash val="solid"/>
-                      <a:round/>
-                      <a:headEnd type="none" w="med" len="med"/>
-                      <a:tailEnd type="none" w="med" len="med"/>
-                    </a:lnT>
-                    <a:lnB w="12700" cap="flat" cmpd="sng" algn="ctr">
-                      <a:solidFill>
-                        <a:srgbClr val="000000"/>
-                      </a:solidFill>
-                      <a:prstDash val="solid"/>
-                      <a:round/>
-                      <a:headEnd type="none" w="med" len="med"/>
-                      <a:tailEnd type="none" w="med" len="med"/>
-                    </a:lnB>
-                  </a:tcPr>
-                </a:tc>
-              </a:tr>
-              <a:tr h="393700">
-                <a:tc>
-                  <a:txBody>
-                    <a:bodyPr/>
-                    <a:lstStyle/>
-                    <a:p>
-                      <a:pPr marL="0" marR="0" algn="ctr">
-                        <a:lnSpc>
-                          <a:spcPct val="150000"/>
-                        </a:lnSpc>
-                        <a:spcBef>
-                          <a:spcPts val="0"/>
-                        </a:spcBef>
-                        <a:spcAft>
-                          <a:spcPts val="1000"/>
-                        </a:spcAft>
-                      </a:pPr>
-                      <a:r>
-                        <a:rPr lang="en-IN" sz="1200" dirty="0">
-                          <a:latin typeface="Times New Roman" panose="02020603050405020304"/>
-                          <a:ea typeface="SimSun" panose="02010600030101010101" pitchFamily="2" charset="-122"/>
-                          <a:cs typeface="Times New Roman" panose="02020603050405020304"/>
-                        </a:rPr>
-                        <a:t>Customer id</a:t>
-                      </a:r>
-                      <a:endParaRPr lang="en-US" sz="1100" dirty="0">
-                        <a:latin typeface="Calibri" panose="020F0502020204030204"/>
-                        <a:ea typeface="Calibri" panose="020F0502020204030204"/>
-                        <a:cs typeface="Times New Roman" panose="02020603050405020304"/>
-                      </a:endParaRPr>
-                    </a:p>
-                  </a:txBody>
-                  <a:tcPr marL="68580" marR="68580" marT="0" marB="0">
-                    <a:lnL w="12700" cap="flat" cmpd="sng" algn="ctr">
-                      <a:solidFill>
-                        <a:srgbClr val="000000"/>
-                      </a:solidFill>
-                      <a:prstDash val="solid"/>
-                      <a:round/>
-                      <a:headEnd type="none" w="med" len="med"/>
-                      <a:tailEnd type="none" w="med" len="med"/>
-                    </a:lnL>
-                    <a:lnR w="12700" cap="flat" cmpd="sng" algn="ctr">
-                      <a:solidFill>
-                        <a:srgbClr val="000000"/>
-                      </a:solidFill>
-                      <a:prstDash val="solid"/>
-                      <a:round/>
-                      <a:headEnd type="none" w="med" len="med"/>
-                      <a:tailEnd type="none" w="med" len="med"/>
-                    </a:lnR>
-                    <a:lnT w="12700" cap="flat" cmpd="sng" algn="ctr">
-                      <a:solidFill>
-                        <a:srgbClr val="000000"/>
-                      </a:solidFill>
-                      <a:prstDash val="solid"/>
-                      <a:round/>
-                      <a:headEnd type="none" w="med" len="med"/>
-                      <a:tailEnd type="none" w="med" len="med"/>
-                    </a:lnT>
-                    <a:lnB w="12700" cap="flat" cmpd="sng" algn="ctr">
-                      <a:solidFill>
-                        <a:srgbClr val="000000"/>
-                      </a:solidFill>
-                      <a:prstDash val="solid"/>
-                      <a:round/>
-                      <a:headEnd type="none" w="med" len="med"/>
-                      <a:tailEnd type="none" w="med" len="med"/>
-                    </a:lnB>
-                  </a:tcPr>
-                </a:tc>
-                <a:tc>
-                  <a:txBody>
-                    <a:bodyPr/>
-                    <a:lstStyle/>
-                    <a:p>
-                      <a:pPr marL="0" marR="0" algn="ctr">
-                        <a:lnSpc>
-                          <a:spcPct val="150000"/>
-                        </a:lnSpc>
-                        <a:spcBef>
-                          <a:spcPts val="0"/>
-                        </a:spcBef>
-                        <a:spcAft>
-                          <a:spcPts val="1000"/>
-                        </a:spcAft>
-                      </a:pPr>
-                      <a:r>
-                        <a:rPr lang="en-IN" sz="1200">
-                          <a:latin typeface="Times New Roman" panose="02020603050405020304"/>
-                          <a:ea typeface="SimSun" panose="02010600030101010101" pitchFamily="2" charset="-122"/>
-                          <a:cs typeface="Times New Roman" panose="02020603050405020304"/>
-                        </a:rPr>
-                        <a:t>Int</a:t>
-                      </a:r>
-                      <a:endParaRPr lang="en-US" sz="1100">
-                        <a:latin typeface="Calibri" panose="020F0502020204030204"/>
-                        <a:ea typeface="Calibri" panose="020F0502020204030204"/>
-                        <a:cs typeface="Times New Roman" panose="02020603050405020304"/>
-                      </a:endParaRPr>
-                    </a:p>
-                  </a:txBody>
-                  <a:tcPr marL="68580" marR="68580" marT="0" marB="0">
-                    <a:lnL w="12700" cap="flat" cmpd="sng" algn="ctr">
-                      <a:solidFill>
-                        <a:srgbClr val="000000"/>
-                      </a:solidFill>
-                      <a:prstDash val="solid"/>
-                      <a:round/>
-                      <a:headEnd type="none" w="med" len="med"/>
-                      <a:tailEnd type="none" w="med" len="med"/>
-                    </a:lnL>
-                    <a:lnR w="12700" cap="flat" cmpd="sng" algn="ctr">
-                      <a:solidFill>
-                        <a:srgbClr val="000000"/>
-                      </a:solidFill>
-                      <a:prstDash val="solid"/>
-                      <a:round/>
-                      <a:headEnd type="none" w="med" len="med"/>
-                      <a:tailEnd type="none" w="med" len="med"/>
-                    </a:lnR>
-                    <a:lnT w="12700" cap="flat" cmpd="sng" algn="ctr">
-                      <a:solidFill>
-                        <a:srgbClr val="000000"/>
-                      </a:solidFill>
-                      <a:prstDash val="solid"/>
-                      <a:round/>
-                      <a:headEnd type="none" w="med" len="med"/>
-                      <a:tailEnd type="none" w="med" len="med"/>
-                    </a:lnT>
-                    <a:lnB w="12700" cap="flat" cmpd="sng" algn="ctr">
-                      <a:solidFill>
-                        <a:srgbClr val="000000"/>
-                      </a:solidFill>
-                      <a:prstDash val="solid"/>
-                      <a:round/>
-                      <a:headEnd type="none" w="med" len="med"/>
-                      <a:tailEnd type="none" w="med" len="med"/>
-                    </a:lnB>
-                  </a:tcPr>
-                </a:tc>
-                <a:tc>
-                  <a:txBody>
-                    <a:bodyPr/>
-                    <a:lstStyle/>
-                    <a:p>
-                      <a:pPr marL="0" marR="0" algn="ctr">
-                        <a:lnSpc>
-                          <a:spcPct val="150000"/>
-                        </a:lnSpc>
-                        <a:spcBef>
-                          <a:spcPts val="0"/>
-                        </a:spcBef>
-                        <a:spcAft>
-                          <a:spcPts val="1000"/>
-                        </a:spcAft>
-                      </a:pPr>
-                      <a:r>
-                        <a:rPr lang="en-IN" sz="1200">
-                          <a:latin typeface="Times New Roman" panose="02020603050405020304"/>
-                          <a:ea typeface="SimSun" panose="02010600030101010101" pitchFamily="2" charset="-122"/>
-                          <a:cs typeface="Times New Roman" panose="02020603050405020304"/>
-                        </a:rPr>
-                        <a:t>10</a:t>
-                      </a:r>
-                      <a:endParaRPr lang="en-US" sz="1100">
-                        <a:latin typeface="Calibri" panose="020F0502020204030204"/>
-                        <a:ea typeface="Calibri" panose="020F0502020204030204"/>
-                        <a:cs typeface="Times New Roman" panose="02020603050405020304"/>
-                      </a:endParaRPr>
-                    </a:p>
-                  </a:txBody>
-                  <a:tcPr marL="68580" marR="68580" marT="0" marB="0">
-                    <a:lnL w="12700" cap="flat" cmpd="sng" algn="ctr">
-                      <a:solidFill>
-                        <a:srgbClr val="000000"/>
-                      </a:solidFill>
-                      <a:prstDash val="solid"/>
-                      <a:round/>
-                      <a:headEnd type="none" w="med" len="med"/>
-                      <a:tailEnd type="none" w="med" len="med"/>
-                    </a:lnL>
-                    <a:lnR w="12700" cap="flat" cmpd="sng" algn="ctr">
-                      <a:solidFill>
-                        <a:srgbClr val="000000"/>
-                      </a:solidFill>
-                      <a:prstDash val="solid"/>
-                      <a:round/>
-                      <a:headEnd type="none" w="med" len="med"/>
-                      <a:tailEnd type="none" w="med" len="med"/>
-                    </a:lnR>
-                    <a:lnT w="12700" cap="flat" cmpd="sng" algn="ctr">
-                      <a:solidFill>
-                        <a:srgbClr val="000000"/>
-                      </a:solidFill>
-                      <a:prstDash val="solid"/>
-                      <a:round/>
-                      <a:headEnd type="none" w="med" len="med"/>
-                      <a:tailEnd type="none" w="med" len="med"/>
-                    </a:lnT>
-                    <a:lnB w="12700" cap="flat" cmpd="sng" algn="ctr">
-                      <a:solidFill>
-                        <a:srgbClr val="000000"/>
-                      </a:solidFill>
-                      <a:prstDash val="solid"/>
-                      <a:round/>
-                      <a:headEnd type="none" w="med" len="med"/>
-                      <a:tailEnd type="none" w="med" len="med"/>
-                    </a:lnB>
-                  </a:tcPr>
-                </a:tc>
-                <a:tc>
-                  <a:txBody>
-                    <a:bodyPr/>
-                    <a:lstStyle/>
-                    <a:p>
-                      <a:pPr marL="0" marR="0" algn="ctr">
-                        <a:lnSpc>
-                          <a:spcPct val="150000"/>
-                        </a:lnSpc>
-                        <a:spcBef>
-                          <a:spcPts val="0"/>
-                        </a:spcBef>
-                        <a:spcAft>
-                          <a:spcPts val="1000"/>
-                        </a:spcAft>
-                      </a:pPr>
-                      <a:r>
-                        <a:rPr lang="en-IN" sz="1200" dirty="0">
-                          <a:latin typeface="Times New Roman" panose="02020603050405020304"/>
-                          <a:ea typeface="SimSun" panose="02010600030101010101" pitchFamily="2" charset="-122"/>
-                          <a:cs typeface="Times New Roman" panose="02020603050405020304"/>
-                        </a:rPr>
-                        <a:t>Foreign key</a:t>
-                      </a:r>
-                      <a:endParaRPr lang="en-US" sz="1100" dirty="0">
-                        <a:latin typeface="Calibri" panose="020F0502020204030204"/>
-                        <a:ea typeface="Calibri" panose="020F0502020204030204"/>
-                        <a:cs typeface="Times New Roman" panose="02020603050405020304"/>
-                      </a:endParaRPr>
-                    </a:p>
-                  </a:txBody>
-                  <a:tcPr marL="68580" marR="68580" marT="0" marB="0">
-                    <a:lnL w="12700" cap="flat" cmpd="sng" algn="ctr">
-                      <a:solidFill>
-                        <a:srgbClr val="000000"/>
-                      </a:solidFill>
-                      <a:prstDash val="solid"/>
-                      <a:round/>
-                      <a:headEnd type="none" w="med" len="med"/>
-                      <a:tailEnd type="none" w="med" len="med"/>
-                    </a:lnL>
-                    <a:lnR w="12700" cap="flat" cmpd="sng" algn="ctr">
-                      <a:solidFill>
-                        <a:srgbClr val="000000"/>
-                      </a:solidFill>
-                      <a:prstDash val="solid"/>
-                      <a:round/>
-                      <a:headEnd type="none" w="med" len="med"/>
-                      <a:tailEnd type="none" w="med" len="med"/>
-                    </a:lnR>
-                    <a:lnT w="12700" cap="flat" cmpd="sng" algn="ctr">
-                      <a:solidFill>
-                        <a:srgbClr val="000000"/>
-                      </a:solidFill>
-                      <a:prstDash val="solid"/>
-                      <a:round/>
-                      <a:headEnd type="none" w="med" len="med"/>
-                      <a:tailEnd type="none" w="med" len="med"/>
-                    </a:lnT>
-                    <a:lnB w="12700" cap="flat" cmpd="sng" algn="ctr">
-                      <a:solidFill>
-                        <a:srgbClr val="000000"/>
-                      </a:solidFill>
-                      <a:prstDash val="solid"/>
-                      <a:round/>
-                      <a:headEnd type="none" w="med" len="med"/>
-                      <a:tailEnd type="none" w="med" len="med"/>
-                    </a:lnB>
-                  </a:tcPr>
-                </a:tc>
-              </a:tr>
-              <a:tr h="393700">
-                <a:tc>
-                  <a:txBody>
-                    <a:bodyPr/>
-                    <a:lstStyle/>
-                    <a:p>
-                      <a:pPr marL="0" marR="0" algn="ctr">
-                        <a:lnSpc>
-                          <a:spcPct val="150000"/>
-                        </a:lnSpc>
-                        <a:spcBef>
-                          <a:spcPts val="0"/>
-                        </a:spcBef>
-                        <a:spcAft>
-                          <a:spcPts val="1000"/>
-                        </a:spcAft>
-                      </a:pPr>
-                      <a:r>
-                        <a:rPr lang="en-IN" sz="1200" dirty="0">
-                          <a:latin typeface="Times New Roman" panose="02020603050405020304"/>
-                          <a:ea typeface="SimSun" panose="02010600030101010101" pitchFamily="2" charset="-122"/>
-                          <a:cs typeface="Times New Roman" panose="02020603050405020304"/>
-                        </a:rPr>
-                        <a:t>Slot id</a:t>
-                      </a:r>
-                      <a:endParaRPr lang="en-US" sz="1100" dirty="0">
-                        <a:latin typeface="Calibri" panose="020F0502020204030204"/>
-                        <a:ea typeface="Calibri" panose="020F0502020204030204"/>
-                        <a:cs typeface="Times New Roman" panose="02020603050405020304"/>
-                      </a:endParaRPr>
-                    </a:p>
-                  </a:txBody>
-                  <a:tcPr marL="68580" marR="68580" marT="0" marB="0">
-                    <a:lnL w="12700" cap="flat" cmpd="sng" algn="ctr">
-                      <a:solidFill>
-                        <a:srgbClr val="000000"/>
-                      </a:solidFill>
-                      <a:prstDash val="solid"/>
-                      <a:round/>
-                      <a:headEnd type="none" w="med" len="med"/>
-                      <a:tailEnd type="none" w="med" len="med"/>
-                    </a:lnL>
-                    <a:lnR w="12700" cap="flat" cmpd="sng" algn="ctr">
-                      <a:solidFill>
-                        <a:srgbClr val="000000"/>
-                      </a:solidFill>
-                      <a:prstDash val="solid"/>
-                      <a:round/>
-                      <a:headEnd type="none" w="med" len="med"/>
-                      <a:tailEnd type="none" w="med" len="med"/>
-                    </a:lnR>
-                    <a:lnT w="12700" cap="flat" cmpd="sng" algn="ctr">
-                      <a:solidFill>
-                        <a:srgbClr val="000000"/>
-                      </a:solidFill>
-                      <a:prstDash val="solid"/>
-                      <a:round/>
-                      <a:headEnd type="none" w="med" len="med"/>
-                      <a:tailEnd type="none" w="med" len="med"/>
-                    </a:lnT>
-                    <a:lnB w="12700" cap="flat" cmpd="sng" algn="ctr">
-                      <a:solidFill>
-                        <a:srgbClr val="000000"/>
-                      </a:solidFill>
-                      <a:prstDash val="solid"/>
-                      <a:round/>
-                      <a:headEnd type="none" w="med" len="med"/>
-                      <a:tailEnd type="none" w="med" len="med"/>
-                    </a:lnB>
-                  </a:tcPr>
-                </a:tc>
-                <a:tc>
-                  <a:txBody>
-                    <a:bodyPr/>
-                    <a:lstStyle/>
-                    <a:p>
-                      <a:pPr marL="0" marR="0" algn="ctr">
-                        <a:lnSpc>
-                          <a:spcPct val="150000"/>
-                        </a:lnSpc>
-                        <a:spcBef>
-                          <a:spcPts val="0"/>
-                        </a:spcBef>
-                        <a:spcAft>
-                          <a:spcPts val="1000"/>
-                        </a:spcAft>
-                      </a:pPr>
-                      <a:r>
-                        <a:rPr lang="en-IN" sz="1200">
-                          <a:latin typeface="Times New Roman" panose="02020603050405020304"/>
-                          <a:ea typeface="SimSun" panose="02010600030101010101" pitchFamily="2" charset="-122"/>
-                          <a:cs typeface="Times New Roman" panose="02020603050405020304"/>
-                        </a:rPr>
-                        <a:t>Int</a:t>
-                      </a:r>
-                      <a:endParaRPr lang="en-US" sz="1100">
-                        <a:latin typeface="Calibri" panose="020F0502020204030204"/>
-                        <a:ea typeface="Calibri" panose="020F0502020204030204"/>
-                        <a:cs typeface="Times New Roman" panose="02020603050405020304"/>
-                      </a:endParaRPr>
-                    </a:p>
-                  </a:txBody>
-                  <a:tcPr marL="68580" marR="68580" marT="0" marB="0">
-                    <a:lnL w="12700" cap="flat" cmpd="sng" algn="ctr">
-                      <a:solidFill>
-                        <a:srgbClr val="000000"/>
-                      </a:solidFill>
-                      <a:prstDash val="solid"/>
-                      <a:round/>
-                      <a:headEnd type="none" w="med" len="med"/>
-                      <a:tailEnd type="none" w="med" len="med"/>
-                    </a:lnL>
-                    <a:lnR w="12700" cap="flat" cmpd="sng" algn="ctr">
-                      <a:solidFill>
-                        <a:srgbClr val="000000"/>
-                      </a:solidFill>
-                      <a:prstDash val="solid"/>
-                      <a:round/>
-                      <a:headEnd type="none" w="med" len="med"/>
-                      <a:tailEnd type="none" w="med" len="med"/>
-                    </a:lnR>
-                    <a:lnT w="12700" cap="flat" cmpd="sng" algn="ctr">
-                      <a:solidFill>
-                        <a:srgbClr val="000000"/>
-                      </a:solidFill>
-                      <a:prstDash val="solid"/>
-                      <a:round/>
-                      <a:headEnd type="none" w="med" len="med"/>
-                      <a:tailEnd type="none" w="med" len="med"/>
-                    </a:lnT>
-                    <a:lnB w="12700" cap="flat" cmpd="sng" algn="ctr">
-                      <a:solidFill>
-                        <a:srgbClr val="000000"/>
-                      </a:solidFill>
-                      <a:prstDash val="solid"/>
-                      <a:round/>
-                      <a:headEnd type="none" w="med" len="med"/>
-                      <a:tailEnd type="none" w="med" len="med"/>
-                    </a:lnB>
-                  </a:tcPr>
-                </a:tc>
-                <a:tc>
-                  <a:txBody>
-                    <a:bodyPr/>
-                    <a:lstStyle/>
-                    <a:p>
-                      <a:pPr marL="0" marR="0" algn="ctr">
-                        <a:lnSpc>
-                          <a:spcPct val="150000"/>
-                        </a:lnSpc>
-                        <a:spcBef>
-                          <a:spcPts val="0"/>
-                        </a:spcBef>
-                        <a:spcAft>
-                          <a:spcPts val="1000"/>
-                        </a:spcAft>
-                      </a:pPr>
-                      <a:r>
-                        <a:rPr lang="en-IN" sz="1200">
-                          <a:latin typeface="Times New Roman" panose="02020603050405020304"/>
-                          <a:ea typeface="SimSun" panose="02010600030101010101" pitchFamily="2" charset="-122"/>
-                          <a:cs typeface="Times New Roman" panose="02020603050405020304"/>
-                        </a:rPr>
-                        <a:t>10</a:t>
-                      </a:r>
-                      <a:endParaRPr lang="en-US" sz="1100">
-                        <a:latin typeface="Calibri" panose="020F0502020204030204"/>
-                        <a:ea typeface="Calibri" panose="020F0502020204030204"/>
-                        <a:cs typeface="Times New Roman" panose="02020603050405020304"/>
-                      </a:endParaRPr>
-                    </a:p>
-                  </a:txBody>
-                  <a:tcPr marL="68580" marR="68580" marT="0" marB="0">
-                    <a:lnL w="12700" cap="flat" cmpd="sng" algn="ctr">
-                      <a:solidFill>
-                        <a:srgbClr val="000000"/>
-                      </a:solidFill>
-                      <a:prstDash val="solid"/>
-                      <a:round/>
-                      <a:headEnd type="none" w="med" len="med"/>
-                      <a:tailEnd type="none" w="med" len="med"/>
-                    </a:lnL>
-                    <a:lnR w="12700" cap="flat" cmpd="sng" algn="ctr">
-                      <a:solidFill>
-                        <a:srgbClr val="000000"/>
-                      </a:solidFill>
-                      <a:prstDash val="solid"/>
-                      <a:round/>
-                      <a:headEnd type="none" w="med" len="med"/>
-                      <a:tailEnd type="none" w="med" len="med"/>
-                    </a:lnR>
-                    <a:lnT w="12700" cap="flat" cmpd="sng" algn="ctr">
-                      <a:solidFill>
-                        <a:srgbClr val="000000"/>
-                      </a:solidFill>
-                      <a:prstDash val="solid"/>
-                      <a:round/>
-                      <a:headEnd type="none" w="med" len="med"/>
-                      <a:tailEnd type="none" w="med" len="med"/>
-                    </a:lnT>
-                    <a:lnB w="12700" cap="flat" cmpd="sng" algn="ctr">
-                      <a:solidFill>
-                        <a:srgbClr val="000000"/>
-                      </a:solidFill>
-                      <a:prstDash val="solid"/>
-                      <a:round/>
-                      <a:headEnd type="none" w="med" len="med"/>
-                      <a:tailEnd type="none" w="med" len="med"/>
-                    </a:lnB>
-                  </a:tcPr>
-                </a:tc>
-                <a:tc>
-                  <a:txBody>
-                    <a:bodyPr/>
-                    <a:lstStyle/>
-                    <a:p>
-                      <a:pPr marL="0" marR="0" algn="ctr">
-                        <a:lnSpc>
-                          <a:spcPct val="150000"/>
-                        </a:lnSpc>
-                        <a:spcBef>
-                          <a:spcPts val="0"/>
-                        </a:spcBef>
-                        <a:spcAft>
-                          <a:spcPts val="1000"/>
-                        </a:spcAft>
-                      </a:pPr>
-                      <a:r>
-                        <a:rPr lang="en-IN" sz="1200">
-                          <a:latin typeface="Times New Roman" panose="02020603050405020304"/>
-                          <a:ea typeface="SimSun" panose="02010600030101010101" pitchFamily="2" charset="-122"/>
-                          <a:cs typeface="Times New Roman" panose="02020603050405020304"/>
-                        </a:rPr>
-                        <a:t>Foreign key</a:t>
-                      </a:r>
-                      <a:endParaRPr lang="en-US" sz="1100">
-                        <a:latin typeface="Calibri" panose="020F0502020204030204"/>
-                        <a:ea typeface="Calibri" panose="020F0502020204030204"/>
-                        <a:cs typeface="Times New Roman" panose="02020603050405020304"/>
-                      </a:endParaRPr>
-                    </a:p>
-                  </a:txBody>
-                  <a:tcPr marL="68580" marR="68580" marT="0" marB="0">
-                    <a:lnL w="12700" cap="flat" cmpd="sng" algn="ctr">
-                      <a:solidFill>
-                        <a:srgbClr val="000000"/>
-                      </a:solidFill>
-                      <a:prstDash val="solid"/>
-                      <a:round/>
-                      <a:headEnd type="none" w="med" len="med"/>
-                      <a:tailEnd type="none" w="med" len="med"/>
-                    </a:lnL>
-                    <a:lnR w="12700" cap="flat" cmpd="sng" algn="ctr">
-                      <a:solidFill>
-                        <a:srgbClr val="000000"/>
-                      </a:solidFill>
-                      <a:prstDash val="solid"/>
-                      <a:round/>
-                      <a:headEnd type="none" w="med" len="med"/>
-                      <a:tailEnd type="none" w="med" len="med"/>
-                    </a:lnR>
-                    <a:lnT w="12700" cap="flat" cmpd="sng" algn="ctr">
-                      <a:solidFill>
-                        <a:srgbClr val="000000"/>
-                      </a:solidFill>
-                      <a:prstDash val="solid"/>
-                      <a:round/>
-                      <a:headEnd type="none" w="med" len="med"/>
-                      <a:tailEnd type="none" w="med" len="med"/>
-                    </a:lnT>
-                    <a:lnB w="12700" cap="flat" cmpd="sng" algn="ctr">
-                      <a:solidFill>
-                        <a:srgbClr val="000000"/>
-                      </a:solidFill>
-                      <a:prstDash val="solid"/>
-                      <a:round/>
-                      <a:headEnd type="none" w="med" len="med"/>
-                      <a:tailEnd type="none" w="med" len="med"/>
-                    </a:lnB>
-                  </a:tcPr>
-                </a:tc>
-              </a:tr>
-              <a:tr h="393700">
-                <a:tc>
-                  <a:txBody>
-                    <a:bodyPr/>
-                    <a:lstStyle/>
-                    <a:p>
-                      <a:pPr marL="0" marR="0" algn="ctr">
-                        <a:lnSpc>
-                          <a:spcPct val="150000"/>
-                        </a:lnSpc>
-                        <a:spcBef>
-                          <a:spcPts val="0"/>
-                        </a:spcBef>
-                        <a:spcAft>
-                          <a:spcPts val="1000"/>
-                        </a:spcAft>
-                      </a:pPr>
-                      <a:r>
-                        <a:rPr lang="en-IN" sz="1200" dirty="0">
-                          <a:latin typeface="Times New Roman" panose="02020603050405020304"/>
-                          <a:ea typeface="SimSun" panose="02010600030101010101" pitchFamily="2" charset="-122"/>
-                          <a:cs typeface="Times New Roman" panose="02020603050405020304"/>
-                        </a:rPr>
-                        <a:t>In time</a:t>
-                      </a:r>
-                      <a:endParaRPr lang="en-US" sz="1100" dirty="0">
-                        <a:latin typeface="Calibri" panose="020F0502020204030204"/>
-                        <a:ea typeface="Calibri" panose="020F0502020204030204"/>
-                        <a:cs typeface="Times New Roman" panose="02020603050405020304"/>
-                      </a:endParaRPr>
-                    </a:p>
-                  </a:txBody>
-                  <a:tcPr marL="68580" marR="68580" marT="0" marB="0">
-                    <a:lnL w="12700" cap="flat" cmpd="sng" algn="ctr">
-                      <a:solidFill>
-                        <a:srgbClr val="000000"/>
-                      </a:solidFill>
-                      <a:prstDash val="solid"/>
-                      <a:round/>
-                      <a:headEnd type="none" w="med" len="med"/>
-                      <a:tailEnd type="none" w="med" len="med"/>
-                    </a:lnL>
-                    <a:lnR w="12700" cap="flat" cmpd="sng" algn="ctr">
-                      <a:solidFill>
-                        <a:srgbClr val="000000"/>
-                      </a:solidFill>
-                      <a:prstDash val="solid"/>
-                      <a:round/>
-                      <a:headEnd type="none" w="med" len="med"/>
-                      <a:tailEnd type="none" w="med" len="med"/>
-                    </a:lnR>
-                    <a:lnT w="12700" cap="flat" cmpd="sng" algn="ctr">
-                      <a:solidFill>
-                        <a:srgbClr val="000000"/>
-                      </a:solidFill>
-                      <a:prstDash val="solid"/>
-                      <a:round/>
-                      <a:headEnd type="none" w="med" len="med"/>
-                      <a:tailEnd type="none" w="med" len="med"/>
-                    </a:lnT>
-                    <a:lnB w="12700" cap="flat" cmpd="sng" algn="ctr">
-                      <a:solidFill>
-                        <a:srgbClr val="000000"/>
-                      </a:solidFill>
-                      <a:prstDash val="solid"/>
-                      <a:round/>
-                      <a:headEnd type="none" w="med" len="med"/>
-                      <a:tailEnd type="none" w="med" len="med"/>
-                    </a:lnB>
-                  </a:tcPr>
-                </a:tc>
-                <a:tc>
-                  <a:txBody>
-                    <a:bodyPr/>
-                    <a:lstStyle/>
-                    <a:p>
-                      <a:pPr marL="0" marR="0" algn="ctr">
-                        <a:lnSpc>
-                          <a:spcPct val="150000"/>
-                        </a:lnSpc>
-                        <a:spcBef>
-                          <a:spcPts val="0"/>
-                        </a:spcBef>
-                        <a:spcAft>
-                          <a:spcPts val="1000"/>
-                        </a:spcAft>
-                      </a:pPr>
-                      <a:r>
-                        <a:rPr lang="en-IN" sz="1200">
-                          <a:latin typeface="Times New Roman" panose="02020603050405020304"/>
-                          <a:ea typeface="SimSun" panose="02010600030101010101" pitchFamily="2" charset="-122"/>
-                          <a:cs typeface="Times New Roman" panose="02020603050405020304"/>
-                        </a:rPr>
-                        <a:t>Date</a:t>
-                      </a:r>
-                      <a:endParaRPr lang="en-US" sz="1100">
-                        <a:latin typeface="Calibri" panose="020F0502020204030204"/>
-                        <a:ea typeface="Calibri" panose="020F0502020204030204"/>
-                        <a:cs typeface="Times New Roman" panose="02020603050405020304"/>
-                      </a:endParaRPr>
-                    </a:p>
-                  </a:txBody>
-                  <a:tcPr marL="68580" marR="68580" marT="0" marB="0">
-                    <a:lnL w="12700" cap="flat" cmpd="sng" algn="ctr">
-                      <a:solidFill>
-                        <a:srgbClr val="000000"/>
-                      </a:solidFill>
-                      <a:prstDash val="solid"/>
-                      <a:round/>
-                      <a:headEnd type="none" w="med" len="med"/>
-                      <a:tailEnd type="none" w="med" len="med"/>
-                    </a:lnL>
-                    <a:lnR w="12700" cap="flat" cmpd="sng" algn="ctr">
-                      <a:solidFill>
-                        <a:srgbClr val="000000"/>
-                      </a:solidFill>
-                      <a:prstDash val="solid"/>
-                      <a:round/>
-                      <a:headEnd type="none" w="med" len="med"/>
-                      <a:tailEnd type="none" w="med" len="med"/>
-                    </a:lnR>
-                    <a:lnT w="12700" cap="flat" cmpd="sng" algn="ctr">
-                      <a:solidFill>
-                        <a:srgbClr val="000000"/>
-                      </a:solidFill>
-                      <a:prstDash val="solid"/>
-                      <a:round/>
-                      <a:headEnd type="none" w="med" len="med"/>
-                      <a:tailEnd type="none" w="med" len="med"/>
-                    </a:lnT>
-                    <a:lnB w="12700" cap="flat" cmpd="sng" algn="ctr">
-                      <a:solidFill>
-                        <a:srgbClr val="000000"/>
-                      </a:solidFill>
-                      <a:prstDash val="solid"/>
-                      <a:round/>
-                      <a:headEnd type="none" w="med" len="med"/>
-                      <a:tailEnd type="none" w="med" len="med"/>
-                    </a:lnB>
-                  </a:tcPr>
-                </a:tc>
-                <a:tc>
-                  <a:txBody>
-                    <a:bodyPr/>
-                    <a:lstStyle/>
-                    <a:p>
-                      <a:pPr marL="0" marR="0" algn="ctr">
-                        <a:lnSpc>
-                          <a:spcPct val="150000"/>
-                        </a:lnSpc>
-                        <a:spcBef>
-                          <a:spcPts val="0"/>
-                        </a:spcBef>
-                        <a:spcAft>
-                          <a:spcPts val="1000"/>
-                        </a:spcAft>
-                      </a:pPr>
-                      <a:r>
-                        <a:rPr lang="en-IN" sz="1200">
-                          <a:latin typeface="Times New Roman" panose="02020603050405020304"/>
-                          <a:ea typeface="SimSun" panose="02010600030101010101" pitchFamily="2" charset="-122"/>
-                          <a:cs typeface="Times New Roman" panose="02020603050405020304"/>
-                        </a:rPr>
-                        <a:t>10</a:t>
-                      </a:r>
-                      <a:endParaRPr lang="en-US" sz="1100">
-                        <a:latin typeface="Calibri" panose="020F0502020204030204"/>
-                        <a:ea typeface="Calibri" panose="020F0502020204030204"/>
-                        <a:cs typeface="Times New Roman" panose="02020603050405020304"/>
-                      </a:endParaRPr>
-                    </a:p>
-                  </a:txBody>
-                  <a:tcPr marL="68580" marR="68580" marT="0" marB="0">
-                    <a:lnL w="12700" cap="flat" cmpd="sng" algn="ctr">
-                      <a:solidFill>
-                        <a:srgbClr val="000000"/>
-                      </a:solidFill>
-                      <a:prstDash val="solid"/>
-                      <a:round/>
-                      <a:headEnd type="none" w="med" len="med"/>
-                      <a:tailEnd type="none" w="med" len="med"/>
-                    </a:lnL>
-                    <a:lnR w="12700" cap="flat" cmpd="sng" algn="ctr">
-                      <a:solidFill>
-                        <a:srgbClr val="000000"/>
-                      </a:solidFill>
-                      <a:prstDash val="solid"/>
-                      <a:round/>
-                      <a:headEnd type="none" w="med" len="med"/>
-                      <a:tailEnd type="none" w="med" len="med"/>
-                    </a:lnR>
-                    <a:lnT w="12700" cap="flat" cmpd="sng" algn="ctr">
-                      <a:solidFill>
-                        <a:srgbClr val="000000"/>
-                      </a:solidFill>
-                      <a:prstDash val="solid"/>
-                      <a:round/>
-                      <a:headEnd type="none" w="med" len="med"/>
-                      <a:tailEnd type="none" w="med" len="med"/>
-                    </a:lnT>
-                    <a:lnB w="12700" cap="flat" cmpd="sng" algn="ctr">
-                      <a:solidFill>
-                        <a:srgbClr val="000000"/>
-                      </a:solidFill>
-                      <a:prstDash val="solid"/>
-                      <a:round/>
-                      <a:headEnd type="none" w="med" len="med"/>
-                      <a:tailEnd type="none" w="med" len="med"/>
-                    </a:lnB>
-                  </a:tcPr>
-                </a:tc>
-                <a:tc>
-                  <a:txBody>
-                    <a:bodyPr/>
-                    <a:lstStyle/>
-                    <a:p>
-                      <a:pPr marL="0" marR="0" algn="ctr">
-                        <a:lnSpc>
-                          <a:spcPct val="150000"/>
-                        </a:lnSpc>
-                        <a:spcBef>
-                          <a:spcPts val="0"/>
-                        </a:spcBef>
-                        <a:spcAft>
-                          <a:spcPts val="1000"/>
-                        </a:spcAft>
-                      </a:pPr>
-                      <a:r>
-                        <a:rPr lang="en-IN" sz="1200">
-                          <a:latin typeface="Times New Roman" panose="02020603050405020304"/>
-                          <a:ea typeface="SimSun" panose="02010600030101010101" pitchFamily="2" charset="-122"/>
-                          <a:cs typeface="Times New Roman" panose="02020603050405020304"/>
-                        </a:rPr>
-                        <a:t>Not null</a:t>
-                      </a:r>
-                      <a:endParaRPr lang="en-US" sz="1100">
-                        <a:latin typeface="Calibri" panose="020F0502020204030204"/>
-                        <a:ea typeface="Calibri" panose="020F0502020204030204"/>
-                        <a:cs typeface="Times New Roman" panose="02020603050405020304"/>
-                      </a:endParaRPr>
-                    </a:p>
-                  </a:txBody>
-                  <a:tcPr marL="68580" marR="68580" marT="0" marB="0">
-                    <a:lnL w="12700" cap="flat" cmpd="sng" algn="ctr">
-                      <a:solidFill>
-                        <a:srgbClr val="000000"/>
-                      </a:solidFill>
-                      <a:prstDash val="solid"/>
-                      <a:round/>
-                      <a:headEnd type="none" w="med" len="med"/>
-                      <a:tailEnd type="none" w="med" len="med"/>
-                    </a:lnL>
-                    <a:lnR w="12700" cap="flat" cmpd="sng" algn="ctr">
-                      <a:solidFill>
-                        <a:srgbClr val="000000"/>
-                      </a:solidFill>
-                      <a:prstDash val="solid"/>
-                      <a:round/>
-                      <a:headEnd type="none" w="med" len="med"/>
-                      <a:tailEnd type="none" w="med" len="med"/>
-                    </a:lnR>
-                    <a:lnT w="12700" cap="flat" cmpd="sng" algn="ctr">
-                      <a:solidFill>
-                        <a:srgbClr val="000000"/>
-                      </a:solidFill>
-                      <a:prstDash val="solid"/>
-                      <a:round/>
-                      <a:headEnd type="none" w="med" len="med"/>
-                      <a:tailEnd type="none" w="med" len="med"/>
-                    </a:lnT>
-                    <a:lnB w="12700" cap="flat" cmpd="sng" algn="ctr">
-                      <a:solidFill>
-                        <a:srgbClr val="000000"/>
-                      </a:solidFill>
-                      <a:prstDash val="solid"/>
-                      <a:round/>
-                      <a:headEnd type="none" w="med" len="med"/>
-                      <a:tailEnd type="none" w="med" len="med"/>
-                    </a:lnB>
-                  </a:tcPr>
-                </a:tc>
-              </a:tr>
-              <a:tr h="393700">
-                <a:tc>
-                  <a:txBody>
-                    <a:bodyPr/>
-                    <a:lstStyle/>
-                    <a:p>
-                      <a:pPr marL="0" marR="0" algn="ctr">
-                        <a:lnSpc>
-                          <a:spcPct val="150000"/>
-                        </a:lnSpc>
-                        <a:spcBef>
-                          <a:spcPts val="0"/>
-                        </a:spcBef>
-                        <a:spcAft>
-                          <a:spcPts val="1000"/>
-                        </a:spcAft>
-                      </a:pPr>
-                      <a:r>
-                        <a:rPr lang="en-IN" sz="1200" dirty="0">
-                          <a:latin typeface="Times New Roman" panose="02020603050405020304"/>
-                          <a:ea typeface="SimSun" panose="02010600030101010101" pitchFamily="2" charset="-122"/>
-                          <a:cs typeface="Times New Roman" panose="02020603050405020304"/>
-                        </a:rPr>
-                        <a:t>Out time</a:t>
-                      </a:r>
-                      <a:endParaRPr lang="en-US" sz="1100" dirty="0">
-                        <a:latin typeface="Calibri" panose="020F0502020204030204"/>
-                        <a:ea typeface="Calibri" panose="020F0502020204030204"/>
-                        <a:cs typeface="Times New Roman" panose="02020603050405020304"/>
-                      </a:endParaRPr>
-                    </a:p>
-                  </a:txBody>
-                  <a:tcPr marL="68580" marR="68580" marT="0" marB="0">
-                    <a:lnL w="12700" cap="flat" cmpd="sng" algn="ctr">
-                      <a:solidFill>
-                        <a:srgbClr val="000000"/>
-                      </a:solidFill>
-                      <a:prstDash val="solid"/>
-                      <a:round/>
-                      <a:headEnd type="none" w="med" len="med"/>
-                      <a:tailEnd type="none" w="med" len="med"/>
-                    </a:lnL>
-                    <a:lnR w="12700" cap="flat" cmpd="sng" algn="ctr">
-                      <a:solidFill>
-                        <a:srgbClr val="000000"/>
-                      </a:solidFill>
-                      <a:prstDash val="solid"/>
-                      <a:round/>
-                      <a:headEnd type="none" w="med" len="med"/>
-                      <a:tailEnd type="none" w="med" len="med"/>
-                    </a:lnR>
-                    <a:lnT w="12700" cap="flat" cmpd="sng" algn="ctr">
-                      <a:solidFill>
-                        <a:srgbClr val="000000"/>
-                      </a:solidFill>
-                      <a:prstDash val="solid"/>
-                      <a:round/>
-                      <a:headEnd type="none" w="med" len="med"/>
-                      <a:tailEnd type="none" w="med" len="med"/>
-                    </a:lnT>
-                    <a:lnB w="12700" cap="flat" cmpd="sng" algn="ctr">
-                      <a:solidFill>
-                        <a:srgbClr val="000000"/>
-                      </a:solidFill>
-                      <a:prstDash val="solid"/>
-                      <a:round/>
-                      <a:headEnd type="none" w="med" len="med"/>
-                      <a:tailEnd type="none" w="med" len="med"/>
-                    </a:lnB>
-                  </a:tcPr>
-                </a:tc>
-                <a:tc>
-                  <a:txBody>
-                    <a:bodyPr/>
-                    <a:lstStyle/>
-                    <a:p>
-                      <a:pPr marL="0" marR="0" algn="ctr">
-                        <a:lnSpc>
-                          <a:spcPct val="150000"/>
-                        </a:lnSpc>
-                        <a:spcBef>
-                          <a:spcPts val="0"/>
-                        </a:spcBef>
-                        <a:spcAft>
-                          <a:spcPts val="1000"/>
-                        </a:spcAft>
-                      </a:pPr>
-                      <a:r>
-                        <a:rPr lang="en-IN" sz="1200" dirty="0">
-                          <a:latin typeface="Times New Roman" panose="02020603050405020304"/>
-                          <a:ea typeface="SimSun" panose="02010600030101010101" pitchFamily="2" charset="-122"/>
-                          <a:cs typeface="Times New Roman" panose="02020603050405020304"/>
-                        </a:rPr>
-                        <a:t>Date</a:t>
-                      </a:r>
-                      <a:endParaRPr lang="en-US" sz="1100" dirty="0">
-                        <a:latin typeface="Calibri" panose="020F0502020204030204"/>
-                        <a:ea typeface="Calibri" panose="020F0502020204030204"/>
-                        <a:cs typeface="Times New Roman" panose="02020603050405020304"/>
-                      </a:endParaRPr>
-                    </a:p>
-                  </a:txBody>
-                  <a:tcPr marL="68580" marR="68580" marT="0" marB="0">
-                    <a:lnL w="12700" cap="flat" cmpd="sng" algn="ctr">
-                      <a:solidFill>
-                        <a:srgbClr val="000000"/>
-                      </a:solidFill>
-                      <a:prstDash val="solid"/>
-                      <a:round/>
-                      <a:headEnd type="none" w="med" len="med"/>
-                      <a:tailEnd type="none" w="med" len="med"/>
-                    </a:lnL>
-                    <a:lnR w="12700" cap="flat" cmpd="sng" algn="ctr">
-                      <a:solidFill>
-                        <a:srgbClr val="000000"/>
-                      </a:solidFill>
-                      <a:prstDash val="solid"/>
-                      <a:round/>
-                      <a:headEnd type="none" w="med" len="med"/>
-                      <a:tailEnd type="none" w="med" len="med"/>
-                    </a:lnR>
-                    <a:lnT w="12700" cap="flat" cmpd="sng" algn="ctr">
-                      <a:solidFill>
-                        <a:srgbClr val="000000"/>
-                      </a:solidFill>
-                      <a:prstDash val="solid"/>
-                      <a:round/>
-                      <a:headEnd type="none" w="med" len="med"/>
-                      <a:tailEnd type="none" w="med" len="med"/>
-                    </a:lnT>
-                    <a:lnB w="12700" cap="flat" cmpd="sng" algn="ctr">
-                      <a:solidFill>
-                        <a:srgbClr val="000000"/>
-                      </a:solidFill>
-                      <a:prstDash val="solid"/>
-                      <a:round/>
-                      <a:headEnd type="none" w="med" len="med"/>
-                      <a:tailEnd type="none" w="med" len="med"/>
-                    </a:lnB>
-                  </a:tcPr>
-                </a:tc>
-                <a:tc>
-                  <a:txBody>
-                    <a:bodyPr/>
-                    <a:lstStyle/>
-                    <a:p>
-                      <a:pPr marL="0" marR="0" algn="ctr">
-                        <a:lnSpc>
-                          <a:spcPct val="150000"/>
-                        </a:lnSpc>
-                        <a:spcBef>
-                          <a:spcPts val="0"/>
-                        </a:spcBef>
-                        <a:spcAft>
-                          <a:spcPts val="1000"/>
-                        </a:spcAft>
-                      </a:pPr>
-                      <a:r>
-                        <a:rPr lang="en-IN" sz="1200" dirty="0">
-                          <a:latin typeface="Times New Roman" panose="02020603050405020304"/>
-                          <a:ea typeface="SimSun" panose="02010600030101010101" pitchFamily="2" charset="-122"/>
-                          <a:cs typeface="Times New Roman" panose="02020603050405020304"/>
-                        </a:rPr>
-                        <a:t>10</a:t>
-                      </a:r>
-                      <a:endParaRPr lang="en-US" sz="1100" dirty="0">
-                        <a:latin typeface="Calibri" panose="020F0502020204030204"/>
-                        <a:ea typeface="Calibri" panose="020F0502020204030204"/>
-                        <a:cs typeface="Times New Roman" panose="02020603050405020304"/>
-                      </a:endParaRPr>
-                    </a:p>
-                  </a:txBody>
-                  <a:tcPr marL="68580" marR="68580" marT="0" marB="0">
-                    <a:lnL w="12700" cap="flat" cmpd="sng" algn="ctr">
-                      <a:solidFill>
-                        <a:srgbClr val="000000"/>
-                      </a:solidFill>
-                      <a:prstDash val="solid"/>
-                      <a:round/>
-                      <a:headEnd type="none" w="med" len="med"/>
-                      <a:tailEnd type="none" w="med" len="med"/>
-                    </a:lnL>
-                    <a:lnR w="12700" cap="flat" cmpd="sng" algn="ctr">
-                      <a:solidFill>
-                        <a:srgbClr val="000000"/>
-                      </a:solidFill>
-                      <a:prstDash val="solid"/>
-                      <a:round/>
-                      <a:headEnd type="none" w="med" len="med"/>
-                      <a:tailEnd type="none" w="med" len="med"/>
-                    </a:lnR>
-                    <a:lnT w="12700" cap="flat" cmpd="sng" algn="ctr">
-                      <a:solidFill>
-                        <a:srgbClr val="000000"/>
-                      </a:solidFill>
-                      <a:prstDash val="solid"/>
-                      <a:round/>
-                      <a:headEnd type="none" w="med" len="med"/>
-                      <a:tailEnd type="none" w="med" len="med"/>
-                    </a:lnT>
-                    <a:lnB w="12700" cap="flat" cmpd="sng" algn="ctr">
-                      <a:solidFill>
-                        <a:srgbClr val="000000"/>
-                      </a:solidFill>
-                      <a:prstDash val="solid"/>
-                      <a:round/>
-                      <a:headEnd type="none" w="med" len="med"/>
-                      <a:tailEnd type="none" w="med" len="med"/>
-                    </a:lnB>
-                  </a:tcPr>
-                </a:tc>
-                <a:tc>
-                  <a:txBody>
-                    <a:bodyPr/>
-                    <a:lstStyle/>
-                    <a:p>
-                      <a:pPr marL="0" marR="0" algn="ctr">
-                        <a:lnSpc>
-                          <a:spcPct val="150000"/>
-                        </a:lnSpc>
-                        <a:spcBef>
-                          <a:spcPts val="0"/>
-                        </a:spcBef>
-                        <a:spcAft>
-                          <a:spcPts val="1000"/>
-                        </a:spcAft>
-                      </a:pPr>
-                      <a:r>
-                        <a:rPr lang="en-IN" sz="1200" dirty="0">
-                          <a:latin typeface="Times New Roman" panose="02020603050405020304"/>
-                          <a:ea typeface="SimSun" panose="02010600030101010101" pitchFamily="2" charset="-122"/>
-                          <a:cs typeface="Times New Roman" panose="02020603050405020304"/>
-                        </a:rPr>
-                        <a:t>Not null</a:t>
-                      </a:r>
-                      <a:endParaRPr lang="en-US" sz="1100" dirty="0">
-                        <a:latin typeface="Calibri" panose="020F0502020204030204"/>
-                        <a:ea typeface="Calibri" panose="020F0502020204030204"/>
-                        <a:cs typeface="Times New Roman" panose="02020603050405020304"/>
-                      </a:endParaRPr>
-                    </a:p>
-                  </a:txBody>
-                  <a:tcPr marL="68580" marR="68580" marT="0" marB="0">
-                    <a:lnL w="12700" cap="flat" cmpd="sng" algn="ctr">
-                      <a:solidFill>
-                        <a:srgbClr val="000000"/>
-                      </a:solidFill>
-                      <a:prstDash val="solid"/>
-                      <a:round/>
-                      <a:headEnd type="none" w="med" len="med"/>
-                      <a:tailEnd type="none" w="med" len="med"/>
-                    </a:lnL>
-                    <a:lnR w="12700" cap="flat" cmpd="sng" algn="ctr">
-                      <a:solidFill>
-                        <a:srgbClr val="000000"/>
-                      </a:solidFill>
-                      <a:prstDash val="solid"/>
-                      <a:round/>
-                      <a:headEnd type="none" w="med" len="med"/>
-                      <a:tailEnd type="none" w="med" len="med"/>
-                    </a:lnR>
-                    <a:lnT w="12700" cap="flat" cmpd="sng" algn="ctr">
-                      <a:solidFill>
-                        <a:srgbClr val="000000"/>
-                      </a:solidFill>
-                      <a:prstDash val="solid"/>
-                      <a:round/>
-                      <a:headEnd type="none" w="med" len="med"/>
-                      <a:tailEnd type="none" w="med" len="med"/>
-                    </a:lnT>
-                    <a:lnB w="12700" cap="flat" cmpd="sng" algn="ctr">
-                      <a:solidFill>
-                        <a:srgbClr val="000000"/>
-                      </a:solidFill>
-                      <a:prstDash val="solid"/>
-                      <a:round/>
-                      <a:headEnd type="none" w="med" len="med"/>
-                      <a:tailEnd type="none" w="med" len="med"/>
-                    </a:lnB>
-                  </a:tcPr>
-                </a:tc>
-              </a:tr>
-            </a:tbl>
-          </a:graphicData>
-        </a:graphic>
-      </p:graphicFrame>
-      <p:sp>
-        <p:nvSpPr>
-          <p:cNvPr id="9" name="Rectangle 8"/>
-          <p:cNvSpPr/>
-          <p:nvPr/>
-        </p:nvSpPr>
-        <p:spPr>
-          <a:xfrm>
-            <a:off x="2452662" y="3500438"/>
-            <a:ext cx="2642235" cy="368300"/>
-          </a:xfrm>
-          <a:prstGeom prst="rect">
-            <a:avLst/>
-          </a:prstGeom>
-        </p:spPr>
-        <p:txBody>
-          <a:bodyPr wrap="none">
-            <a:spAutoFit/>
-          </a:bodyPr>
-          <a:lstStyle/>
-          <a:p>
-            <a:pPr lvl="0" eaLnBrk="0" fontAlgn="base" hangingPunct="0">
-              <a:spcBef>
-                <a:spcPct val="0"/>
-              </a:spcBef>
-              <a:spcAft>
-                <a:spcPct val="0"/>
-              </a:spcAft>
-            </a:pPr>
-            <a:r>
-              <a:rPr kumimoji="0" lang="en-US" b="1" i="0" u="none" strike="noStrike" cap="none" normalizeH="0" baseline="0" dirty="0">
-                <a:ln>
-                  <a:noFill/>
-                </a:ln>
-                <a:solidFill>
-                  <a:schemeClr val="tx1"/>
-                </a:solidFill>
-                <a:effectLst/>
-                <a:latin typeface="Times New Roman" panose="02020603050405020304" pitchFamily="18" charset="0"/>
-                <a:ea typeface="Calibri" panose="020F0502020204030204" pitchFamily="34" charset="0"/>
-                <a:cs typeface="Times New Roman" panose="02020603050405020304" pitchFamily="18" charset="0"/>
-              </a:rPr>
-              <a:t>TABLE NAME: IN/OUT</a:t>
-            </a:r>
-            <a:endParaRPr kumimoji="0" lang="en-US" sz="1050" b="0" i="0" u="none" strike="noStrike" cap="none" normalizeH="0" baseline="0" dirty="0">
-              <a:ln>
-                <a:noFill/>
-              </a:ln>
-              <a:solidFill>
-                <a:schemeClr val="tx1"/>
-              </a:solidFill>
-              <a:effectLst/>
-              <a:latin typeface="Arial" panose="020B0604020202020204" pitchFamily="34" charset="0"/>
-              <a:cs typeface="Arial" panose="020B0604020202020204" pitchFamily="34" charset="0"/>
-            </a:endParaRPr>
-          </a:p>
-        </p:txBody>
-      </p:sp>
-      <p:sp>
-        <p:nvSpPr>
-          <p:cNvPr id="10" name="Rectangle 1"/>
-          <p:cNvSpPr>
-            <a:spLocks noChangeArrowheads="1"/>
-          </p:cNvSpPr>
-          <p:nvPr/>
-        </p:nvSpPr>
-        <p:spPr bwMode="auto">
-          <a:xfrm>
-            <a:off x="2209800" y="533986"/>
-            <a:ext cx="2496185" cy="645160"/>
-          </a:xfrm>
-          <a:prstGeom prst="rect">
-            <a:avLst/>
-          </a:prstGeom>
-          <a:noFill/>
-          <a:ln w="9525">
-            <a:noFill/>
-            <a:miter lim="800000"/>
-          </a:ln>
-          <a:effectLst/>
-        </p:spPr>
-        <p:txBody>
-          <a:bodyPr vert="horz" wrap="none" lIns="91440" tIns="45720" rIns="91440" bIns="45720" numCol="1" anchor="ctr" anchorCtr="0" compatLnSpc="1">
-            <a:spAutoFit/>
-          </a:bodyPr>
-          <a:lstStyle/>
-          <a:p>
-            <a:pPr marL="0" marR="0" lvl="0" indent="0" algn="l" defTabSz="914400" rtl="0" eaLnBrk="1" fontAlgn="base" latinLnBrk="0" hangingPunct="1">
-              <a:lnSpc>
-                <a:spcPct val="100000"/>
-              </a:lnSpc>
-              <a:spcBef>
-                <a:spcPct val="0"/>
-              </a:spcBef>
-              <a:spcAft>
-                <a:spcPct val="0"/>
-              </a:spcAft>
-              <a:buClrTx/>
-              <a:buSzTx/>
-              <a:buFontTx/>
-              <a:buNone/>
-            </a:pPr>
-            <a:r>
-              <a:rPr kumimoji="0" lang="en-US" b="1" i="0" u="none" strike="noStrike" cap="none" normalizeH="0" baseline="0" dirty="0">
-                <a:ln>
-                  <a:noFill/>
-                </a:ln>
-                <a:solidFill>
-                  <a:schemeClr val="tx1"/>
-                </a:solidFill>
-                <a:effectLst/>
-                <a:latin typeface="Times New Roman" panose="02020603050405020304" pitchFamily="18" charset="0"/>
-                <a:ea typeface="Calibri" panose="020F0502020204030204" pitchFamily="34" charset="0"/>
-                <a:cs typeface="Times New Roman" panose="02020603050405020304" pitchFamily="18" charset="0"/>
-              </a:rPr>
-              <a:t>TABLE NAME : SLOT</a:t>
-            </a:r>
-            <a:endParaRPr kumimoji="0" lang="en-US" b="0" i="0" u="none" strike="noStrike" cap="none" normalizeH="0" baseline="0" dirty="0">
-              <a:ln>
-                <a:noFill/>
-              </a:ln>
-              <a:solidFill>
-                <a:schemeClr val="tx1"/>
-              </a:solidFill>
-              <a:effectLst/>
-              <a:latin typeface="Arial" panose="020B0604020202020204" pitchFamily="34" charset="0"/>
-              <a:cs typeface="Arial" panose="020B0604020202020204" pitchFamily="34" charset="0"/>
-            </a:endParaRPr>
-          </a:p>
-          <a:p>
-            <a:pPr marL="0" marR="0" lvl="0" indent="0" algn="l" defTabSz="914400" rtl="0" eaLnBrk="0" fontAlgn="base" latinLnBrk="0" hangingPunct="0">
-              <a:lnSpc>
-                <a:spcPct val="100000"/>
-              </a:lnSpc>
-              <a:spcBef>
-                <a:spcPct val="0"/>
-              </a:spcBef>
-              <a:spcAft>
-                <a:spcPct val="0"/>
-              </a:spcAft>
-              <a:buClrTx/>
-              <a:buSzTx/>
-              <a:buFontTx/>
-              <a:buNone/>
-            </a:pPr>
-            <a:endParaRPr kumimoji="0" lang="en-US" b="0" i="0" u="none" strike="noStrike" cap="none" normalizeH="0" baseline="0" dirty="0">
-              <a:ln>
-                <a:noFill/>
-              </a:ln>
-              <a:solidFill>
-                <a:schemeClr val="tx1"/>
-              </a:solidFill>
-              <a:effectLst/>
-              <a:latin typeface="Arial" panose="020B0604020202020204" pitchFamily="34" charset="0"/>
-              <a:cs typeface="Arial" panose="020B0604020202020204" pitchFamily="34" charset="0"/>
-            </a:endParaRPr>
-          </a:p>
-        </p:txBody>
-      </p:sp>
-      <p:graphicFrame>
-        <p:nvGraphicFramePr>
-          <p:cNvPr id="11" name="Table 10"/>
-          <p:cNvGraphicFramePr>
-            <a:graphicFrameLocks noGrp="1"/>
-          </p:cNvGraphicFramePr>
-          <p:nvPr/>
-        </p:nvGraphicFramePr>
-        <p:xfrm>
-          <a:off x="3429000" y="1295400"/>
-          <a:ext cx="6248400" cy="1981200"/>
-        </p:xfrm>
-        <a:graphic>
-          <a:graphicData uri="http://schemas.openxmlformats.org/drawingml/2006/table">
-            <a:tbl>
-              <a:tblPr/>
-              <a:tblGrid>
-                <a:gridCol w="1561465"/>
-                <a:gridCol w="1562100"/>
-                <a:gridCol w="1562100"/>
-                <a:gridCol w="1562735"/>
-              </a:tblGrid>
-              <a:tr h="495300">
-                <a:tc>
-                  <a:txBody>
-                    <a:bodyPr/>
-                    <a:lstStyle/>
-                    <a:p>
-                      <a:pPr marL="0" marR="0" algn="ctr">
-                        <a:lnSpc>
-                          <a:spcPct val="150000"/>
-                        </a:lnSpc>
-                        <a:spcBef>
-                          <a:spcPts val="0"/>
-                        </a:spcBef>
-                        <a:spcAft>
-                          <a:spcPts val="1000"/>
-                        </a:spcAft>
-                      </a:pPr>
-                      <a:r>
-                        <a:rPr lang="en-IN" sz="1200" b="1" dirty="0">
-                          <a:latin typeface="Times New Roman" panose="02020603050405020304"/>
-                          <a:ea typeface="SimSun" panose="02010600030101010101" pitchFamily="2" charset="-122"/>
-                          <a:cs typeface="Times New Roman" panose="02020603050405020304"/>
-                        </a:rPr>
-                        <a:t>FIELD </a:t>
-                      </a:r>
-                      <a:endParaRPr lang="en-US" sz="1100" dirty="0">
-                        <a:latin typeface="Calibri" panose="020F0502020204030204"/>
-                        <a:ea typeface="Calibri" panose="020F0502020204030204"/>
-                        <a:cs typeface="Times New Roman" panose="02020603050405020304"/>
-                      </a:endParaRPr>
-                    </a:p>
-                  </a:txBody>
-                  <a:tcPr marL="68580" marR="68580" marT="0" marB="0">
-                    <a:lnL w="12700" cap="flat" cmpd="sng" algn="ctr">
-                      <a:solidFill>
-                        <a:srgbClr val="000000"/>
-                      </a:solidFill>
-                      <a:prstDash val="solid"/>
-                      <a:round/>
-                      <a:headEnd type="none" w="med" len="med"/>
-                      <a:tailEnd type="none" w="med" len="med"/>
-                    </a:lnL>
-                    <a:lnR w="12700" cap="flat" cmpd="sng" algn="ctr">
-                      <a:solidFill>
-                        <a:srgbClr val="000000"/>
-                      </a:solidFill>
-                      <a:prstDash val="solid"/>
-                      <a:round/>
-                      <a:headEnd type="none" w="med" len="med"/>
-                      <a:tailEnd type="none" w="med" len="med"/>
-                    </a:lnR>
-                    <a:lnT w="12700" cap="flat" cmpd="sng" algn="ctr">
-                      <a:solidFill>
-                        <a:srgbClr val="000000"/>
-                      </a:solidFill>
-                      <a:prstDash val="solid"/>
-                      <a:round/>
-                      <a:headEnd type="none" w="med" len="med"/>
-                      <a:tailEnd type="none" w="med" len="med"/>
-                    </a:lnT>
-                    <a:lnB w="12700" cap="flat" cmpd="sng" algn="ctr">
-                      <a:solidFill>
-                        <a:srgbClr val="000000"/>
-                      </a:solidFill>
-                      <a:prstDash val="solid"/>
-                      <a:round/>
-                      <a:headEnd type="none" w="med" len="med"/>
-                      <a:tailEnd type="none" w="med" len="med"/>
-                    </a:lnB>
-                  </a:tcPr>
-                </a:tc>
-                <a:tc>
-                  <a:txBody>
-                    <a:bodyPr/>
-                    <a:lstStyle/>
-                    <a:p>
-                      <a:pPr marL="0" marR="0" algn="ctr">
-                        <a:lnSpc>
-                          <a:spcPct val="150000"/>
-                        </a:lnSpc>
-                        <a:spcBef>
-                          <a:spcPts val="0"/>
-                        </a:spcBef>
-                        <a:spcAft>
-                          <a:spcPts val="1000"/>
-                        </a:spcAft>
-                      </a:pPr>
-                      <a:r>
-                        <a:rPr lang="en-IN" sz="1200" b="1" dirty="0">
-                          <a:latin typeface="Times New Roman" panose="02020603050405020304"/>
-                          <a:ea typeface="SimSun" panose="02010600030101010101" pitchFamily="2" charset="-122"/>
-                          <a:cs typeface="Times New Roman" panose="02020603050405020304"/>
-                        </a:rPr>
-                        <a:t>DATA TYPE</a:t>
-                      </a:r>
-                      <a:endParaRPr lang="en-US" sz="1100" dirty="0">
-                        <a:latin typeface="Calibri" panose="020F0502020204030204"/>
-                        <a:ea typeface="Calibri" panose="020F0502020204030204"/>
-                        <a:cs typeface="Times New Roman" panose="02020603050405020304"/>
-                      </a:endParaRPr>
-                    </a:p>
-                  </a:txBody>
-                  <a:tcPr marL="68580" marR="68580" marT="0" marB="0">
-                    <a:lnL w="12700" cap="flat" cmpd="sng" algn="ctr">
-                      <a:solidFill>
-                        <a:srgbClr val="000000"/>
-                      </a:solidFill>
-                      <a:prstDash val="solid"/>
-                      <a:round/>
-                      <a:headEnd type="none" w="med" len="med"/>
-                      <a:tailEnd type="none" w="med" len="med"/>
-                    </a:lnL>
-                    <a:lnR w="12700" cap="flat" cmpd="sng" algn="ctr">
-                      <a:solidFill>
-                        <a:srgbClr val="000000"/>
-                      </a:solidFill>
-                      <a:prstDash val="solid"/>
-                      <a:round/>
-                      <a:headEnd type="none" w="med" len="med"/>
-                      <a:tailEnd type="none" w="med" len="med"/>
-                    </a:lnR>
-                    <a:lnT w="12700" cap="flat" cmpd="sng" algn="ctr">
-                      <a:solidFill>
-                        <a:srgbClr val="000000"/>
-                      </a:solidFill>
-                      <a:prstDash val="solid"/>
-                      <a:round/>
-                      <a:headEnd type="none" w="med" len="med"/>
-                      <a:tailEnd type="none" w="med" len="med"/>
-                    </a:lnT>
-                    <a:lnB w="12700" cap="flat" cmpd="sng" algn="ctr">
-                      <a:solidFill>
-                        <a:srgbClr val="000000"/>
-                      </a:solidFill>
-                      <a:prstDash val="solid"/>
-                      <a:round/>
-                      <a:headEnd type="none" w="med" len="med"/>
-                      <a:tailEnd type="none" w="med" len="med"/>
-                    </a:lnB>
-                  </a:tcPr>
-                </a:tc>
-                <a:tc>
-                  <a:txBody>
-                    <a:bodyPr/>
-                    <a:lstStyle/>
-                    <a:p>
-                      <a:pPr marL="0" marR="0" algn="ctr">
-                        <a:lnSpc>
-                          <a:spcPct val="150000"/>
-                        </a:lnSpc>
-                        <a:spcBef>
-                          <a:spcPts val="0"/>
-                        </a:spcBef>
-                        <a:spcAft>
-                          <a:spcPts val="1000"/>
-                        </a:spcAft>
-                      </a:pPr>
-                      <a:r>
-                        <a:rPr lang="en-IN" sz="1200" b="1">
-                          <a:latin typeface="Times New Roman" panose="02020603050405020304"/>
-                          <a:ea typeface="SimSun" panose="02010600030101010101" pitchFamily="2" charset="-122"/>
-                          <a:cs typeface="Times New Roman" panose="02020603050405020304"/>
-                        </a:rPr>
-                        <a:t>SIZE</a:t>
-                      </a:r>
-                      <a:endParaRPr lang="en-US" sz="1100">
-                        <a:latin typeface="Calibri" panose="020F0502020204030204"/>
-                        <a:ea typeface="Calibri" panose="020F0502020204030204"/>
-                        <a:cs typeface="Times New Roman" panose="02020603050405020304"/>
-                      </a:endParaRPr>
-                    </a:p>
-                  </a:txBody>
-                  <a:tcPr marL="68580" marR="68580" marT="0" marB="0">
-                    <a:lnL w="12700" cap="flat" cmpd="sng" algn="ctr">
-                      <a:solidFill>
-                        <a:srgbClr val="000000"/>
-                      </a:solidFill>
-                      <a:prstDash val="solid"/>
-                      <a:round/>
-                      <a:headEnd type="none" w="med" len="med"/>
-                      <a:tailEnd type="none" w="med" len="med"/>
-                    </a:lnL>
-                    <a:lnR w="12700" cap="flat" cmpd="sng" algn="ctr">
-                      <a:solidFill>
-                        <a:srgbClr val="000000"/>
-                      </a:solidFill>
-                      <a:prstDash val="solid"/>
-                      <a:round/>
-                      <a:headEnd type="none" w="med" len="med"/>
-                      <a:tailEnd type="none" w="med" len="med"/>
-                    </a:lnR>
-                    <a:lnT w="12700" cap="flat" cmpd="sng" algn="ctr">
-                      <a:solidFill>
-                        <a:srgbClr val="000000"/>
-                      </a:solidFill>
-                      <a:prstDash val="solid"/>
-                      <a:round/>
-                      <a:headEnd type="none" w="med" len="med"/>
-                      <a:tailEnd type="none" w="med" len="med"/>
-                    </a:lnT>
-                    <a:lnB w="12700" cap="flat" cmpd="sng" algn="ctr">
-                      <a:solidFill>
-                        <a:srgbClr val="000000"/>
-                      </a:solidFill>
-                      <a:prstDash val="solid"/>
-                      <a:round/>
-                      <a:headEnd type="none" w="med" len="med"/>
-                      <a:tailEnd type="none" w="med" len="med"/>
-                    </a:lnB>
-                  </a:tcPr>
-                </a:tc>
-                <a:tc>
-                  <a:txBody>
-                    <a:bodyPr/>
-                    <a:lstStyle/>
-                    <a:p>
-                      <a:pPr marL="0" marR="0" algn="ctr">
-                        <a:lnSpc>
-                          <a:spcPct val="150000"/>
-                        </a:lnSpc>
-                        <a:spcBef>
-                          <a:spcPts val="0"/>
-                        </a:spcBef>
-                        <a:spcAft>
-                          <a:spcPts val="1000"/>
-                        </a:spcAft>
-                      </a:pPr>
-                      <a:r>
-                        <a:rPr lang="en-IN" sz="1200" b="1">
-                          <a:latin typeface="Times New Roman" panose="02020603050405020304"/>
-                          <a:ea typeface="SimSun" panose="02010600030101010101" pitchFamily="2" charset="-122"/>
-                          <a:cs typeface="Times New Roman" panose="02020603050405020304"/>
-                        </a:rPr>
-                        <a:t>CONSTRAINT</a:t>
-                      </a:r>
-                      <a:endParaRPr lang="en-US" sz="1100">
-                        <a:latin typeface="Calibri" panose="020F0502020204030204"/>
-                        <a:ea typeface="Calibri" panose="020F0502020204030204"/>
-                        <a:cs typeface="Times New Roman" panose="02020603050405020304"/>
-                      </a:endParaRPr>
-                    </a:p>
-                  </a:txBody>
-                  <a:tcPr marL="68580" marR="68580" marT="0" marB="0">
-                    <a:lnL w="12700" cap="flat" cmpd="sng" algn="ctr">
-                      <a:solidFill>
-                        <a:srgbClr val="000000"/>
-                      </a:solidFill>
-                      <a:prstDash val="solid"/>
-                      <a:round/>
-                      <a:headEnd type="none" w="med" len="med"/>
-                      <a:tailEnd type="none" w="med" len="med"/>
-                    </a:lnL>
-                    <a:lnR w="12700" cap="flat" cmpd="sng" algn="ctr">
-                      <a:solidFill>
-                        <a:srgbClr val="000000"/>
-                      </a:solidFill>
-                      <a:prstDash val="solid"/>
-                      <a:round/>
-                      <a:headEnd type="none" w="med" len="med"/>
-                      <a:tailEnd type="none" w="med" len="med"/>
-                    </a:lnR>
-                    <a:lnT w="12700" cap="flat" cmpd="sng" algn="ctr">
-                      <a:solidFill>
-                        <a:srgbClr val="000000"/>
-                      </a:solidFill>
-                      <a:prstDash val="solid"/>
-                      <a:round/>
-                      <a:headEnd type="none" w="med" len="med"/>
-                      <a:tailEnd type="none" w="med" len="med"/>
-                    </a:lnT>
-                    <a:lnB w="12700" cap="flat" cmpd="sng" algn="ctr">
-                      <a:solidFill>
-                        <a:srgbClr val="000000"/>
-                      </a:solidFill>
-                      <a:prstDash val="solid"/>
-                      <a:round/>
-                      <a:headEnd type="none" w="med" len="med"/>
-                      <a:tailEnd type="none" w="med" len="med"/>
-                    </a:lnB>
-                  </a:tcPr>
-                </a:tc>
-              </a:tr>
-              <a:tr h="495300">
-                <a:tc>
-                  <a:txBody>
-                    <a:bodyPr/>
-                    <a:lstStyle/>
-                    <a:p>
-                      <a:pPr marL="0" marR="0" algn="ctr">
-                        <a:lnSpc>
-                          <a:spcPct val="150000"/>
-                        </a:lnSpc>
-                        <a:spcBef>
-                          <a:spcPts val="0"/>
-                        </a:spcBef>
-                        <a:spcAft>
-                          <a:spcPts val="1000"/>
-                        </a:spcAft>
-                      </a:pPr>
-                      <a:r>
-                        <a:rPr lang="en-IN" sz="1200" dirty="0">
-                          <a:latin typeface="Times New Roman" panose="02020603050405020304"/>
-                          <a:ea typeface="SimSun" panose="02010600030101010101" pitchFamily="2" charset="-122"/>
-                          <a:cs typeface="Times New Roman" panose="02020603050405020304"/>
-                        </a:rPr>
-                        <a:t>Slot id</a:t>
-                      </a:r>
-                      <a:endParaRPr lang="en-US" sz="1100" dirty="0">
-                        <a:latin typeface="Calibri" panose="020F0502020204030204"/>
-                        <a:ea typeface="Calibri" panose="020F0502020204030204"/>
-                        <a:cs typeface="Times New Roman" panose="02020603050405020304"/>
-                      </a:endParaRPr>
-                    </a:p>
-                  </a:txBody>
-                  <a:tcPr marL="68580" marR="68580" marT="0" marB="0">
-                    <a:lnL w="12700" cap="flat" cmpd="sng" algn="ctr">
-                      <a:solidFill>
-                        <a:srgbClr val="000000"/>
-                      </a:solidFill>
-                      <a:prstDash val="solid"/>
-                      <a:round/>
-                      <a:headEnd type="none" w="med" len="med"/>
-                      <a:tailEnd type="none" w="med" len="med"/>
-                    </a:lnL>
-                    <a:lnR w="12700" cap="flat" cmpd="sng" algn="ctr">
-                      <a:solidFill>
-                        <a:srgbClr val="000000"/>
-                      </a:solidFill>
-                      <a:prstDash val="solid"/>
-                      <a:round/>
-                      <a:headEnd type="none" w="med" len="med"/>
-                      <a:tailEnd type="none" w="med" len="med"/>
-                    </a:lnR>
-                    <a:lnT w="12700" cap="flat" cmpd="sng" algn="ctr">
-                      <a:solidFill>
-                        <a:srgbClr val="000000"/>
-                      </a:solidFill>
-                      <a:prstDash val="solid"/>
-                      <a:round/>
-                      <a:headEnd type="none" w="med" len="med"/>
-                      <a:tailEnd type="none" w="med" len="med"/>
-                    </a:lnT>
-                    <a:lnB w="12700" cap="flat" cmpd="sng" algn="ctr">
-                      <a:solidFill>
-                        <a:srgbClr val="000000"/>
-                      </a:solidFill>
-                      <a:prstDash val="solid"/>
-                      <a:round/>
-                      <a:headEnd type="none" w="med" len="med"/>
-                      <a:tailEnd type="none" w="med" len="med"/>
-                    </a:lnB>
-                  </a:tcPr>
-                </a:tc>
-                <a:tc>
-                  <a:txBody>
-                    <a:bodyPr/>
-                    <a:lstStyle/>
-                    <a:p>
-                      <a:pPr marL="0" marR="0" algn="ctr">
-                        <a:lnSpc>
-                          <a:spcPct val="150000"/>
-                        </a:lnSpc>
-                        <a:spcBef>
-                          <a:spcPts val="0"/>
-                        </a:spcBef>
-                        <a:spcAft>
-                          <a:spcPts val="1000"/>
-                        </a:spcAft>
-                      </a:pPr>
-                      <a:r>
-                        <a:rPr lang="en-IN" sz="1200" dirty="0" err="1">
-                          <a:latin typeface="Times New Roman" panose="02020603050405020304"/>
-                          <a:ea typeface="SimSun" panose="02010600030101010101" pitchFamily="2" charset="-122"/>
-                          <a:cs typeface="Times New Roman" panose="02020603050405020304"/>
-                        </a:rPr>
-                        <a:t>Int</a:t>
-                      </a:r>
-                      <a:endParaRPr lang="en-US" sz="1100" dirty="0">
-                        <a:latin typeface="Calibri" panose="020F0502020204030204"/>
-                        <a:ea typeface="Calibri" panose="020F0502020204030204"/>
-                        <a:cs typeface="Times New Roman" panose="02020603050405020304"/>
-                      </a:endParaRPr>
-                    </a:p>
-                  </a:txBody>
-                  <a:tcPr marL="68580" marR="68580" marT="0" marB="0">
-                    <a:lnL w="12700" cap="flat" cmpd="sng" algn="ctr">
-                      <a:solidFill>
-                        <a:srgbClr val="000000"/>
-                      </a:solidFill>
-                      <a:prstDash val="solid"/>
-                      <a:round/>
-                      <a:headEnd type="none" w="med" len="med"/>
-                      <a:tailEnd type="none" w="med" len="med"/>
-                    </a:lnL>
-                    <a:lnR w="12700" cap="flat" cmpd="sng" algn="ctr">
-                      <a:solidFill>
-                        <a:srgbClr val="000000"/>
-                      </a:solidFill>
-                      <a:prstDash val="solid"/>
-                      <a:round/>
-                      <a:headEnd type="none" w="med" len="med"/>
-                      <a:tailEnd type="none" w="med" len="med"/>
-                    </a:lnR>
-                    <a:lnT w="12700" cap="flat" cmpd="sng" algn="ctr">
-                      <a:solidFill>
-                        <a:srgbClr val="000000"/>
-                      </a:solidFill>
-                      <a:prstDash val="solid"/>
-                      <a:round/>
-                      <a:headEnd type="none" w="med" len="med"/>
-                      <a:tailEnd type="none" w="med" len="med"/>
-                    </a:lnT>
-                    <a:lnB w="12700" cap="flat" cmpd="sng" algn="ctr">
-                      <a:solidFill>
-                        <a:srgbClr val="000000"/>
-                      </a:solidFill>
-                      <a:prstDash val="solid"/>
-                      <a:round/>
-                      <a:headEnd type="none" w="med" len="med"/>
-                      <a:tailEnd type="none" w="med" len="med"/>
-                    </a:lnB>
-                  </a:tcPr>
-                </a:tc>
-                <a:tc>
-                  <a:txBody>
-                    <a:bodyPr/>
-                    <a:lstStyle/>
-                    <a:p>
-                      <a:pPr marL="0" marR="0" algn="ctr">
-                        <a:lnSpc>
-                          <a:spcPct val="150000"/>
-                        </a:lnSpc>
-                        <a:spcBef>
-                          <a:spcPts val="0"/>
-                        </a:spcBef>
-                        <a:spcAft>
-                          <a:spcPts val="1000"/>
-                        </a:spcAft>
-                      </a:pPr>
-                      <a:r>
-                        <a:rPr lang="en-IN" sz="1200">
-                          <a:latin typeface="Times New Roman" panose="02020603050405020304"/>
-                          <a:ea typeface="SimSun" panose="02010600030101010101" pitchFamily="2" charset="-122"/>
-                          <a:cs typeface="Times New Roman" panose="02020603050405020304"/>
-                        </a:rPr>
-                        <a:t>10</a:t>
-                      </a:r>
-                      <a:endParaRPr lang="en-US" sz="1100">
-                        <a:latin typeface="Calibri" panose="020F0502020204030204"/>
-                        <a:ea typeface="Calibri" panose="020F0502020204030204"/>
-                        <a:cs typeface="Times New Roman" panose="02020603050405020304"/>
-                      </a:endParaRPr>
-                    </a:p>
-                  </a:txBody>
-                  <a:tcPr marL="68580" marR="68580" marT="0" marB="0">
-                    <a:lnL w="12700" cap="flat" cmpd="sng" algn="ctr">
-                      <a:solidFill>
-                        <a:srgbClr val="000000"/>
-                      </a:solidFill>
-                      <a:prstDash val="solid"/>
-                      <a:round/>
-                      <a:headEnd type="none" w="med" len="med"/>
-                      <a:tailEnd type="none" w="med" len="med"/>
-                    </a:lnL>
-                    <a:lnR w="12700" cap="flat" cmpd="sng" algn="ctr">
-                      <a:solidFill>
-                        <a:srgbClr val="000000"/>
-                      </a:solidFill>
-                      <a:prstDash val="solid"/>
-                      <a:round/>
-                      <a:headEnd type="none" w="med" len="med"/>
-                      <a:tailEnd type="none" w="med" len="med"/>
-                    </a:lnR>
-                    <a:lnT w="12700" cap="flat" cmpd="sng" algn="ctr">
-                      <a:solidFill>
-                        <a:srgbClr val="000000"/>
-                      </a:solidFill>
-                      <a:prstDash val="solid"/>
-                      <a:round/>
-                      <a:headEnd type="none" w="med" len="med"/>
-                      <a:tailEnd type="none" w="med" len="med"/>
-                    </a:lnT>
-                    <a:lnB w="12700" cap="flat" cmpd="sng" algn="ctr">
-                      <a:solidFill>
-                        <a:srgbClr val="000000"/>
-                      </a:solidFill>
-                      <a:prstDash val="solid"/>
-                      <a:round/>
-                      <a:headEnd type="none" w="med" len="med"/>
-                      <a:tailEnd type="none" w="med" len="med"/>
-                    </a:lnB>
-                  </a:tcPr>
-                </a:tc>
-                <a:tc>
-                  <a:txBody>
-                    <a:bodyPr/>
-                    <a:lstStyle/>
-                    <a:p>
-                      <a:pPr marL="0" marR="0" algn="ctr">
-                        <a:lnSpc>
-                          <a:spcPct val="150000"/>
-                        </a:lnSpc>
-                        <a:spcBef>
-                          <a:spcPts val="0"/>
-                        </a:spcBef>
-                        <a:spcAft>
-                          <a:spcPts val="1000"/>
-                        </a:spcAft>
-                      </a:pPr>
-                      <a:r>
-                        <a:rPr lang="en-IN" sz="1200">
-                          <a:latin typeface="Times New Roman" panose="02020603050405020304"/>
-                          <a:ea typeface="SimSun" panose="02010600030101010101" pitchFamily="2" charset="-122"/>
-                          <a:cs typeface="Times New Roman" panose="02020603050405020304"/>
-                        </a:rPr>
-                        <a:t>Primary key</a:t>
-                      </a:r>
-                      <a:endParaRPr lang="en-US" sz="1100">
-                        <a:latin typeface="Calibri" panose="020F0502020204030204"/>
-                        <a:ea typeface="Calibri" panose="020F0502020204030204"/>
-                        <a:cs typeface="Times New Roman" panose="02020603050405020304"/>
-                      </a:endParaRPr>
-                    </a:p>
-                  </a:txBody>
-                  <a:tcPr marL="68580" marR="68580" marT="0" marB="0">
-                    <a:lnL w="12700" cap="flat" cmpd="sng" algn="ctr">
-                      <a:solidFill>
-                        <a:srgbClr val="000000"/>
-                      </a:solidFill>
-                      <a:prstDash val="solid"/>
-                      <a:round/>
-                      <a:headEnd type="none" w="med" len="med"/>
-                      <a:tailEnd type="none" w="med" len="med"/>
-                    </a:lnL>
-                    <a:lnR w="12700" cap="flat" cmpd="sng" algn="ctr">
-                      <a:solidFill>
-                        <a:srgbClr val="000000"/>
-                      </a:solidFill>
-                      <a:prstDash val="solid"/>
-                      <a:round/>
-                      <a:headEnd type="none" w="med" len="med"/>
-                      <a:tailEnd type="none" w="med" len="med"/>
-                    </a:lnR>
-                    <a:lnT w="12700" cap="flat" cmpd="sng" algn="ctr">
-                      <a:solidFill>
-                        <a:srgbClr val="000000"/>
-                      </a:solidFill>
-                      <a:prstDash val="solid"/>
-                      <a:round/>
-                      <a:headEnd type="none" w="med" len="med"/>
-                      <a:tailEnd type="none" w="med" len="med"/>
-                    </a:lnT>
-                    <a:lnB w="12700" cap="flat" cmpd="sng" algn="ctr">
-                      <a:solidFill>
-                        <a:srgbClr val="000000"/>
-                      </a:solidFill>
-                      <a:prstDash val="solid"/>
-                      <a:round/>
-                      <a:headEnd type="none" w="med" len="med"/>
-                      <a:tailEnd type="none" w="med" len="med"/>
-                    </a:lnB>
-                  </a:tcPr>
-                </a:tc>
-              </a:tr>
-              <a:tr h="495300">
-                <a:tc>
-                  <a:txBody>
-                    <a:bodyPr/>
-                    <a:lstStyle/>
-                    <a:p>
-                      <a:pPr marL="0" marR="0" algn="ctr">
-                        <a:lnSpc>
-                          <a:spcPct val="150000"/>
-                        </a:lnSpc>
-                        <a:spcBef>
-                          <a:spcPts val="0"/>
-                        </a:spcBef>
-                        <a:spcAft>
-                          <a:spcPts val="1000"/>
-                        </a:spcAft>
-                      </a:pPr>
-                      <a:r>
-                        <a:rPr lang="en-IN" sz="1200" dirty="0">
-                          <a:latin typeface="Times New Roman" panose="02020603050405020304"/>
-                          <a:ea typeface="SimSun" panose="02010600030101010101" pitchFamily="2" charset="-122"/>
-                          <a:cs typeface="Times New Roman" panose="02020603050405020304"/>
-                        </a:rPr>
-                        <a:t>Slot name</a:t>
-                      </a:r>
-                      <a:endParaRPr lang="en-US" sz="1100" dirty="0">
-                        <a:latin typeface="Calibri" panose="020F0502020204030204"/>
-                        <a:ea typeface="Calibri" panose="020F0502020204030204"/>
-                        <a:cs typeface="Times New Roman" panose="02020603050405020304"/>
-                      </a:endParaRPr>
-                    </a:p>
-                  </a:txBody>
-                  <a:tcPr marL="68580" marR="68580" marT="0" marB="0">
-                    <a:lnL w="12700" cap="flat" cmpd="sng" algn="ctr">
-                      <a:solidFill>
-                        <a:srgbClr val="000000"/>
-                      </a:solidFill>
-                      <a:prstDash val="solid"/>
-                      <a:round/>
-                      <a:headEnd type="none" w="med" len="med"/>
-                      <a:tailEnd type="none" w="med" len="med"/>
-                    </a:lnL>
-                    <a:lnR w="12700" cap="flat" cmpd="sng" algn="ctr">
-                      <a:solidFill>
-                        <a:srgbClr val="000000"/>
-                      </a:solidFill>
-                      <a:prstDash val="solid"/>
-                      <a:round/>
-                      <a:headEnd type="none" w="med" len="med"/>
-                      <a:tailEnd type="none" w="med" len="med"/>
-                    </a:lnR>
-                    <a:lnT w="12700" cap="flat" cmpd="sng" algn="ctr">
-                      <a:solidFill>
-                        <a:srgbClr val="000000"/>
-                      </a:solidFill>
-                      <a:prstDash val="solid"/>
-                      <a:round/>
-                      <a:headEnd type="none" w="med" len="med"/>
-                      <a:tailEnd type="none" w="med" len="med"/>
-                    </a:lnT>
-                    <a:lnB w="12700" cap="flat" cmpd="sng" algn="ctr">
-                      <a:solidFill>
-                        <a:srgbClr val="000000"/>
-                      </a:solidFill>
-                      <a:prstDash val="solid"/>
-                      <a:round/>
-                      <a:headEnd type="none" w="med" len="med"/>
-                      <a:tailEnd type="none" w="med" len="med"/>
-                    </a:lnB>
-                  </a:tcPr>
-                </a:tc>
-                <a:tc>
-                  <a:txBody>
-                    <a:bodyPr/>
-                    <a:lstStyle/>
-                    <a:p>
-                      <a:pPr marL="0" marR="0" algn="ctr">
-                        <a:lnSpc>
-                          <a:spcPct val="150000"/>
-                        </a:lnSpc>
-                        <a:spcBef>
-                          <a:spcPts val="0"/>
-                        </a:spcBef>
-                        <a:spcAft>
-                          <a:spcPts val="1000"/>
-                        </a:spcAft>
-                      </a:pPr>
-                      <a:r>
-                        <a:rPr lang="en-IN" sz="1200">
-                          <a:latin typeface="Times New Roman" panose="02020603050405020304"/>
-                          <a:ea typeface="SimSun" panose="02010600030101010101" pitchFamily="2" charset="-122"/>
-                          <a:cs typeface="Times New Roman" panose="02020603050405020304"/>
-                        </a:rPr>
-                        <a:t>Varchar </a:t>
-                      </a:r>
-                      <a:endParaRPr lang="en-US" sz="1100">
-                        <a:latin typeface="Calibri" panose="020F0502020204030204"/>
-                        <a:ea typeface="Calibri" panose="020F0502020204030204"/>
-                        <a:cs typeface="Times New Roman" panose="02020603050405020304"/>
-                      </a:endParaRPr>
-                    </a:p>
-                  </a:txBody>
-                  <a:tcPr marL="68580" marR="68580" marT="0" marB="0">
-                    <a:lnL w="12700" cap="flat" cmpd="sng" algn="ctr">
-                      <a:solidFill>
-                        <a:srgbClr val="000000"/>
-                      </a:solidFill>
-                      <a:prstDash val="solid"/>
-                      <a:round/>
-                      <a:headEnd type="none" w="med" len="med"/>
-                      <a:tailEnd type="none" w="med" len="med"/>
-                    </a:lnL>
-                    <a:lnR w="12700" cap="flat" cmpd="sng" algn="ctr">
-                      <a:solidFill>
-                        <a:srgbClr val="000000"/>
-                      </a:solidFill>
-                      <a:prstDash val="solid"/>
-                      <a:round/>
-                      <a:headEnd type="none" w="med" len="med"/>
-                      <a:tailEnd type="none" w="med" len="med"/>
-                    </a:lnR>
-                    <a:lnT w="12700" cap="flat" cmpd="sng" algn="ctr">
-                      <a:solidFill>
-                        <a:srgbClr val="000000"/>
-                      </a:solidFill>
-                      <a:prstDash val="solid"/>
-                      <a:round/>
-                      <a:headEnd type="none" w="med" len="med"/>
-                      <a:tailEnd type="none" w="med" len="med"/>
-                    </a:lnT>
-                    <a:lnB w="12700" cap="flat" cmpd="sng" algn="ctr">
-                      <a:solidFill>
-                        <a:srgbClr val="000000"/>
-                      </a:solidFill>
-                      <a:prstDash val="solid"/>
-                      <a:round/>
-                      <a:headEnd type="none" w="med" len="med"/>
-                      <a:tailEnd type="none" w="med" len="med"/>
-                    </a:lnB>
-                  </a:tcPr>
-                </a:tc>
-                <a:tc>
-                  <a:txBody>
-                    <a:bodyPr/>
-                    <a:lstStyle/>
-                    <a:p>
-                      <a:pPr marL="0" marR="0" algn="ctr">
-                        <a:lnSpc>
-                          <a:spcPct val="150000"/>
-                        </a:lnSpc>
-                        <a:spcBef>
-                          <a:spcPts val="0"/>
-                        </a:spcBef>
-                        <a:spcAft>
-                          <a:spcPts val="1000"/>
-                        </a:spcAft>
-                      </a:pPr>
-                      <a:r>
-                        <a:rPr lang="en-IN" sz="1200">
-                          <a:latin typeface="Times New Roman" panose="02020603050405020304"/>
-                          <a:ea typeface="SimSun" panose="02010600030101010101" pitchFamily="2" charset="-122"/>
-                          <a:cs typeface="Times New Roman" panose="02020603050405020304"/>
-                        </a:rPr>
-                        <a:t>30</a:t>
-                      </a:r>
-                      <a:endParaRPr lang="en-US" sz="1100">
-                        <a:latin typeface="Calibri" panose="020F0502020204030204"/>
-                        <a:ea typeface="Calibri" panose="020F0502020204030204"/>
-                        <a:cs typeface="Times New Roman" panose="02020603050405020304"/>
-                      </a:endParaRPr>
-                    </a:p>
-                  </a:txBody>
-                  <a:tcPr marL="68580" marR="68580" marT="0" marB="0">
-                    <a:lnL w="12700" cap="flat" cmpd="sng" algn="ctr">
-                      <a:solidFill>
-                        <a:srgbClr val="000000"/>
-                      </a:solidFill>
-                      <a:prstDash val="solid"/>
-                      <a:round/>
-                      <a:headEnd type="none" w="med" len="med"/>
-                      <a:tailEnd type="none" w="med" len="med"/>
-                    </a:lnL>
-                    <a:lnR w="12700" cap="flat" cmpd="sng" algn="ctr">
-                      <a:solidFill>
-                        <a:srgbClr val="000000"/>
-                      </a:solidFill>
-                      <a:prstDash val="solid"/>
-                      <a:round/>
-                      <a:headEnd type="none" w="med" len="med"/>
-                      <a:tailEnd type="none" w="med" len="med"/>
-                    </a:lnR>
-                    <a:lnT w="12700" cap="flat" cmpd="sng" algn="ctr">
-                      <a:solidFill>
-                        <a:srgbClr val="000000"/>
-                      </a:solidFill>
-                      <a:prstDash val="solid"/>
-                      <a:round/>
-                      <a:headEnd type="none" w="med" len="med"/>
-                      <a:tailEnd type="none" w="med" len="med"/>
-                    </a:lnT>
-                    <a:lnB w="12700" cap="flat" cmpd="sng" algn="ctr">
-                      <a:solidFill>
-                        <a:srgbClr val="000000"/>
-                      </a:solidFill>
-                      <a:prstDash val="solid"/>
-                      <a:round/>
-                      <a:headEnd type="none" w="med" len="med"/>
-                      <a:tailEnd type="none" w="med" len="med"/>
-                    </a:lnB>
-                  </a:tcPr>
-                </a:tc>
-                <a:tc>
-                  <a:txBody>
-                    <a:bodyPr/>
-                    <a:lstStyle/>
-                    <a:p>
-                      <a:pPr marL="0" marR="0" algn="ctr">
-                        <a:lnSpc>
-                          <a:spcPct val="150000"/>
-                        </a:lnSpc>
-                        <a:spcBef>
-                          <a:spcPts val="0"/>
-                        </a:spcBef>
-                        <a:spcAft>
-                          <a:spcPts val="1000"/>
-                        </a:spcAft>
-                      </a:pPr>
-                      <a:r>
-                        <a:rPr lang="en-IN" sz="1200">
-                          <a:latin typeface="Times New Roman" panose="02020603050405020304"/>
-                          <a:ea typeface="SimSun" panose="02010600030101010101" pitchFamily="2" charset="-122"/>
-                          <a:cs typeface="Times New Roman" panose="02020603050405020304"/>
-                        </a:rPr>
-                        <a:t>Not null</a:t>
-                      </a:r>
-                      <a:endParaRPr lang="en-US" sz="1100">
-                        <a:latin typeface="Calibri" panose="020F0502020204030204"/>
-                        <a:ea typeface="Calibri" panose="020F0502020204030204"/>
-                        <a:cs typeface="Times New Roman" panose="02020603050405020304"/>
-                      </a:endParaRPr>
-                    </a:p>
-                  </a:txBody>
-                  <a:tcPr marL="68580" marR="68580" marT="0" marB="0">
-                    <a:lnL w="12700" cap="flat" cmpd="sng" algn="ctr">
-                      <a:solidFill>
-                        <a:srgbClr val="000000"/>
-                      </a:solidFill>
-                      <a:prstDash val="solid"/>
-                      <a:round/>
-                      <a:headEnd type="none" w="med" len="med"/>
-                      <a:tailEnd type="none" w="med" len="med"/>
-                    </a:lnL>
-                    <a:lnR w="12700" cap="flat" cmpd="sng" algn="ctr">
-                      <a:solidFill>
-                        <a:srgbClr val="000000"/>
-                      </a:solidFill>
-                      <a:prstDash val="solid"/>
-                      <a:round/>
-                      <a:headEnd type="none" w="med" len="med"/>
-                      <a:tailEnd type="none" w="med" len="med"/>
-                    </a:lnR>
-                    <a:lnT w="12700" cap="flat" cmpd="sng" algn="ctr">
-                      <a:solidFill>
-                        <a:srgbClr val="000000"/>
-                      </a:solidFill>
-                      <a:prstDash val="solid"/>
-                      <a:round/>
-                      <a:headEnd type="none" w="med" len="med"/>
-                      <a:tailEnd type="none" w="med" len="med"/>
-                    </a:lnT>
-                    <a:lnB w="12700" cap="flat" cmpd="sng" algn="ctr">
-                      <a:solidFill>
-                        <a:srgbClr val="000000"/>
-                      </a:solidFill>
-                      <a:prstDash val="solid"/>
-                      <a:round/>
-                      <a:headEnd type="none" w="med" len="med"/>
-                      <a:tailEnd type="none" w="med" len="med"/>
-                    </a:lnB>
-                  </a:tcPr>
-                </a:tc>
-              </a:tr>
-              <a:tr h="495300">
-                <a:tc>
-                  <a:txBody>
-                    <a:bodyPr/>
-                    <a:lstStyle/>
-                    <a:p>
-                      <a:pPr marL="0" marR="0" algn="ctr">
-                        <a:lnSpc>
-                          <a:spcPct val="150000"/>
-                        </a:lnSpc>
-                        <a:spcBef>
-                          <a:spcPts val="0"/>
-                        </a:spcBef>
-                        <a:spcAft>
-                          <a:spcPts val="1000"/>
-                        </a:spcAft>
-                      </a:pPr>
-                      <a:r>
-                        <a:rPr lang="en-IN" sz="1200" dirty="0">
-                          <a:latin typeface="Times New Roman" panose="02020603050405020304"/>
-                          <a:ea typeface="SimSun" panose="02010600030101010101" pitchFamily="2" charset="-122"/>
-                          <a:cs typeface="Times New Roman" panose="02020603050405020304"/>
-                        </a:rPr>
-                        <a:t>total</a:t>
-                      </a:r>
-                      <a:endParaRPr lang="en-US" sz="1100" dirty="0">
-                        <a:latin typeface="Calibri" panose="020F0502020204030204"/>
-                        <a:ea typeface="Calibri" panose="020F0502020204030204"/>
-                        <a:cs typeface="Times New Roman" panose="02020603050405020304"/>
-                      </a:endParaRPr>
-                    </a:p>
-                  </a:txBody>
-                  <a:tcPr marL="68580" marR="68580" marT="0" marB="0">
-                    <a:lnL w="12700" cap="flat" cmpd="sng" algn="ctr">
-                      <a:solidFill>
-                        <a:srgbClr val="000000"/>
-                      </a:solidFill>
-                      <a:prstDash val="solid"/>
-                      <a:round/>
-                      <a:headEnd type="none" w="med" len="med"/>
-                      <a:tailEnd type="none" w="med" len="med"/>
-                    </a:lnL>
-                    <a:lnR w="12700" cap="flat" cmpd="sng" algn="ctr">
-                      <a:solidFill>
-                        <a:srgbClr val="000000"/>
-                      </a:solidFill>
-                      <a:prstDash val="solid"/>
-                      <a:round/>
-                      <a:headEnd type="none" w="med" len="med"/>
-                      <a:tailEnd type="none" w="med" len="med"/>
-                    </a:lnR>
-                    <a:lnT w="12700" cap="flat" cmpd="sng" algn="ctr">
-                      <a:solidFill>
-                        <a:srgbClr val="000000"/>
-                      </a:solidFill>
-                      <a:prstDash val="solid"/>
-                      <a:round/>
-                      <a:headEnd type="none" w="med" len="med"/>
-                      <a:tailEnd type="none" w="med" len="med"/>
-                    </a:lnT>
-                    <a:lnB w="12700" cap="flat" cmpd="sng" algn="ctr">
-                      <a:solidFill>
-                        <a:srgbClr val="000000"/>
-                      </a:solidFill>
-                      <a:prstDash val="solid"/>
-                      <a:round/>
-                      <a:headEnd type="none" w="med" len="med"/>
-                      <a:tailEnd type="none" w="med" len="med"/>
-                    </a:lnB>
-                  </a:tcPr>
-                </a:tc>
-                <a:tc>
-                  <a:txBody>
-                    <a:bodyPr/>
-                    <a:lstStyle/>
-                    <a:p>
-                      <a:pPr marL="0" marR="0" algn="ctr">
-                        <a:lnSpc>
-                          <a:spcPct val="150000"/>
-                        </a:lnSpc>
-                        <a:spcBef>
-                          <a:spcPts val="0"/>
-                        </a:spcBef>
-                        <a:spcAft>
-                          <a:spcPts val="1000"/>
-                        </a:spcAft>
-                      </a:pPr>
-                      <a:r>
-                        <a:rPr lang="en-IN" sz="1200" dirty="0" err="1">
-                          <a:latin typeface="Times New Roman" panose="02020603050405020304"/>
-                          <a:ea typeface="SimSun" panose="02010600030101010101" pitchFamily="2" charset="-122"/>
-                          <a:cs typeface="Times New Roman" panose="02020603050405020304"/>
-                        </a:rPr>
-                        <a:t>Int</a:t>
-                      </a:r>
-                      <a:endParaRPr lang="en-US" sz="1100" dirty="0">
-                        <a:latin typeface="Calibri" panose="020F0502020204030204"/>
-                        <a:ea typeface="Calibri" panose="020F0502020204030204"/>
-                        <a:cs typeface="Times New Roman" panose="02020603050405020304"/>
-                      </a:endParaRPr>
-                    </a:p>
-                  </a:txBody>
-                  <a:tcPr marL="68580" marR="68580" marT="0" marB="0">
-                    <a:lnL w="12700" cap="flat" cmpd="sng" algn="ctr">
-                      <a:solidFill>
-                        <a:srgbClr val="000000"/>
-                      </a:solidFill>
-                      <a:prstDash val="solid"/>
-                      <a:round/>
-                      <a:headEnd type="none" w="med" len="med"/>
-                      <a:tailEnd type="none" w="med" len="med"/>
-                    </a:lnL>
-                    <a:lnR w="12700" cap="flat" cmpd="sng" algn="ctr">
-                      <a:solidFill>
-                        <a:srgbClr val="000000"/>
-                      </a:solidFill>
-                      <a:prstDash val="solid"/>
-                      <a:round/>
-                      <a:headEnd type="none" w="med" len="med"/>
-                      <a:tailEnd type="none" w="med" len="med"/>
-                    </a:lnR>
-                    <a:lnT w="12700" cap="flat" cmpd="sng" algn="ctr">
-                      <a:solidFill>
-                        <a:srgbClr val="000000"/>
-                      </a:solidFill>
-                      <a:prstDash val="solid"/>
-                      <a:round/>
-                      <a:headEnd type="none" w="med" len="med"/>
-                      <a:tailEnd type="none" w="med" len="med"/>
-                    </a:lnT>
-                    <a:lnB w="12700" cap="flat" cmpd="sng" algn="ctr">
-                      <a:solidFill>
-                        <a:srgbClr val="000000"/>
-                      </a:solidFill>
-                      <a:prstDash val="solid"/>
-                      <a:round/>
-                      <a:headEnd type="none" w="med" len="med"/>
-                      <a:tailEnd type="none" w="med" len="med"/>
-                    </a:lnB>
-                  </a:tcPr>
-                </a:tc>
-                <a:tc>
-                  <a:txBody>
-                    <a:bodyPr/>
-                    <a:lstStyle/>
-                    <a:p>
-                      <a:pPr marL="0" marR="0" algn="ctr">
-                        <a:lnSpc>
-                          <a:spcPct val="150000"/>
-                        </a:lnSpc>
-                        <a:spcBef>
-                          <a:spcPts val="0"/>
-                        </a:spcBef>
-                        <a:spcAft>
-                          <a:spcPts val="1000"/>
-                        </a:spcAft>
-                      </a:pPr>
-                      <a:r>
-                        <a:rPr lang="en-IN" sz="1200" dirty="0">
-                          <a:latin typeface="Times New Roman" panose="02020603050405020304"/>
-                          <a:ea typeface="SimSun" panose="02010600030101010101" pitchFamily="2" charset="-122"/>
-                          <a:cs typeface="Times New Roman" panose="02020603050405020304"/>
-                        </a:rPr>
-                        <a:t>5</a:t>
-                      </a:r>
-                      <a:endParaRPr lang="en-US" sz="1100" dirty="0">
-                        <a:latin typeface="Calibri" panose="020F0502020204030204"/>
-                        <a:ea typeface="Calibri" panose="020F0502020204030204"/>
-                        <a:cs typeface="Times New Roman" panose="02020603050405020304"/>
-                      </a:endParaRPr>
-                    </a:p>
-                  </a:txBody>
-                  <a:tcPr marL="68580" marR="68580" marT="0" marB="0">
-                    <a:lnL w="12700" cap="flat" cmpd="sng" algn="ctr">
-                      <a:solidFill>
-                        <a:srgbClr val="000000"/>
-                      </a:solidFill>
-                      <a:prstDash val="solid"/>
-                      <a:round/>
-                      <a:headEnd type="none" w="med" len="med"/>
-                      <a:tailEnd type="none" w="med" len="med"/>
-                    </a:lnL>
-                    <a:lnR w="12700" cap="flat" cmpd="sng" algn="ctr">
-                      <a:solidFill>
-                        <a:srgbClr val="000000"/>
-                      </a:solidFill>
-                      <a:prstDash val="solid"/>
-                      <a:round/>
-                      <a:headEnd type="none" w="med" len="med"/>
-                      <a:tailEnd type="none" w="med" len="med"/>
-                    </a:lnR>
-                    <a:lnT w="12700" cap="flat" cmpd="sng" algn="ctr">
-                      <a:solidFill>
-                        <a:srgbClr val="000000"/>
-                      </a:solidFill>
-                      <a:prstDash val="solid"/>
-                      <a:round/>
-                      <a:headEnd type="none" w="med" len="med"/>
-                      <a:tailEnd type="none" w="med" len="med"/>
-                    </a:lnT>
-                    <a:lnB w="12700" cap="flat" cmpd="sng" algn="ctr">
-                      <a:solidFill>
-                        <a:srgbClr val="000000"/>
-                      </a:solidFill>
-                      <a:prstDash val="solid"/>
-                      <a:round/>
-                      <a:headEnd type="none" w="med" len="med"/>
-                      <a:tailEnd type="none" w="med" len="med"/>
-                    </a:lnB>
-                  </a:tcPr>
-                </a:tc>
-                <a:tc>
-                  <a:txBody>
-                    <a:bodyPr/>
-                    <a:lstStyle/>
-                    <a:p>
-                      <a:pPr marL="0" marR="0" algn="ctr">
-                        <a:lnSpc>
-                          <a:spcPct val="150000"/>
-                        </a:lnSpc>
-                        <a:spcBef>
-                          <a:spcPts val="0"/>
-                        </a:spcBef>
-                        <a:spcAft>
-                          <a:spcPts val="1000"/>
-                        </a:spcAft>
-                      </a:pPr>
-                      <a:r>
-                        <a:rPr lang="en-IN" sz="1200" dirty="0">
-                          <a:latin typeface="Times New Roman" panose="02020603050405020304"/>
-                          <a:ea typeface="SimSun" panose="02010600030101010101" pitchFamily="2" charset="-122"/>
-                          <a:cs typeface="Times New Roman" panose="02020603050405020304"/>
-                        </a:rPr>
-                        <a:t>Not null</a:t>
-                      </a:r>
-                      <a:endParaRPr lang="en-US" sz="1100" dirty="0">
-                        <a:latin typeface="Calibri" panose="020F0502020204030204"/>
-                        <a:ea typeface="Calibri" panose="020F0502020204030204"/>
-                        <a:cs typeface="Times New Roman" panose="02020603050405020304"/>
-                      </a:endParaRPr>
-                    </a:p>
-                  </a:txBody>
-                  <a:tcPr marL="68580" marR="68580" marT="0" marB="0">
-                    <a:lnL w="12700" cap="flat" cmpd="sng" algn="ctr">
-                      <a:solidFill>
-                        <a:srgbClr val="000000"/>
-                      </a:solidFill>
-                      <a:prstDash val="solid"/>
-                      <a:round/>
-                      <a:headEnd type="none" w="med" len="med"/>
-                      <a:tailEnd type="none" w="med" len="med"/>
-                    </a:lnL>
-                    <a:lnR w="12700" cap="flat" cmpd="sng" algn="ctr">
-                      <a:solidFill>
-                        <a:srgbClr val="000000"/>
-                      </a:solidFill>
-                      <a:prstDash val="solid"/>
-                      <a:round/>
-                      <a:headEnd type="none" w="med" len="med"/>
-                      <a:tailEnd type="none" w="med" len="med"/>
-                    </a:lnR>
-                    <a:lnT w="12700" cap="flat" cmpd="sng" algn="ctr">
-                      <a:solidFill>
-                        <a:srgbClr val="000000"/>
-                      </a:solidFill>
-                      <a:prstDash val="solid"/>
-                      <a:round/>
-                      <a:headEnd type="none" w="med" len="med"/>
-                      <a:tailEnd type="none" w="med" len="med"/>
-                    </a:lnT>
-                    <a:lnB w="12700" cap="flat" cmpd="sng" algn="ctr">
-                      <a:solidFill>
-                        <a:srgbClr val="000000"/>
-                      </a:solidFill>
-                      <a:prstDash val="solid"/>
-                      <a:round/>
-                      <a:headEnd type="none" w="med" len="med"/>
-                      <a:tailEnd type="none" w="med" len="med"/>
-                    </a:lnB>
-                  </a:tcPr>
-                </a:tc>
-              </a:tr>
-            </a:tbl>
-          </a:graphicData>
-        </a:graphic>
-      </p:graphicFrame>
-    </p:spTree>
-  </p:cSld>
-  <p:clrMapOvr>
-    <a:masterClrMapping/>
-  </p:clrMapOvr>
-</p:sld>
-</file>
-
-<file path=ppt/slides/slide15.xml><?xml version="1.0" encoding="utf-8"?>
 <p:sld xmlns:a="http://schemas.openxmlformats.org/drawingml/2006/main" xmlns:r="http://schemas.openxmlformats.org/officeDocument/2006/relationships" xmlns:p="http://schemas.openxmlformats.org/presentationml/2006/main">
   <p:cSld>
     <p:spTree>
@@ -26990,14 +23917,14 @@
                         </a:spcAft>
                       </a:pPr>
                       <a:r>
-                        <a:rPr lang="en-IN" sz="1200">
+                        <a:rPr lang="en-IN" sz="1200" dirty="0">
                           <a:latin typeface="Times New Roman" panose="02020603050405020304"/>
                           <a:ea typeface="SimSun" panose="02010600030101010101" pitchFamily="2" charset="-122"/>
                           <a:cs typeface="Times New Roman" panose="02020603050405020304"/>
                         </a:rPr>
                         <a:t>Varchar </a:t>
                       </a:r>
-                      <a:endParaRPr lang="en-US" sz="1100">
+                      <a:endParaRPr lang="en-US" sz="1100" dirty="0">
                         <a:latin typeface="Calibri" panose="020F0502020204030204"/>
                         <a:ea typeface="Calibri" panose="020F0502020204030204"/>
                         <a:cs typeface="Times New Roman" panose="02020603050405020304"/>
@@ -27272,14 +24199,14 @@
                         </a:spcAft>
                       </a:pPr>
                       <a:r>
-                        <a:rPr lang="en-IN" sz="1200">
+                        <a:rPr lang="en-IN" sz="1200" dirty="0" err="1">
                           <a:latin typeface="Times New Roman" panose="02020603050405020304"/>
                           <a:ea typeface="SimSun" panose="02010600030101010101" pitchFamily="2" charset="-122"/>
                           <a:cs typeface="Times New Roman" panose="02020603050405020304"/>
                         </a:rPr>
                         <a:t>Int</a:t>
                       </a:r>
-                      <a:endParaRPr lang="en-US" sz="1100">
+                      <a:endParaRPr lang="en-US" sz="1100" dirty="0">
                         <a:latin typeface="Calibri" panose="020F0502020204030204"/>
                         <a:ea typeface="Calibri" panose="020F0502020204030204"/>
                         <a:cs typeface="Times New Roman" panose="02020603050405020304"/>
@@ -27554,14 +24481,14 @@
                         </a:spcAft>
                       </a:pPr>
                       <a:r>
-                        <a:rPr lang="en-IN" sz="1200">
+                        <a:rPr lang="en-IN" sz="1200" dirty="0">
                           <a:latin typeface="Times New Roman" panose="02020603050405020304"/>
                           <a:ea typeface="SimSun" panose="02010600030101010101" pitchFamily="2" charset="-122"/>
                           <a:cs typeface="Times New Roman" panose="02020603050405020304"/>
                         </a:rPr>
                         <a:t>Varchar</a:t>
                       </a:r>
-                      <a:endParaRPr lang="en-US" sz="1100">
+                      <a:endParaRPr lang="en-US" sz="1100" dirty="0">
                         <a:latin typeface="Calibri" panose="020F0502020204030204"/>
                         <a:ea typeface="Calibri" panose="020F0502020204030204"/>
                         <a:cs typeface="Times New Roman" panose="02020603050405020304"/>
@@ -27624,14 +24551,14 @@
                         </a:spcAft>
                       </a:pPr>
                       <a:r>
-                        <a:rPr lang="en-IN" sz="1200">
+                        <a:rPr lang="en-IN" sz="1200" dirty="0">
                           <a:latin typeface="Times New Roman" panose="02020603050405020304"/>
                           <a:ea typeface="SimSun" panose="02010600030101010101" pitchFamily="2" charset="-122"/>
                           <a:cs typeface="Times New Roman" panose="02020603050405020304"/>
                         </a:rPr>
                         <a:t>20</a:t>
                       </a:r>
-                      <a:endParaRPr lang="en-US" sz="1100">
+                      <a:endParaRPr lang="en-US" sz="1100" dirty="0">
                         <a:latin typeface="Calibri" panose="020F0502020204030204"/>
                         <a:ea typeface="Calibri" panose="020F0502020204030204"/>
                         <a:cs typeface="Times New Roman" panose="02020603050405020304"/>
@@ -27906,14 +24833,14 @@
                         </a:spcAft>
                       </a:pPr>
                       <a:r>
-                        <a:rPr lang="en-IN" sz="1200">
+                        <a:rPr lang="en-IN" sz="1200" dirty="0">
                           <a:latin typeface="Times New Roman" panose="02020603050405020304"/>
                           <a:ea typeface="SimSun" panose="02010600030101010101" pitchFamily="2" charset="-122"/>
                           <a:cs typeface="Times New Roman" panose="02020603050405020304"/>
                         </a:rPr>
                         <a:t>20</a:t>
                       </a:r>
-                      <a:endParaRPr lang="en-US" sz="1100">
+                      <a:endParaRPr lang="en-US" sz="1100" dirty="0">
                         <a:latin typeface="Calibri" panose="020F0502020204030204"/>
                         <a:ea typeface="Calibri" panose="020F0502020204030204"/>
                         <a:cs typeface="Times New Roman" panose="02020603050405020304"/>
@@ -27976,14 +24903,14 @@
                         </a:spcAft>
                       </a:pPr>
                       <a:r>
-                        <a:rPr lang="en-IN" sz="1200">
+                        <a:rPr lang="en-IN" sz="1200" dirty="0">
                           <a:latin typeface="Times New Roman" panose="02020603050405020304"/>
                           <a:ea typeface="SimSun" panose="02010600030101010101" pitchFamily="2" charset="-122"/>
                           <a:cs typeface="Times New Roman" panose="02020603050405020304"/>
                         </a:rPr>
                         <a:t>Not null</a:t>
                       </a:r>
-                      <a:endParaRPr lang="en-US" sz="1100">
+                      <a:endParaRPr lang="en-US" sz="1100" dirty="0">
                         <a:latin typeface="Calibri" panose="020F0502020204030204"/>
                         <a:ea typeface="Calibri" panose="020F0502020204030204"/>
                         <a:cs typeface="Times New Roman" panose="02020603050405020304"/>
@@ -28266,14 +25193,14 @@
                         </a:spcAft>
                       </a:pPr>
                       <a:r>
-                        <a:rPr lang="en-IN" sz="1200">
+                        <a:rPr lang="en-IN" sz="1200" dirty="0">
                           <a:latin typeface="Times New Roman" panose="02020603050405020304"/>
                           <a:ea typeface="SimSun" panose="02010600030101010101" pitchFamily="2" charset="-122"/>
                           <a:cs typeface="Times New Roman" panose="02020603050405020304"/>
                         </a:rPr>
                         <a:t>Not null</a:t>
                       </a:r>
-                      <a:endParaRPr lang="en-US" sz="1100">
+                      <a:endParaRPr lang="en-US" sz="1100" dirty="0">
                         <a:latin typeface="Calibri" panose="020F0502020204030204"/>
                         <a:ea typeface="Calibri" panose="020F0502020204030204"/>
                         <a:cs typeface="Times New Roman" panose="02020603050405020304"/>
@@ -28484,6 +25411,3062 @@
                           <a:cs typeface="Times New Roman" panose="02020603050405020304"/>
                         </a:rPr>
                         <a:t>30</a:t>
+                      </a:r>
+                      <a:endParaRPr lang="en-US" sz="1100" dirty="0">
+                        <a:latin typeface="Calibri" panose="020F0502020204030204"/>
+                        <a:ea typeface="Calibri" panose="020F0502020204030204"/>
+                        <a:cs typeface="Times New Roman" panose="02020603050405020304"/>
+                      </a:endParaRPr>
+                    </a:p>
+                  </a:txBody>
+                  <a:tcPr marL="68580" marR="68580" marT="0" marB="0">
+                    <a:lnL w="12700" cap="flat" cmpd="sng" algn="ctr">
+                      <a:solidFill>
+                        <a:srgbClr val="000000"/>
+                      </a:solidFill>
+                      <a:prstDash val="solid"/>
+                      <a:round/>
+                      <a:headEnd type="none" w="med" len="med"/>
+                      <a:tailEnd type="none" w="med" len="med"/>
+                    </a:lnL>
+                    <a:lnR w="12700" cap="flat" cmpd="sng" algn="ctr">
+                      <a:solidFill>
+                        <a:srgbClr val="000000"/>
+                      </a:solidFill>
+                      <a:prstDash val="solid"/>
+                      <a:round/>
+                      <a:headEnd type="none" w="med" len="med"/>
+                      <a:tailEnd type="none" w="med" len="med"/>
+                    </a:lnR>
+                    <a:lnT w="12700" cap="flat" cmpd="sng" algn="ctr">
+                      <a:solidFill>
+                        <a:srgbClr val="000000"/>
+                      </a:solidFill>
+                      <a:prstDash val="solid"/>
+                      <a:round/>
+                      <a:headEnd type="none" w="med" len="med"/>
+                      <a:tailEnd type="none" w="med" len="med"/>
+                    </a:lnT>
+                    <a:lnB w="12700" cap="flat" cmpd="sng" algn="ctr">
+                      <a:solidFill>
+                        <a:srgbClr val="000000"/>
+                      </a:solidFill>
+                      <a:prstDash val="solid"/>
+                      <a:round/>
+                      <a:headEnd type="none" w="med" len="med"/>
+                      <a:tailEnd type="none" w="med" len="med"/>
+                    </a:lnB>
+                  </a:tcPr>
+                </a:tc>
+                <a:tc>
+                  <a:txBody>
+                    <a:bodyPr/>
+                    <a:lstStyle/>
+                    <a:p>
+                      <a:pPr marL="0" marR="0" algn="ctr">
+                        <a:lnSpc>
+                          <a:spcPct val="150000"/>
+                        </a:lnSpc>
+                        <a:spcBef>
+                          <a:spcPts val="0"/>
+                        </a:spcBef>
+                        <a:spcAft>
+                          <a:spcPts val="1000"/>
+                        </a:spcAft>
+                      </a:pPr>
+                      <a:r>
+                        <a:rPr lang="en-IN" sz="1200" dirty="0">
+                          <a:latin typeface="Times New Roman" panose="02020603050405020304"/>
+                          <a:ea typeface="SimSun" panose="02010600030101010101" pitchFamily="2" charset="-122"/>
+                          <a:cs typeface="Times New Roman" panose="02020603050405020304"/>
+                        </a:rPr>
+                        <a:t>Not null</a:t>
+                      </a:r>
+                      <a:endParaRPr lang="en-US" sz="1100" dirty="0">
+                        <a:latin typeface="Calibri" panose="020F0502020204030204"/>
+                        <a:ea typeface="Calibri" panose="020F0502020204030204"/>
+                        <a:cs typeface="Times New Roman" panose="02020603050405020304"/>
+                      </a:endParaRPr>
+                    </a:p>
+                  </a:txBody>
+                  <a:tcPr marL="68580" marR="68580" marT="0" marB="0">
+                    <a:lnL w="12700" cap="flat" cmpd="sng" algn="ctr">
+                      <a:solidFill>
+                        <a:srgbClr val="000000"/>
+                      </a:solidFill>
+                      <a:prstDash val="solid"/>
+                      <a:round/>
+                      <a:headEnd type="none" w="med" len="med"/>
+                      <a:tailEnd type="none" w="med" len="med"/>
+                    </a:lnL>
+                    <a:lnR w="12700" cap="flat" cmpd="sng" algn="ctr">
+                      <a:solidFill>
+                        <a:srgbClr val="000000"/>
+                      </a:solidFill>
+                      <a:prstDash val="solid"/>
+                      <a:round/>
+                      <a:headEnd type="none" w="med" len="med"/>
+                      <a:tailEnd type="none" w="med" len="med"/>
+                    </a:lnR>
+                    <a:lnT w="12700" cap="flat" cmpd="sng" algn="ctr">
+                      <a:solidFill>
+                        <a:srgbClr val="000000"/>
+                      </a:solidFill>
+                      <a:prstDash val="solid"/>
+                      <a:round/>
+                      <a:headEnd type="none" w="med" len="med"/>
+                      <a:tailEnd type="none" w="med" len="med"/>
+                    </a:lnT>
+                    <a:lnB w="12700" cap="flat" cmpd="sng" algn="ctr">
+                      <a:solidFill>
+                        <a:srgbClr val="000000"/>
+                      </a:solidFill>
+                      <a:prstDash val="solid"/>
+                      <a:round/>
+                      <a:headEnd type="none" w="med" len="med"/>
+                      <a:tailEnd type="none" w="med" len="med"/>
+                    </a:lnB>
+                  </a:tcPr>
+                </a:tc>
+              </a:tr>
+            </a:tbl>
+          </a:graphicData>
+        </a:graphic>
+      </p:graphicFrame>
+    </p:spTree>
+  </p:cSld>
+  <p:clrMapOvr>
+    <a:masterClrMapping/>
+  </p:clrMapOvr>
+</p:sld>
+</file>
+
+<file path=ppt/slides/slide15.xml><?xml version="1.0" encoding="utf-8"?>
+<p:sld xmlns:a="http://schemas.openxmlformats.org/drawingml/2006/main" xmlns:r="http://schemas.openxmlformats.org/officeDocument/2006/relationships" xmlns:p="http://schemas.openxmlformats.org/presentationml/2006/main">
+  <p:cSld>
+    <p:spTree>
+      <p:nvGrpSpPr>
+        <p:cNvPr id="1" name=""/>
+        <p:cNvGrpSpPr/>
+        <p:nvPr/>
+      </p:nvGrpSpPr>
+      <p:grpSpPr>
+        <a:xfrm>
+          <a:off x="0" y="0"/>
+          <a:ext cx="0" cy="0"/>
+          <a:chOff x="0" y="0"/>
+          <a:chExt cx="0" cy="0"/>
+        </a:xfrm>
+      </p:grpSpPr>
+      <p:graphicFrame>
+        <p:nvGraphicFramePr>
+          <p:cNvPr id="8" name="Table 7"/>
+          <p:cNvGraphicFramePr>
+            <a:graphicFrameLocks noGrp="1"/>
+          </p:cNvGraphicFramePr>
+          <p:nvPr/>
+        </p:nvGraphicFramePr>
+        <p:xfrm>
+          <a:off x="3276600" y="4038600"/>
+          <a:ext cx="6400800" cy="2362200"/>
+        </p:xfrm>
+        <a:graphic>
+          <a:graphicData uri="http://schemas.openxmlformats.org/drawingml/2006/table">
+            <a:tbl>
+              <a:tblPr/>
+              <a:tblGrid>
+                <a:gridCol w="1599565"/>
+                <a:gridCol w="1600200"/>
+                <a:gridCol w="1600200"/>
+                <a:gridCol w="1600835"/>
+              </a:tblGrid>
+              <a:tr h="393700">
+                <a:tc>
+                  <a:txBody>
+                    <a:bodyPr/>
+                    <a:lstStyle/>
+                    <a:p>
+                      <a:pPr marL="0" marR="0" algn="ctr">
+                        <a:lnSpc>
+                          <a:spcPct val="150000"/>
+                        </a:lnSpc>
+                        <a:spcBef>
+                          <a:spcPts val="0"/>
+                        </a:spcBef>
+                        <a:spcAft>
+                          <a:spcPts val="1000"/>
+                        </a:spcAft>
+                      </a:pPr>
+                      <a:r>
+                        <a:rPr lang="en-IN" sz="1200" b="1" dirty="0">
+                          <a:latin typeface="Times New Roman" panose="02020603050405020304"/>
+                          <a:ea typeface="SimSun" panose="02010600030101010101" pitchFamily="2" charset="-122"/>
+                          <a:cs typeface="Times New Roman" panose="02020603050405020304"/>
+                        </a:rPr>
+                        <a:t>FIELD </a:t>
+                      </a:r>
+                      <a:endParaRPr lang="en-US" sz="1100" dirty="0">
+                        <a:latin typeface="Calibri" panose="020F0502020204030204"/>
+                        <a:ea typeface="Calibri" panose="020F0502020204030204"/>
+                        <a:cs typeface="Times New Roman" panose="02020603050405020304"/>
+                      </a:endParaRPr>
+                    </a:p>
+                  </a:txBody>
+                  <a:tcPr marL="68580" marR="68580" marT="0" marB="0">
+                    <a:lnL w="12700" cap="flat" cmpd="sng" algn="ctr">
+                      <a:solidFill>
+                        <a:srgbClr val="000000"/>
+                      </a:solidFill>
+                      <a:prstDash val="solid"/>
+                      <a:round/>
+                      <a:headEnd type="none" w="med" len="med"/>
+                      <a:tailEnd type="none" w="med" len="med"/>
+                    </a:lnL>
+                    <a:lnR w="12700" cap="flat" cmpd="sng" algn="ctr">
+                      <a:solidFill>
+                        <a:srgbClr val="000000"/>
+                      </a:solidFill>
+                      <a:prstDash val="solid"/>
+                      <a:round/>
+                      <a:headEnd type="none" w="med" len="med"/>
+                      <a:tailEnd type="none" w="med" len="med"/>
+                    </a:lnR>
+                    <a:lnT w="12700" cap="flat" cmpd="sng" algn="ctr">
+                      <a:solidFill>
+                        <a:srgbClr val="000000"/>
+                      </a:solidFill>
+                      <a:prstDash val="solid"/>
+                      <a:round/>
+                      <a:headEnd type="none" w="med" len="med"/>
+                      <a:tailEnd type="none" w="med" len="med"/>
+                    </a:lnT>
+                    <a:lnB w="12700" cap="flat" cmpd="sng" algn="ctr">
+                      <a:solidFill>
+                        <a:srgbClr val="000000"/>
+                      </a:solidFill>
+                      <a:prstDash val="solid"/>
+                      <a:round/>
+                      <a:headEnd type="none" w="med" len="med"/>
+                      <a:tailEnd type="none" w="med" len="med"/>
+                    </a:lnB>
+                  </a:tcPr>
+                </a:tc>
+                <a:tc>
+                  <a:txBody>
+                    <a:bodyPr/>
+                    <a:lstStyle/>
+                    <a:p>
+                      <a:pPr marL="0" marR="0" algn="ctr">
+                        <a:lnSpc>
+                          <a:spcPct val="150000"/>
+                        </a:lnSpc>
+                        <a:spcBef>
+                          <a:spcPts val="0"/>
+                        </a:spcBef>
+                        <a:spcAft>
+                          <a:spcPts val="1000"/>
+                        </a:spcAft>
+                      </a:pPr>
+                      <a:r>
+                        <a:rPr lang="en-IN" sz="1200" b="1">
+                          <a:latin typeface="Times New Roman" panose="02020603050405020304"/>
+                          <a:ea typeface="SimSun" panose="02010600030101010101" pitchFamily="2" charset="-122"/>
+                          <a:cs typeface="Times New Roman" panose="02020603050405020304"/>
+                        </a:rPr>
+                        <a:t>DATA TYPE</a:t>
+                      </a:r>
+                      <a:endParaRPr lang="en-US" sz="1100">
+                        <a:latin typeface="Calibri" panose="020F0502020204030204"/>
+                        <a:ea typeface="Calibri" panose="020F0502020204030204"/>
+                        <a:cs typeface="Times New Roman" panose="02020603050405020304"/>
+                      </a:endParaRPr>
+                    </a:p>
+                  </a:txBody>
+                  <a:tcPr marL="68580" marR="68580" marT="0" marB="0">
+                    <a:lnL w="12700" cap="flat" cmpd="sng" algn="ctr">
+                      <a:solidFill>
+                        <a:srgbClr val="000000"/>
+                      </a:solidFill>
+                      <a:prstDash val="solid"/>
+                      <a:round/>
+                      <a:headEnd type="none" w="med" len="med"/>
+                      <a:tailEnd type="none" w="med" len="med"/>
+                    </a:lnL>
+                    <a:lnR w="12700" cap="flat" cmpd="sng" algn="ctr">
+                      <a:solidFill>
+                        <a:srgbClr val="000000"/>
+                      </a:solidFill>
+                      <a:prstDash val="solid"/>
+                      <a:round/>
+                      <a:headEnd type="none" w="med" len="med"/>
+                      <a:tailEnd type="none" w="med" len="med"/>
+                    </a:lnR>
+                    <a:lnT w="12700" cap="flat" cmpd="sng" algn="ctr">
+                      <a:solidFill>
+                        <a:srgbClr val="000000"/>
+                      </a:solidFill>
+                      <a:prstDash val="solid"/>
+                      <a:round/>
+                      <a:headEnd type="none" w="med" len="med"/>
+                      <a:tailEnd type="none" w="med" len="med"/>
+                    </a:lnT>
+                    <a:lnB w="12700" cap="flat" cmpd="sng" algn="ctr">
+                      <a:solidFill>
+                        <a:srgbClr val="000000"/>
+                      </a:solidFill>
+                      <a:prstDash val="solid"/>
+                      <a:round/>
+                      <a:headEnd type="none" w="med" len="med"/>
+                      <a:tailEnd type="none" w="med" len="med"/>
+                    </a:lnB>
+                  </a:tcPr>
+                </a:tc>
+                <a:tc>
+                  <a:txBody>
+                    <a:bodyPr/>
+                    <a:lstStyle/>
+                    <a:p>
+                      <a:pPr marL="0" marR="0" algn="ctr">
+                        <a:lnSpc>
+                          <a:spcPct val="150000"/>
+                        </a:lnSpc>
+                        <a:spcBef>
+                          <a:spcPts val="0"/>
+                        </a:spcBef>
+                        <a:spcAft>
+                          <a:spcPts val="1000"/>
+                        </a:spcAft>
+                      </a:pPr>
+                      <a:r>
+                        <a:rPr lang="en-IN" sz="1200" b="1">
+                          <a:latin typeface="Times New Roman" panose="02020603050405020304"/>
+                          <a:ea typeface="SimSun" panose="02010600030101010101" pitchFamily="2" charset="-122"/>
+                          <a:cs typeface="Times New Roman" panose="02020603050405020304"/>
+                        </a:rPr>
+                        <a:t>SIZE</a:t>
+                      </a:r>
+                      <a:endParaRPr lang="en-US" sz="1100">
+                        <a:latin typeface="Calibri" panose="020F0502020204030204"/>
+                        <a:ea typeface="Calibri" panose="020F0502020204030204"/>
+                        <a:cs typeface="Times New Roman" panose="02020603050405020304"/>
+                      </a:endParaRPr>
+                    </a:p>
+                  </a:txBody>
+                  <a:tcPr marL="68580" marR="68580" marT="0" marB="0">
+                    <a:lnL w="12700" cap="flat" cmpd="sng" algn="ctr">
+                      <a:solidFill>
+                        <a:srgbClr val="000000"/>
+                      </a:solidFill>
+                      <a:prstDash val="solid"/>
+                      <a:round/>
+                      <a:headEnd type="none" w="med" len="med"/>
+                      <a:tailEnd type="none" w="med" len="med"/>
+                    </a:lnL>
+                    <a:lnR w="12700" cap="flat" cmpd="sng" algn="ctr">
+                      <a:solidFill>
+                        <a:srgbClr val="000000"/>
+                      </a:solidFill>
+                      <a:prstDash val="solid"/>
+                      <a:round/>
+                      <a:headEnd type="none" w="med" len="med"/>
+                      <a:tailEnd type="none" w="med" len="med"/>
+                    </a:lnR>
+                    <a:lnT w="12700" cap="flat" cmpd="sng" algn="ctr">
+                      <a:solidFill>
+                        <a:srgbClr val="000000"/>
+                      </a:solidFill>
+                      <a:prstDash val="solid"/>
+                      <a:round/>
+                      <a:headEnd type="none" w="med" len="med"/>
+                      <a:tailEnd type="none" w="med" len="med"/>
+                    </a:lnT>
+                    <a:lnB w="12700" cap="flat" cmpd="sng" algn="ctr">
+                      <a:solidFill>
+                        <a:srgbClr val="000000"/>
+                      </a:solidFill>
+                      <a:prstDash val="solid"/>
+                      <a:round/>
+                      <a:headEnd type="none" w="med" len="med"/>
+                      <a:tailEnd type="none" w="med" len="med"/>
+                    </a:lnB>
+                  </a:tcPr>
+                </a:tc>
+                <a:tc>
+                  <a:txBody>
+                    <a:bodyPr/>
+                    <a:lstStyle/>
+                    <a:p>
+                      <a:pPr marL="0" marR="0" algn="ctr">
+                        <a:lnSpc>
+                          <a:spcPct val="150000"/>
+                        </a:lnSpc>
+                        <a:spcBef>
+                          <a:spcPts val="0"/>
+                        </a:spcBef>
+                        <a:spcAft>
+                          <a:spcPts val="1000"/>
+                        </a:spcAft>
+                      </a:pPr>
+                      <a:r>
+                        <a:rPr lang="en-IN" sz="1200" b="1">
+                          <a:latin typeface="Times New Roman" panose="02020603050405020304"/>
+                          <a:ea typeface="SimSun" panose="02010600030101010101" pitchFamily="2" charset="-122"/>
+                          <a:cs typeface="Times New Roman" panose="02020603050405020304"/>
+                        </a:rPr>
+                        <a:t>CONSTRAINT</a:t>
+                      </a:r>
+                      <a:endParaRPr lang="en-US" sz="1100">
+                        <a:latin typeface="Calibri" panose="020F0502020204030204"/>
+                        <a:ea typeface="Calibri" panose="020F0502020204030204"/>
+                        <a:cs typeface="Times New Roman" panose="02020603050405020304"/>
+                      </a:endParaRPr>
+                    </a:p>
+                  </a:txBody>
+                  <a:tcPr marL="68580" marR="68580" marT="0" marB="0">
+                    <a:lnL w="12700" cap="flat" cmpd="sng" algn="ctr">
+                      <a:solidFill>
+                        <a:srgbClr val="000000"/>
+                      </a:solidFill>
+                      <a:prstDash val="solid"/>
+                      <a:round/>
+                      <a:headEnd type="none" w="med" len="med"/>
+                      <a:tailEnd type="none" w="med" len="med"/>
+                    </a:lnL>
+                    <a:lnR w="12700" cap="flat" cmpd="sng" algn="ctr">
+                      <a:solidFill>
+                        <a:srgbClr val="000000"/>
+                      </a:solidFill>
+                      <a:prstDash val="solid"/>
+                      <a:round/>
+                      <a:headEnd type="none" w="med" len="med"/>
+                      <a:tailEnd type="none" w="med" len="med"/>
+                    </a:lnR>
+                    <a:lnT w="12700" cap="flat" cmpd="sng" algn="ctr">
+                      <a:solidFill>
+                        <a:srgbClr val="000000"/>
+                      </a:solidFill>
+                      <a:prstDash val="solid"/>
+                      <a:round/>
+                      <a:headEnd type="none" w="med" len="med"/>
+                      <a:tailEnd type="none" w="med" len="med"/>
+                    </a:lnT>
+                    <a:lnB w="12700" cap="flat" cmpd="sng" algn="ctr">
+                      <a:solidFill>
+                        <a:srgbClr val="000000"/>
+                      </a:solidFill>
+                      <a:prstDash val="solid"/>
+                      <a:round/>
+                      <a:headEnd type="none" w="med" len="med"/>
+                      <a:tailEnd type="none" w="med" len="med"/>
+                    </a:lnB>
+                  </a:tcPr>
+                </a:tc>
+              </a:tr>
+              <a:tr h="393700">
+                <a:tc>
+                  <a:txBody>
+                    <a:bodyPr/>
+                    <a:lstStyle/>
+                    <a:p>
+                      <a:pPr marL="0" marR="0" algn="ctr">
+                        <a:lnSpc>
+                          <a:spcPct val="150000"/>
+                        </a:lnSpc>
+                        <a:spcBef>
+                          <a:spcPts val="0"/>
+                        </a:spcBef>
+                        <a:spcAft>
+                          <a:spcPts val="1000"/>
+                        </a:spcAft>
+                      </a:pPr>
+                      <a:r>
+                        <a:rPr lang="en-IN" sz="1200" dirty="0">
+                          <a:latin typeface="Times New Roman" panose="02020603050405020304"/>
+                          <a:ea typeface="SimSun" panose="02010600030101010101" pitchFamily="2" charset="-122"/>
+                          <a:cs typeface="Times New Roman" panose="02020603050405020304"/>
+                        </a:rPr>
+                        <a:t>In/out id</a:t>
+                      </a:r>
+                      <a:endParaRPr lang="en-US" sz="1100" dirty="0">
+                        <a:latin typeface="Calibri" panose="020F0502020204030204"/>
+                        <a:ea typeface="Calibri" panose="020F0502020204030204"/>
+                        <a:cs typeface="Times New Roman" panose="02020603050405020304"/>
+                      </a:endParaRPr>
+                    </a:p>
+                  </a:txBody>
+                  <a:tcPr marL="68580" marR="68580" marT="0" marB="0">
+                    <a:lnL w="12700" cap="flat" cmpd="sng" algn="ctr">
+                      <a:solidFill>
+                        <a:srgbClr val="000000"/>
+                      </a:solidFill>
+                      <a:prstDash val="solid"/>
+                      <a:round/>
+                      <a:headEnd type="none" w="med" len="med"/>
+                      <a:tailEnd type="none" w="med" len="med"/>
+                    </a:lnL>
+                    <a:lnR w="12700" cap="flat" cmpd="sng" algn="ctr">
+                      <a:solidFill>
+                        <a:srgbClr val="000000"/>
+                      </a:solidFill>
+                      <a:prstDash val="solid"/>
+                      <a:round/>
+                      <a:headEnd type="none" w="med" len="med"/>
+                      <a:tailEnd type="none" w="med" len="med"/>
+                    </a:lnR>
+                    <a:lnT w="12700" cap="flat" cmpd="sng" algn="ctr">
+                      <a:solidFill>
+                        <a:srgbClr val="000000"/>
+                      </a:solidFill>
+                      <a:prstDash val="solid"/>
+                      <a:round/>
+                      <a:headEnd type="none" w="med" len="med"/>
+                      <a:tailEnd type="none" w="med" len="med"/>
+                    </a:lnT>
+                    <a:lnB w="12700" cap="flat" cmpd="sng" algn="ctr">
+                      <a:solidFill>
+                        <a:srgbClr val="000000"/>
+                      </a:solidFill>
+                      <a:prstDash val="solid"/>
+                      <a:round/>
+                      <a:headEnd type="none" w="med" len="med"/>
+                      <a:tailEnd type="none" w="med" len="med"/>
+                    </a:lnB>
+                  </a:tcPr>
+                </a:tc>
+                <a:tc>
+                  <a:txBody>
+                    <a:bodyPr/>
+                    <a:lstStyle/>
+                    <a:p>
+                      <a:pPr marL="0" marR="0" algn="ctr">
+                        <a:lnSpc>
+                          <a:spcPct val="150000"/>
+                        </a:lnSpc>
+                        <a:spcBef>
+                          <a:spcPts val="0"/>
+                        </a:spcBef>
+                        <a:spcAft>
+                          <a:spcPts val="1000"/>
+                        </a:spcAft>
+                      </a:pPr>
+                      <a:r>
+                        <a:rPr lang="en-IN" sz="1200" dirty="0" err="1">
+                          <a:latin typeface="Times New Roman" panose="02020603050405020304"/>
+                          <a:ea typeface="SimSun" panose="02010600030101010101" pitchFamily="2" charset="-122"/>
+                          <a:cs typeface="Times New Roman" panose="02020603050405020304"/>
+                        </a:rPr>
+                        <a:t>Int</a:t>
+                      </a:r>
+                      <a:endParaRPr lang="en-US" sz="1100" dirty="0">
+                        <a:latin typeface="Calibri" panose="020F0502020204030204"/>
+                        <a:ea typeface="Calibri" panose="020F0502020204030204"/>
+                        <a:cs typeface="Times New Roman" panose="02020603050405020304"/>
+                      </a:endParaRPr>
+                    </a:p>
+                  </a:txBody>
+                  <a:tcPr marL="68580" marR="68580" marT="0" marB="0">
+                    <a:lnL w="12700" cap="flat" cmpd="sng" algn="ctr">
+                      <a:solidFill>
+                        <a:srgbClr val="000000"/>
+                      </a:solidFill>
+                      <a:prstDash val="solid"/>
+                      <a:round/>
+                      <a:headEnd type="none" w="med" len="med"/>
+                      <a:tailEnd type="none" w="med" len="med"/>
+                    </a:lnL>
+                    <a:lnR w="12700" cap="flat" cmpd="sng" algn="ctr">
+                      <a:solidFill>
+                        <a:srgbClr val="000000"/>
+                      </a:solidFill>
+                      <a:prstDash val="solid"/>
+                      <a:round/>
+                      <a:headEnd type="none" w="med" len="med"/>
+                      <a:tailEnd type="none" w="med" len="med"/>
+                    </a:lnR>
+                    <a:lnT w="12700" cap="flat" cmpd="sng" algn="ctr">
+                      <a:solidFill>
+                        <a:srgbClr val="000000"/>
+                      </a:solidFill>
+                      <a:prstDash val="solid"/>
+                      <a:round/>
+                      <a:headEnd type="none" w="med" len="med"/>
+                      <a:tailEnd type="none" w="med" len="med"/>
+                    </a:lnT>
+                    <a:lnB w="12700" cap="flat" cmpd="sng" algn="ctr">
+                      <a:solidFill>
+                        <a:srgbClr val="000000"/>
+                      </a:solidFill>
+                      <a:prstDash val="solid"/>
+                      <a:round/>
+                      <a:headEnd type="none" w="med" len="med"/>
+                      <a:tailEnd type="none" w="med" len="med"/>
+                    </a:lnB>
+                  </a:tcPr>
+                </a:tc>
+                <a:tc>
+                  <a:txBody>
+                    <a:bodyPr/>
+                    <a:lstStyle/>
+                    <a:p>
+                      <a:pPr marL="0" marR="0" algn="ctr">
+                        <a:lnSpc>
+                          <a:spcPct val="150000"/>
+                        </a:lnSpc>
+                        <a:spcBef>
+                          <a:spcPts val="0"/>
+                        </a:spcBef>
+                        <a:spcAft>
+                          <a:spcPts val="1000"/>
+                        </a:spcAft>
+                      </a:pPr>
+                      <a:r>
+                        <a:rPr lang="en-IN" sz="1200">
+                          <a:latin typeface="Times New Roman" panose="02020603050405020304"/>
+                          <a:ea typeface="SimSun" panose="02010600030101010101" pitchFamily="2" charset="-122"/>
+                          <a:cs typeface="Times New Roman" panose="02020603050405020304"/>
+                        </a:rPr>
+                        <a:t>10</a:t>
+                      </a:r>
+                      <a:endParaRPr lang="en-US" sz="1100">
+                        <a:latin typeface="Calibri" panose="020F0502020204030204"/>
+                        <a:ea typeface="Calibri" panose="020F0502020204030204"/>
+                        <a:cs typeface="Times New Roman" panose="02020603050405020304"/>
+                      </a:endParaRPr>
+                    </a:p>
+                  </a:txBody>
+                  <a:tcPr marL="68580" marR="68580" marT="0" marB="0">
+                    <a:lnL w="12700" cap="flat" cmpd="sng" algn="ctr">
+                      <a:solidFill>
+                        <a:srgbClr val="000000"/>
+                      </a:solidFill>
+                      <a:prstDash val="solid"/>
+                      <a:round/>
+                      <a:headEnd type="none" w="med" len="med"/>
+                      <a:tailEnd type="none" w="med" len="med"/>
+                    </a:lnL>
+                    <a:lnR w="12700" cap="flat" cmpd="sng" algn="ctr">
+                      <a:solidFill>
+                        <a:srgbClr val="000000"/>
+                      </a:solidFill>
+                      <a:prstDash val="solid"/>
+                      <a:round/>
+                      <a:headEnd type="none" w="med" len="med"/>
+                      <a:tailEnd type="none" w="med" len="med"/>
+                    </a:lnR>
+                    <a:lnT w="12700" cap="flat" cmpd="sng" algn="ctr">
+                      <a:solidFill>
+                        <a:srgbClr val="000000"/>
+                      </a:solidFill>
+                      <a:prstDash val="solid"/>
+                      <a:round/>
+                      <a:headEnd type="none" w="med" len="med"/>
+                      <a:tailEnd type="none" w="med" len="med"/>
+                    </a:lnT>
+                    <a:lnB w="12700" cap="flat" cmpd="sng" algn="ctr">
+                      <a:solidFill>
+                        <a:srgbClr val="000000"/>
+                      </a:solidFill>
+                      <a:prstDash val="solid"/>
+                      <a:round/>
+                      <a:headEnd type="none" w="med" len="med"/>
+                      <a:tailEnd type="none" w="med" len="med"/>
+                    </a:lnB>
+                  </a:tcPr>
+                </a:tc>
+                <a:tc>
+                  <a:txBody>
+                    <a:bodyPr/>
+                    <a:lstStyle/>
+                    <a:p>
+                      <a:pPr marL="0" marR="0" algn="ctr">
+                        <a:lnSpc>
+                          <a:spcPct val="150000"/>
+                        </a:lnSpc>
+                        <a:spcBef>
+                          <a:spcPts val="0"/>
+                        </a:spcBef>
+                        <a:spcAft>
+                          <a:spcPts val="1000"/>
+                        </a:spcAft>
+                      </a:pPr>
+                      <a:r>
+                        <a:rPr lang="en-IN" sz="1200">
+                          <a:latin typeface="Times New Roman" panose="02020603050405020304"/>
+                          <a:ea typeface="SimSun" panose="02010600030101010101" pitchFamily="2" charset="-122"/>
+                          <a:cs typeface="Times New Roman" panose="02020603050405020304"/>
+                        </a:rPr>
+                        <a:t>Primary key</a:t>
+                      </a:r>
+                      <a:endParaRPr lang="en-US" sz="1100">
+                        <a:latin typeface="Calibri" panose="020F0502020204030204"/>
+                        <a:ea typeface="Calibri" panose="020F0502020204030204"/>
+                        <a:cs typeface="Times New Roman" panose="02020603050405020304"/>
+                      </a:endParaRPr>
+                    </a:p>
+                  </a:txBody>
+                  <a:tcPr marL="68580" marR="68580" marT="0" marB="0">
+                    <a:lnL w="12700" cap="flat" cmpd="sng" algn="ctr">
+                      <a:solidFill>
+                        <a:srgbClr val="000000"/>
+                      </a:solidFill>
+                      <a:prstDash val="solid"/>
+                      <a:round/>
+                      <a:headEnd type="none" w="med" len="med"/>
+                      <a:tailEnd type="none" w="med" len="med"/>
+                    </a:lnL>
+                    <a:lnR w="12700" cap="flat" cmpd="sng" algn="ctr">
+                      <a:solidFill>
+                        <a:srgbClr val="000000"/>
+                      </a:solidFill>
+                      <a:prstDash val="solid"/>
+                      <a:round/>
+                      <a:headEnd type="none" w="med" len="med"/>
+                      <a:tailEnd type="none" w="med" len="med"/>
+                    </a:lnR>
+                    <a:lnT w="12700" cap="flat" cmpd="sng" algn="ctr">
+                      <a:solidFill>
+                        <a:srgbClr val="000000"/>
+                      </a:solidFill>
+                      <a:prstDash val="solid"/>
+                      <a:round/>
+                      <a:headEnd type="none" w="med" len="med"/>
+                      <a:tailEnd type="none" w="med" len="med"/>
+                    </a:lnT>
+                    <a:lnB w="12700" cap="flat" cmpd="sng" algn="ctr">
+                      <a:solidFill>
+                        <a:srgbClr val="000000"/>
+                      </a:solidFill>
+                      <a:prstDash val="solid"/>
+                      <a:round/>
+                      <a:headEnd type="none" w="med" len="med"/>
+                      <a:tailEnd type="none" w="med" len="med"/>
+                    </a:lnB>
+                  </a:tcPr>
+                </a:tc>
+              </a:tr>
+              <a:tr h="393700">
+                <a:tc>
+                  <a:txBody>
+                    <a:bodyPr/>
+                    <a:lstStyle/>
+                    <a:p>
+                      <a:pPr marL="0" marR="0" algn="ctr">
+                        <a:lnSpc>
+                          <a:spcPct val="150000"/>
+                        </a:lnSpc>
+                        <a:spcBef>
+                          <a:spcPts val="0"/>
+                        </a:spcBef>
+                        <a:spcAft>
+                          <a:spcPts val="1000"/>
+                        </a:spcAft>
+                      </a:pPr>
+                      <a:r>
+                        <a:rPr lang="en-IN" sz="1200" dirty="0">
+                          <a:latin typeface="Times New Roman" panose="02020603050405020304"/>
+                          <a:ea typeface="SimSun" panose="02010600030101010101" pitchFamily="2" charset="-122"/>
+                          <a:cs typeface="Times New Roman" panose="02020603050405020304"/>
+                        </a:rPr>
+                        <a:t>Customer id</a:t>
+                      </a:r>
+                      <a:endParaRPr lang="en-US" sz="1100" dirty="0">
+                        <a:latin typeface="Calibri" panose="020F0502020204030204"/>
+                        <a:ea typeface="Calibri" panose="020F0502020204030204"/>
+                        <a:cs typeface="Times New Roman" panose="02020603050405020304"/>
+                      </a:endParaRPr>
+                    </a:p>
+                  </a:txBody>
+                  <a:tcPr marL="68580" marR="68580" marT="0" marB="0">
+                    <a:lnL w="12700" cap="flat" cmpd="sng" algn="ctr">
+                      <a:solidFill>
+                        <a:srgbClr val="000000"/>
+                      </a:solidFill>
+                      <a:prstDash val="solid"/>
+                      <a:round/>
+                      <a:headEnd type="none" w="med" len="med"/>
+                      <a:tailEnd type="none" w="med" len="med"/>
+                    </a:lnL>
+                    <a:lnR w="12700" cap="flat" cmpd="sng" algn="ctr">
+                      <a:solidFill>
+                        <a:srgbClr val="000000"/>
+                      </a:solidFill>
+                      <a:prstDash val="solid"/>
+                      <a:round/>
+                      <a:headEnd type="none" w="med" len="med"/>
+                      <a:tailEnd type="none" w="med" len="med"/>
+                    </a:lnR>
+                    <a:lnT w="12700" cap="flat" cmpd="sng" algn="ctr">
+                      <a:solidFill>
+                        <a:srgbClr val="000000"/>
+                      </a:solidFill>
+                      <a:prstDash val="solid"/>
+                      <a:round/>
+                      <a:headEnd type="none" w="med" len="med"/>
+                      <a:tailEnd type="none" w="med" len="med"/>
+                    </a:lnT>
+                    <a:lnB w="12700" cap="flat" cmpd="sng" algn="ctr">
+                      <a:solidFill>
+                        <a:srgbClr val="000000"/>
+                      </a:solidFill>
+                      <a:prstDash val="solid"/>
+                      <a:round/>
+                      <a:headEnd type="none" w="med" len="med"/>
+                      <a:tailEnd type="none" w="med" len="med"/>
+                    </a:lnB>
+                  </a:tcPr>
+                </a:tc>
+                <a:tc>
+                  <a:txBody>
+                    <a:bodyPr/>
+                    <a:lstStyle/>
+                    <a:p>
+                      <a:pPr marL="0" marR="0" algn="ctr">
+                        <a:lnSpc>
+                          <a:spcPct val="150000"/>
+                        </a:lnSpc>
+                        <a:spcBef>
+                          <a:spcPts val="0"/>
+                        </a:spcBef>
+                        <a:spcAft>
+                          <a:spcPts val="1000"/>
+                        </a:spcAft>
+                      </a:pPr>
+                      <a:r>
+                        <a:rPr lang="en-IN" sz="1200" dirty="0" err="1">
+                          <a:latin typeface="Times New Roman" panose="02020603050405020304"/>
+                          <a:ea typeface="SimSun" panose="02010600030101010101" pitchFamily="2" charset="-122"/>
+                          <a:cs typeface="Times New Roman" panose="02020603050405020304"/>
+                        </a:rPr>
+                        <a:t>Int</a:t>
+                      </a:r>
+                      <a:endParaRPr lang="en-US" sz="1100" dirty="0">
+                        <a:latin typeface="Calibri" panose="020F0502020204030204"/>
+                        <a:ea typeface="Calibri" panose="020F0502020204030204"/>
+                        <a:cs typeface="Times New Roman" panose="02020603050405020304"/>
+                      </a:endParaRPr>
+                    </a:p>
+                  </a:txBody>
+                  <a:tcPr marL="68580" marR="68580" marT="0" marB="0">
+                    <a:lnL w="12700" cap="flat" cmpd="sng" algn="ctr">
+                      <a:solidFill>
+                        <a:srgbClr val="000000"/>
+                      </a:solidFill>
+                      <a:prstDash val="solid"/>
+                      <a:round/>
+                      <a:headEnd type="none" w="med" len="med"/>
+                      <a:tailEnd type="none" w="med" len="med"/>
+                    </a:lnL>
+                    <a:lnR w="12700" cap="flat" cmpd="sng" algn="ctr">
+                      <a:solidFill>
+                        <a:srgbClr val="000000"/>
+                      </a:solidFill>
+                      <a:prstDash val="solid"/>
+                      <a:round/>
+                      <a:headEnd type="none" w="med" len="med"/>
+                      <a:tailEnd type="none" w="med" len="med"/>
+                    </a:lnR>
+                    <a:lnT w="12700" cap="flat" cmpd="sng" algn="ctr">
+                      <a:solidFill>
+                        <a:srgbClr val="000000"/>
+                      </a:solidFill>
+                      <a:prstDash val="solid"/>
+                      <a:round/>
+                      <a:headEnd type="none" w="med" len="med"/>
+                      <a:tailEnd type="none" w="med" len="med"/>
+                    </a:lnT>
+                    <a:lnB w="12700" cap="flat" cmpd="sng" algn="ctr">
+                      <a:solidFill>
+                        <a:srgbClr val="000000"/>
+                      </a:solidFill>
+                      <a:prstDash val="solid"/>
+                      <a:round/>
+                      <a:headEnd type="none" w="med" len="med"/>
+                      <a:tailEnd type="none" w="med" len="med"/>
+                    </a:lnB>
+                  </a:tcPr>
+                </a:tc>
+                <a:tc>
+                  <a:txBody>
+                    <a:bodyPr/>
+                    <a:lstStyle/>
+                    <a:p>
+                      <a:pPr marL="0" marR="0" algn="ctr">
+                        <a:lnSpc>
+                          <a:spcPct val="150000"/>
+                        </a:lnSpc>
+                        <a:spcBef>
+                          <a:spcPts val="0"/>
+                        </a:spcBef>
+                        <a:spcAft>
+                          <a:spcPts val="1000"/>
+                        </a:spcAft>
+                      </a:pPr>
+                      <a:r>
+                        <a:rPr lang="en-IN" sz="1200" dirty="0">
+                          <a:latin typeface="Times New Roman" panose="02020603050405020304"/>
+                          <a:ea typeface="SimSun" panose="02010600030101010101" pitchFamily="2" charset="-122"/>
+                          <a:cs typeface="Times New Roman" panose="02020603050405020304"/>
+                        </a:rPr>
+                        <a:t>10</a:t>
+                      </a:r>
+                      <a:endParaRPr lang="en-US" sz="1100" dirty="0">
+                        <a:latin typeface="Calibri" panose="020F0502020204030204"/>
+                        <a:ea typeface="Calibri" panose="020F0502020204030204"/>
+                        <a:cs typeface="Times New Roman" panose="02020603050405020304"/>
+                      </a:endParaRPr>
+                    </a:p>
+                  </a:txBody>
+                  <a:tcPr marL="68580" marR="68580" marT="0" marB="0">
+                    <a:lnL w="12700" cap="flat" cmpd="sng" algn="ctr">
+                      <a:solidFill>
+                        <a:srgbClr val="000000"/>
+                      </a:solidFill>
+                      <a:prstDash val="solid"/>
+                      <a:round/>
+                      <a:headEnd type="none" w="med" len="med"/>
+                      <a:tailEnd type="none" w="med" len="med"/>
+                    </a:lnL>
+                    <a:lnR w="12700" cap="flat" cmpd="sng" algn="ctr">
+                      <a:solidFill>
+                        <a:srgbClr val="000000"/>
+                      </a:solidFill>
+                      <a:prstDash val="solid"/>
+                      <a:round/>
+                      <a:headEnd type="none" w="med" len="med"/>
+                      <a:tailEnd type="none" w="med" len="med"/>
+                    </a:lnR>
+                    <a:lnT w="12700" cap="flat" cmpd="sng" algn="ctr">
+                      <a:solidFill>
+                        <a:srgbClr val="000000"/>
+                      </a:solidFill>
+                      <a:prstDash val="solid"/>
+                      <a:round/>
+                      <a:headEnd type="none" w="med" len="med"/>
+                      <a:tailEnd type="none" w="med" len="med"/>
+                    </a:lnT>
+                    <a:lnB w="12700" cap="flat" cmpd="sng" algn="ctr">
+                      <a:solidFill>
+                        <a:srgbClr val="000000"/>
+                      </a:solidFill>
+                      <a:prstDash val="solid"/>
+                      <a:round/>
+                      <a:headEnd type="none" w="med" len="med"/>
+                      <a:tailEnd type="none" w="med" len="med"/>
+                    </a:lnB>
+                  </a:tcPr>
+                </a:tc>
+                <a:tc>
+                  <a:txBody>
+                    <a:bodyPr/>
+                    <a:lstStyle/>
+                    <a:p>
+                      <a:pPr marL="0" marR="0" algn="ctr">
+                        <a:lnSpc>
+                          <a:spcPct val="150000"/>
+                        </a:lnSpc>
+                        <a:spcBef>
+                          <a:spcPts val="0"/>
+                        </a:spcBef>
+                        <a:spcAft>
+                          <a:spcPts val="1000"/>
+                        </a:spcAft>
+                      </a:pPr>
+                      <a:r>
+                        <a:rPr lang="en-IN" sz="1200" dirty="0">
+                          <a:latin typeface="Times New Roman" panose="02020603050405020304"/>
+                          <a:ea typeface="SimSun" panose="02010600030101010101" pitchFamily="2" charset="-122"/>
+                          <a:cs typeface="Times New Roman" panose="02020603050405020304"/>
+                        </a:rPr>
+                        <a:t>Foreign key</a:t>
+                      </a:r>
+                      <a:endParaRPr lang="en-US" sz="1100" dirty="0">
+                        <a:latin typeface="Calibri" panose="020F0502020204030204"/>
+                        <a:ea typeface="Calibri" panose="020F0502020204030204"/>
+                        <a:cs typeface="Times New Roman" panose="02020603050405020304"/>
+                      </a:endParaRPr>
+                    </a:p>
+                  </a:txBody>
+                  <a:tcPr marL="68580" marR="68580" marT="0" marB="0">
+                    <a:lnL w="12700" cap="flat" cmpd="sng" algn="ctr">
+                      <a:solidFill>
+                        <a:srgbClr val="000000"/>
+                      </a:solidFill>
+                      <a:prstDash val="solid"/>
+                      <a:round/>
+                      <a:headEnd type="none" w="med" len="med"/>
+                      <a:tailEnd type="none" w="med" len="med"/>
+                    </a:lnL>
+                    <a:lnR w="12700" cap="flat" cmpd="sng" algn="ctr">
+                      <a:solidFill>
+                        <a:srgbClr val="000000"/>
+                      </a:solidFill>
+                      <a:prstDash val="solid"/>
+                      <a:round/>
+                      <a:headEnd type="none" w="med" len="med"/>
+                      <a:tailEnd type="none" w="med" len="med"/>
+                    </a:lnR>
+                    <a:lnT w="12700" cap="flat" cmpd="sng" algn="ctr">
+                      <a:solidFill>
+                        <a:srgbClr val="000000"/>
+                      </a:solidFill>
+                      <a:prstDash val="solid"/>
+                      <a:round/>
+                      <a:headEnd type="none" w="med" len="med"/>
+                      <a:tailEnd type="none" w="med" len="med"/>
+                    </a:lnT>
+                    <a:lnB w="12700" cap="flat" cmpd="sng" algn="ctr">
+                      <a:solidFill>
+                        <a:srgbClr val="000000"/>
+                      </a:solidFill>
+                      <a:prstDash val="solid"/>
+                      <a:round/>
+                      <a:headEnd type="none" w="med" len="med"/>
+                      <a:tailEnd type="none" w="med" len="med"/>
+                    </a:lnB>
+                  </a:tcPr>
+                </a:tc>
+              </a:tr>
+              <a:tr h="393700">
+                <a:tc>
+                  <a:txBody>
+                    <a:bodyPr/>
+                    <a:lstStyle/>
+                    <a:p>
+                      <a:pPr marL="0" marR="0" algn="ctr">
+                        <a:lnSpc>
+                          <a:spcPct val="150000"/>
+                        </a:lnSpc>
+                        <a:spcBef>
+                          <a:spcPts val="0"/>
+                        </a:spcBef>
+                        <a:spcAft>
+                          <a:spcPts val="1000"/>
+                        </a:spcAft>
+                      </a:pPr>
+                      <a:r>
+                        <a:rPr lang="en-IN" sz="1200" dirty="0">
+                          <a:latin typeface="Times New Roman" panose="02020603050405020304"/>
+                          <a:ea typeface="SimSun" panose="02010600030101010101" pitchFamily="2" charset="-122"/>
+                          <a:cs typeface="Times New Roman" panose="02020603050405020304"/>
+                        </a:rPr>
+                        <a:t>Slot id</a:t>
+                      </a:r>
+                      <a:endParaRPr lang="en-US" sz="1100" dirty="0">
+                        <a:latin typeface="Calibri" panose="020F0502020204030204"/>
+                        <a:ea typeface="Calibri" panose="020F0502020204030204"/>
+                        <a:cs typeface="Times New Roman" panose="02020603050405020304"/>
+                      </a:endParaRPr>
+                    </a:p>
+                  </a:txBody>
+                  <a:tcPr marL="68580" marR="68580" marT="0" marB="0">
+                    <a:lnL w="12700" cap="flat" cmpd="sng" algn="ctr">
+                      <a:solidFill>
+                        <a:srgbClr val="000000"/>
+                      </a:solidFill>
+                      <a:prstDash val="solid"/>
+                      <a:round/>
+                      <a:headEnd type="none" w="med" len="med"/>
+                      <a:tailEnd type="none" w="med" len="med"/>
+                    </a:lnL>
+                    <a:lnR w="12700" cap="flat" cmpd="sng" algn="ctr">
+                      <a:solidFill>
+                        <a:srgbClr val="000000"/>
+                      </a:solidFill>
+                      <a:prstDash val="solid"/>
+                      <a:round/>
+                      <a:headEnd type="none" w="med" len="med"/>
+                      <a:tailEnd type="none" w="med" len="med"/>
+                    </a:lnR>
+                    <a:lnT w="12700" cap="flat" cmpd="sng" algn="ctr">
+                      <a:solidFill>
+                        <a:srgbClr val="000000"/>
+                      </a:solidFill>
+                      <a:prstDash val="solid"/>
+                      <a:round/>
+                      <a:headEnd type="none" w="med" len="med"/>
+                      <a:tailEnd type="none" w="med" len="med"/>
+                    </a:lnT>
+                    <a:lnB w="12700" cap="flat" cmpd="sng" algn="ctr">
+                      <a:solidFill>
+                        <a:srgbClr val="000000"/>
+                      </a:solidFill>
+                      <a:prstDash val="solid"/>
+                      <a:round/>
+                      <a:headEnd type="none" w="med" len="med"/>
+                      <a:tailEnd type="none" w="med" len="med"/>
+                    </a:lnB>
+                  </a:tcPr>
+                </a:tc>
+                <a:tc>
+                  <a:txBody>
+                    <a:bodyPr/>
+                    <a:lstStyle/>
+                    <a:p>
+                      <a:pPr marL="0" marR="0" algn="ctr">
+                        <a:lnSpc>
+                          <a:spcPct val="150000"/>
+                        </a:lnSpc>
+                        <a:spcBef>
+                          <a:spcPts val="0"/>
+                        </a:spcBef>
+                        <a:spcAft>
+                          <a:spcPts val="1000"/>
+                        </a:spcAft>
+                      </a:pPr>
+                      <a:r>
+                        <a:rPr lang="en-IN" sz="1200">
+                          <a:latin typeface="Times New Roman" panose="02020603050405020304"/>
+                          <a:ea typeface="SimSun" panose="02010600030101010101" pitchFamily="2" charset="-122"/>
+                          <a:cs typeface="Times New Roman" panose="02020603050405020304"/>
+                        </a:rPr>
+                        <a:t>Int</a:t>
+                      </a:r>
+                      <a:endParaRPr lang="en-US" sz="1100">
+                        <a:latin typeface="Calibri" panose="020F0502020204030204"/>
+                        <a:ea typeface="Calibri" panose="020F0502020204030204"/>
+                        <a:cs typeface="Times New Roman" panose="02020603050405020304"/>
+                      </a:endParaRPr>
+                    </a:p>
+                  </a:txBody>
+                  <a:tcPr marL="68580" marR="68580" marT="0" marB="0">
+                    <a:lnL w="12700" cap="flat" cmpd="sng" algn="ctr">
+                      <a:solidFill>
+                        <a:srgbClr val="000000"/>
+                      </a:solidFill>
+                      <a:prstDash val="solid"/>
+                      <a:round/>
+                      <a:headEnd type="none" w="med" len="med"/>
+                      <a:tailEnd type="none" w="med" len="med"/>
+                    </a:lnL>
+                    <a:lnR w="12700" cap="flat" cmpd="sng" algn="ctr">
+                      <a:solidFill>
+                        <a:srgbClr val="000000"/>
+                      </a:solidFill>
+                      <a:prstDash val="solid"/>
+                      <a:round/>
+                      <a:headEnd type="none" w="med" len="med"/>
+                      <a:tailEnd type="none" w="med" len="med"/>
+                    </a:lnR>
+                    <a:lnT w="12700" cap="flat" cmpd="sng" algn="ctr">
+                      <a:solidFill>
+                        <a:srgbClr val="000000"/>
+                      </a:solidFill>
+                      <a:prstDash val="solid"/>
+                      <a:round/>
+                      <a:headEnd type="none" w="med" len="med"/>
+                      <a:tailEnd type="none" w="med" len="med"/>
+                    </a:lnT>
+                    <a:lnB w="12700" cap="flat" cmpd="sng" algn="ctr">
+                      <a:solidFill>
+                        <a:srgbClr val="000000"/>
+                      </a:solidFill>
+                      <a:prstDash val="solid"/>
+                      <a:round/>
+                      <a:headEnd type="none" w="med" len="med"/>
+                      <a:tailEnd type="none" w="med" len="med"/>
+                    </a:lnB>
+                  </a:tcPr>
+                </a:tc>
+                <a:tc>
+                  <a:txBody>
+                    <a:bodyPr/>
+                    <a:lstStyle/>
+                    <a:p>
+                      <a:pPr marL="0" marR="0" algn="ctr">
+                        <a:lnSpc>
+                          <a:spcPct val="150000"/>
+                        </a:lnSpc>
+                        <a:spcBef>
+                          <a:spcPts val="0"/>
+                        </a:spcBef>
+                        <a:spcAft>
+                          <a:spcPts val="1000"/>
+                        </a:spcAft>
+                      </a:pPr>
+                      <a:r>
+                        <a:rPr lang="en-IN" sz="1200" dirty="0">
+                          <a:latin typeface="Times New Roman" panose="02020603050405020304"/>
+                          <a:ea typeface="SimSun" panose="02010600030101010101" pitchFamily="2" charset="-122"/>
+                          <a:cs typeface="Times New Roman" panose="02020603050405020304"/>
+                        </a:rPr>
+                        <a:t>10</a:t>
+                      </a:r>
+                      <a:endParaRPr lang="en-US" sz="1100" dirty="0">
+                        <a:latin typeface="Calibri" panose="020F0502020204030204"/>
+                        <a:ea typeface="Calibri" panose="020F0502020204030204"/>
+                        <a:cs typeface="Times New Roman" panose="02020603050405020304"/>
+                      </a:endParaRPr>
+                    </a:p>
+                  </a:txBody>
+                  <a:tcPr marL="68580" marR="68580" marT="0" marB="0">
+                    <a:lnL w="12700" cap="flat" cmpd="sng" algn="ctr">
+                      <a:solidFill>
+                        <a:srgbClr val="000000"/>
+                      </a:solidFill>
+                      <a:prstDash val="solid"/>
+                      <a:round/>
+                      <a:headEnd type="none" w="med" len="med"/>
+                      <a:tailEnd type="none" w="med" len="med"/>
+                    </a:lnL>
+                    <a:lnR w="12700" cap="flat" cmpd="sng" algn="ctr">
+                      <a:solidFill>
+                        <a:srgbClr val="000000"/>
+                      </a:solidFill>
+                      <a:prstDash val="solid"/>
+                      <a:round/>
+                      <a:headEnd type="none" w="med" len="med"/>
+                      <a:tailEnd type="none" w="med" len="med"/>
+                    </a:lnR>
+                    <a:lnT w="12700" cap="flat" cmpd="sng" algn="ctr">
+                      <a:solidFill>
+                        <a:srgbClr val="000000"/>
+                      </a:solidFill>
+                      <a:prstDash val="solid"/>
+                      <a:round/>
+                      <a:headEnd type="none" w="med" len="med"/>
+                      <a:tailEnd type="none" w="med" len="med"/>
+                    </a:lnT>
+                    <a:lnB w="12700" cap="flat" cmpd="sng" algn="ctr">
+                      <a:solidFill>
+                        <a:srgbClr val="000000"/>
+                      </a:solidFill>
+                      <a:prstDash val="solid"/>
+                      <a:round/>
+                      <a:headEnd type="none" w="med" len="med"/>
+                      <a:tailEnd type="none" w="med" len="med"/>
+                    </a:lnB>
+                  </a:tcPr>
+                </a:tc>
+                <a:tc>
+                  <a:txBody>
+                    <a:bodyPr/>
+                    <a:lstStyle/>
+                    <a:p>
+                      <a:pPr marL="0" marR="0" algn="ctr">
+                        <a:lnSpc>
+                          <a:spcPct val="150000"/>
+                        </a:lnSpc>
+                        <a:spcBef>
+                          <a:spcPts val="0"/>
+                        </a:spcBef>
+                        <a:spcAft>
+                          <a:spcPts val="1000"/>
+                        </a:spcAft>
+                      </a:pPr>
+                      <a:r>
+                        <a:rPr lang="en-IN" sz="1200" dirty="0">
+                          <a:latin typeface="Times New Roman" panose="02020603050405020304"/>
+                          <a:ea typeface="SimSun" panose="02010600030101010101" pitchFamily="2" charset="-122"/>
+                          <a:cs typeface="Times New Roman" panose="02020603050405020304"/>
+                        </a:rPr>
+                        <a:t>Foreign key</a:t>
+                      </a:r>
+                      <a:endParaRPr lang="en-US" sz="1100" dirty="0">
+                        <a:latin typeface="Calibri" panose="020F0502020204030204"/>
+                        <a:ea typeface="Calibri" panose="020F0502020204030204"/>
+                        <a:cs typeface="Times New Roman" panose="02020603050405020304"/>
+                      </a:endParaRPr>
+                    </a:p>
+                  </a:txBody>
+                  <a:tcPr marL="68580" marR="68580" marT="0" marB="0">
+                    <a:lnL w="12700" cap="flat" cmpd="sng" algn="ctr">
+                      <a:solidFill>
+                        <a:srgbClr val="000000"/>
+                      </a:solidFill>
+                      <a:prstDash val="solid"/>
+                      <a:round/>
+                      <a:headEnd type="none" w="med" len="med"/>
+                      <a:tailEnd type="none" w="med" len="med"/>
+                    </a:lnL>
+                    <a:lnR w="12700" cap="flat" cmpd="sng" algn="ctr">
+                      <a:solidFill>
+                        <a:srgbClr val="000000"/>
+                      </a:solidFill>
+                      <a:prstDash val="solid"/>
+                      <a:round/>
+                      <a:headEnd type="none" w="med" len="med"/>
+                      <a:tailEnd type="none" w="med" len="med"/>
+                    </a:lnR>
+                    <a:lnT w="12700" cap="flat" cmpd="sng" algn="ctr">
+                      <a:solidFill>
+                        <a:srgbClr val="000000"/>
+                      </a:solidFill>
+                      <a:prstDash val="solid"/>
+                      <a:round/>
+                      <a:headEnd type="none" w="med" len="med"/>
+                      <a:tailEnd type="none" w="med" len="med"/>
+                    </a:lnT>
+                    <a:lnB w="12700" cap="flat" cmpd="sng" algn="ctr">
+                      <a:solidFill>
+                        <a:srgbClr val="000000"/>
+                      </a:solidFill>
+                      <a:prstDash val="solid"/>
+                      <a:round/>
+                      <a:headEnd type="none" w="med" len="med"/>
+                      <a:tailEnd type="none" w="med" len="med"/>
+                    </a:lnB>
+                  </a:tcPr>
+                </a:tc>
+              </a:tr>
+              <a:tr h="393700">
+                <a:tc>
+                  <a:txBody>
+                    <a:bodyPr/>
+                    <a:lstStyle/>
+                    <a:p>
+                      <a:pPr marL="0" marR="0" algn="ctr">
+                        <a:lnSpc>
+                          <a:spcPct val="150000"/>
+                        </a:lnSpc>
+                        <a:spcBef>
+                          <a:spcPts val="0"/>
+                        </a:spcBef>
+                        <a:spcAft>
+                          <a:spcPts val="1000"/>
+                        </a:spcAft>
+                      </a:pPr>
+                      <a:r>
+                        <a:rPr lang="en-IN" sz="1200" dirty="0">
+                          <a:latin typeface="Times New Roman" panose="02020603050405020304"/>
+                          <a:ea typeface="SimSun" panose="02010600030101010101" pitchFamily="2" charset="-122"/>
+                          <a:cs typeface="Times New Roman" panose="02020603050405020304"/>
+                        </a:rPr>
+                        <a:t>In time</a:t>
+                      </a:r>
+                      <a:endParaRPr lang="en-US" sz="1100" dirty="0">
+                        <a:latin typeface="Calibri" panose="020F0502020204030204"/>
+                        <a:ea typeface="Calibri" panose="020F0502020204030204"/>
+                        <a:cs typeface="Times New Roman" panose="02020603050405020304"/>
+                      </a:endParaRPr>
+                    </a:p>
+                  </a:txBody>
+                  <a:tcPr marL="68580" marR="68580" marT="0" marB="0">
+                    <a:lnL w="12700" cap="flat" cmpd="sng" algn="ctr">
+                      <a:solidFill>
+                        <a:srgbClr val="000000"/>
+                      </a:solidFill>
+                      <a:prstDash val="solid"/>
+                      <a:round/>
+                      <a:headEnd type="none" w="med" len="med"/>
+                      <a:tailEnd type="none" w="med" len="med"/>
+                    </a:lnL>
+                    <a:lnR w="12700" cap="flat" cmpd="sng" algn="ctr">
+                      <a:solidFill>
+                        <a:srgbClr val="000000"/>
+                      </a:solidFill>
+                      <a:prstDash val="solid"/>
+                      <a:round/>
+                      <a:headEnd type="none" w="med" len="med"/>
+                      <a:tailEnd type="none" w="med" len="med"/>
+                    </a:lnR>
+                    <a:lnT w="12700" cap="flat" cmpd="sng" algn="ctr">
+                      <a:solidFill>
+                        <a:srgbClr val="000000"/>
+                      </a:solidFill>
+                      <a:prstDash val="solid"/>
+                      <a:round/>
+                      <a:headEnd type="none" w="med" len="med"/>
+                      <a:tailEnd type="none" w="med" len="med"/>
+                    </a:lnT>
+                    <a:lnB w="12700" cap="flat" cmpd="sng" algn="ctr">
+                      <a:solidFill>
+                        <a:srgbClr val="000000"/>
+                      </a:solidFill>
+                      <a:prstDash val="solid"/>
+                      <a:round/>
+                      <a:headEnd type="none" w="med" len="med"/>
+                      <a:tailEnd type="none" w="med" len="med"/>
+                    </a:lnB>
+                  </a:tcPr>
+                </a:tc>
+                <a:tc>
+                  <a:txBody>
+                    <a:bodyPr/>
+                    <a:lstStyle/>
+                    <a:p>
+                      <a:pPr marL="0" marR="0" algn="ctr">
+                        <a:lnSpc>
+                          <a:spcPct val="150000"/>
+                        </a:lnSpc>
+                        <a:spcBef>
+                          <a:spcPts val="0"/>
+                        </a:spcBef>
+                        <a:spcAft>
+                          <a:spcPts val="1000"/>
+                        </a:spcAft>
+                      </a:pPr>
+                      <a:r>
+                        <a:rPr lang="en-IN" sz="1200">
+                          <a:latin typeface="Times New Roman" panose="02020603050405020304"/>
+                          <a:ea typeface="SimSun" panose="02010600030101010101" pitchFamily="2" charset="-122"/>
+                          <a:cs typeface="Times New Roman" panose="02020603050405020304"/>
+                        </a:rPr>
+                        <a:t>Date</a:t>
+                      </a:r>
+                      <a:endParaRPr lang="en-US" sz="1100">
+                        <a:latin typeface="Calibri" panose="020F0502020204030204"/>
+                        <a:ea typeface="Calibri" panose="020F0502020204030204"/>
+                        <a:cs typeface="Times New Roman" panose="02020603050405020304"/>
+                      </a:endParaRPr>
+                    </a:p>
+                  </a:txBody>
+                  <a:tcPr marL="68580" marR="68580" marT="0" marB="0">
+                    <a:lnL w="12700" cap="flat" cmpd="sng" algn="ctr">
+                      <a:solidFill>
+                        <a:srgbClr val="000000"/>
+                      </a:solidFill>
+                      <a:prstDash val="solid"/>
+                      <a:round/>
+                      <a:headEnd type="none" w="med" len="med"/>
+                      <a:tailEnd type="none" w="med" len="med"/>
+                    </a:lnL>
+                    <a:lnR w="12700" cap="flat" cmpd="sng" algn="ctr">
+                      <a:solidFill>
+                        <a:srgbClr val="000000"/>
+                      </a:solidFill>
+                      <a:prstDash val="solid"/>
+                      <a:round/>
+                      <a:headEnd type="none" w="med" len="med"/>
+                      <a:tailEnd type="none" w="med" len="med"/>
+                    </a:lnR>
+                    <a:lnT w="12700" cap="flat" cmpd="sng" algn="ctr">
+                      <a:solidFill>
+                        <a:srgbClr val="000000"/>
+                      </a:solidFill>
+                      <a:prstDash val="solid"/>
+                      <a:round/>
+                      <a:headEnd type="none" w="med" len="med"/>
+                      <a:tailEnd type="none" w="med" len="med"/>
+                    </a:lnT>
+                    <a:lnB w="12700" cap="flat" cmpd="sng" algn="ctr">
+                      <a:solidFill>
+                        <a:srgbClr val="000000"/>
+                      </a:solidFill>
+                      <a:prstDash val="solid"/>
+                      <a:round/>
+                      <a:headEnd type="none" w="med" len="med"/>
+                      <a:tailEnd type="none" w="med" len="med"/>
+                    </a:lnB>
+                  </a:tcPr>
+                </a:tc>
+                <a:tc>
+                  <a:txBody>
+                    <a:bodyPr/>
+                    <a:lstStyle/>
+                    <a:p>
+                      <a:pPr marL="0" marR="0" algn="ctr">
+                        <a:lnSpc>
+                          <a:spcPct val="150000"/>
+                        </a:lnSpc>
+                        <a:spcBef>
+                          <a:spcPts val="0"/>
+                        </a:spcBef>
+                        <a:spcAft>
+                          <a:spcPts val="1000"/>
+                        </a:spcAft>
+                      </a:pPr>
+                      <a:r>
+                        <a:rPr lang="en-IN" sz="1200">
+                          <a:latin typeface="Times New Roman" panose="02020603050405020304"/>
+                          <a:ea typeface="SimSun" panose="02010600030101010101" pitchFamily="2" charset="-122"/>
+                          <a:cs typeface="Times New Roman" panose="02020603050405020304"/>
+                        </a:rPr>
+                        <a:t>10</a:t>
+                      </a:r>
+                      <a:endParaRPr lang="en-US" sz="1100">
+                        <a:latin typeface="Calibri" panose="020F0502020204030204"/>
+                        <a:ea typeface="Calibri" panose="020F0502020204030204"/>
+                        <a:cs typeface="Times New Roman" panose="02020603050405020304"/>
+                      </a:endParaRPr>
+                    </a:p>
+                  </a:txBody>
+                  <a:tcPr marL="68580" marR="68580" marT="0" marB="0">
+                    <a:lnL w="12700" cap="flat" cmpd="sng" algn="ctr">
+                      <a:solidFill>
+                        <a:srgbClr val="000000"/>
+                      </a:solidFill>
+                      <a:prstDash val="solid"/>
+                      <a:round/>
+                      <a:headEnd type="none" w="med" len="med"/>
+                      <a:tailEnd type="none" w="med" len="med"/>
+                    </a:lnL>
+                    <a:lnR w="12700" cap="flat" cmpd="sng" algn="ctr">
+                      <a:solidFill>
+                        <a:srgbClr val="000000"/>
+                      </a:solidFill>
+                      <a:prstDash val="solid"/>
+                      <a:round/>
+                      <a:headEnd type="none" w="med" len="med"/>
+                      <a:tailEnd type="none" w="med" len="med"/>
+                    </a:lnR>
+                    <a:lnT w="12700" cap="flat" cmpd="sng" algn="ctr">
+                      <a:solidFill>
+                        <a:srgbClr val="000000"/>
+                      </a:solidFill>
+                      <a:prstDash val="solid"/>
+                      <a:round/>
+                      <a:headEnd type="none" w="med" len="med"/>
+                      <a:tailEnd type="none" w="med" len="med"/>
+                    </a:lnT>
+                    <a:lnB w="12700" cap="flat" cmpd="sng" algn="ctr">
+                      <a:solidFill>
+                        <a:srgbClr val="000000"/>
+                      </a:solidFill>
+                      <a:prstDash val="solid"/>
+                      <a:round/>
+                      <a:headEnd type="none" w="med" len="med"/>
+                      <a:tailEnd type="none" w="med" len="med"/>
+                    </a:lnB>
+                  </a:tcPr>
+                </a:tc>
+                <a:tc>
+                  <a:txBody>
+                    <a:bodyPr/>
+                    <a:lstStyle/>
+                    <a:p>
+                      <a:pPr marL="0" marR="0" algn="ctr">
+                        <a:lnSpc>
+                          <a:spcPct val="150000"/>
+                        </a:lnSpc>
+                        <a:spcBef>
+                          <a:spcPts val="0"/>
+                        </a:spcBef>
+                        <a:spcAft>
+                          <a:spcPts val="1000"/>
+                        </a:spcAft>
+                      </a:pPr>
+                      <a:r>
+                        <a:rPr lang="en-IN" sz="1200" dirty="0">
+                          <a:latin typeface="Times New Roman" panose="02020603050405020304"/>
+                          <a:ea typeface="SimSun" panose="02010600030101010101" pitchFamily="2" charset="-122"/>
+                          <a:cs typeface="Times New Roman" panose="02020603050405020304"/>
+                        </a:rPr>
+                        <a:t>Not null</a:t>
+                      </a:r>
+                      <a:endParaRPr lang="en-US" sz="1100" dirty="0">
+                        <a:latin typeface="Calibri" panose="020F0502020204030204"/>
+                        <a:ea typeface="Calibri" panose="020F0502020204030204"/>
+                        <a:cs typeface="Times New Roman" panose="02020603050405020304"/>
+                      </a:endParaRPr>
+                    </a:p>
+                  </a:txBody>
+                  <a:tcPr marL="68580" marR="68580" marT="0" marB="0">
+                    <a:lnL w="12700" cap="flat" cmpd="sng" algn="ctr">
+                      <a:solidFill>
+                        <a:srgbClr val="000000"/>
+                      </a:solidFill>
+                      <a:prstDash val="solid"/>
+                      <a:round/>
+                      <a:headEnd type="none" w="med" len="med"/>
+                      <a:tailEnd type="none" w="med" len="med"/>
+                    </a:lnL>
+                    <a:lnR w="12700" cap="flat" cmpd="sng" algn="ctr">
+                      <a:solidFill>
+                        <a:srgbClr val="000000"/>
+                      </a:solidFill>
+                      <a:prstDash val="solid"/>
+                      <a:round/>
+                      <a:headEnd type="none" w="med" len="med"/>
+                      <a:tailEnd type="none" w="med" len="med"/>
+                    </a:lnR>
+                    <a:lnT w="12700" cap="flat" cmpd="sng" algn="ctr">
+                      <a:solidFill>
+                        <a:srgbClr val="000000"/>
+                      </a:solidFill>
+                      <a:prstDash val="solid"/>
+                      <a:round/>
+                      <a:headEnd type="none" w="med" len="med"/>
+                      <a:tailEnd type="none" w="med" len="med"/>
+                    </a:lnT>
+                    <a:lnB w="12700" cap="flat" cmpd="sng" algn="ctr">
+                      <a:solidFill>
+                        <a:srgbClr val="000000"/>
+                      </a:solidFill>
+                      <a:prstDash val="solid"/>
+                      <a:round/>
+                      <a:headEnd type="none" w="med" len="med"/>
+                      <a:tailEnd type="none" w="med" len="med"/>
+                    </a:lnB>
+                  </a:tcPr>
+                </a:tc>
+              </a:tr>
+              <a:tr h="393700">
+                <a:tc>
+                  <a:txBody>
+                    <a:bodyPr/>
+                    <a:lstStyle/>
+                    <a:p>
+                      <a:pPr marL="0" marR="0" algn="ctr">
+                        <a:lnSpc>
+                          <a:spcPct val="150000"/>
+                        </a:lnSpc>
+                        <a:spcBef>
+                          <a:spcPts val="0"/>
+                        </a:spcBef>
+                        <a:spcAft>
+                          <a:spcPts val="1000"/>
+                        </a:spcAft>
+                      </a:pPr>
+                      <a:r>
+                        <a:rPr lang="en-IN" sz="1200" dirty="0">
+                          <a:latin typeface="Times New Roman" panose="02020603050405020304"/>
+                          <a:ea typeface="SimSun" panose="02010600030101010101" pitchFamily="2" charset="-122"/>
+                          <a:cs typeface="Times New Roman" panose="02020603050405020304"/>
+                        </a:rPr>
+                        <a:t>Out time</a:t>
+                      </a:r>
+                      <a:endParaRPr lang="en-US" sz="1100" dirty="0">
+                        <a:latin typeface="Calibri" panose="020F0502020204030204"/>
+                        <a:ea typeface="Calibri" panose="020F0502020204030204"/>
+                        <a:cs typeface="Times New Roman" panose="02020603050405020304"/>
+                      </a:endParaRPr>
+                    </a:p>
+                  </a:txBody>
+                  <a:tcPr marL="68580" marR="68580" marT="0" marB="0">
+                    <a:lnL w="12700" cap="flat" cmpd="sng" algn="ctr">
+                      <a:solidFill>
+                        <a:srgbClr val="000000"/>
+                      </a:solidFill>
+                      <a:prstDash val="solid"/>
+                      <a:round/>
+                      <a:headEnd type="none" w="med" len="med"/>
+                      <a:tailEnd type="none" w="med" len="med"/>
+                    </a:lnL>
+                    <a:lnR w="12700" cap="flat" cmpd="sng" algn="ctr">
+                      <a:solidFill>
+                        <a:srgbClr val="000000"/>
+                      </a:solidFill>
+                      <a:prstDash val="solid"/>
+                      <a:round/>
+                      <a:headEnd type="none" w="med" len="med"/>
+                      <a:tailEnd type="none" w="med" len="med"/>
+                    </a:lnR>
+                    <a:lnT w="12700" cap="flat" cmpd="sng" algn="ctr">
+                      <a:solidFill>
+                        <a:srgbClr val="000000"/>
+                      </a:solidFill>
+                      <a:prstDash val="solid"/>
+                      <a:round/>
+                      <a:headEnd type="none" w="med" len="med"/>
+                      <a:tailEnd type="none" w="med" len="med"/>
+                    </a:lnT>
+                    <a:lnB w="12700" cap="flat" cmpd="sng" algn="ctr">
+                      <a:solidFill>
+                        <a:srgbClr val="000000"/>
+                      </a:solidFill>
+                      <a:prstDash val="solid"/>
+                      <a:round/>
+                      <a:headEnd type="none" w="med" len="med"/>
+                      <a:tailEnd type="none" w="med" len="med"/>
+                    </a:lnB>
+                  </a:tcPr>
+                </a:tc>
+                <a:tc>
+                  <a:txBody>
+                    <a:bodyPr/>
+                    <a:lstStyle/>
+                    <a:p>
+                      <a:pPr marL="0" marR="0" algn="ctr">
+                        <a:lnSpc>
+                          <a:spcPct val="150000"/>
+                        </a:lnSpc>
+                        <a:spcBef>
+                          <a:spcPts val="0"/>
+                        </a:spcBef>
+                        <a:spcAft>
+                          <a:spcPts val="1000"/>
+                        </a:spcAft>
+                      </a:pPr>
+                      <a:r>
+                        <a:rPr lang="en-IN" sz="1200" dirty="0">
+                          <a:latin typeface="Times New Roman" panose="02020603050405020304"/>
+                          <a:ea typeface="SimSun" panose="02010600030101010101" pitchFamily="2" charset="-122"/>
+                          <a:cs typeface="Times New Roman" panose="02020603050405020304"/>
+                        </a:rPr>
+                        <a:t>Date</a:t>
+                      </a:r>
+                      <a:endParaRPr lang="en-US" sz="1100" dirty="0">
+                        <a:latin typeface="Calibri" panose="020F0502020204030204"/>
+                        <a:ea typeface="Calibri" panose="020F0502020204030204"/>
+                        <a:cs typeface="Times New Roman" panose="02020603050405020304"/>
+                      </a:endParaRPr>
+                    </a:p>
+                  </a:txBody>
+                  <a:tcPr marL="68580" marR="68580" marT="0" marB="0">
+                    <a:lnL w="12700" cap="flat" cmpd="sng" algn="ctr">
+                      <a:solidFill>
+                        <a:srgbClr val="000000"/>
+                      </a:solidFill>
+                      <a:prstDash val="solid"/>
+                      <a:round/>
+                      <a:headEnd type="none" w="med" len="med"/>
+                      <a:tailEnd type="none" w="med" len="med"/>
+                    </a:lnL>
+                    <a:lnR w="12700" cap="flat" cmpd="sng" algn="ctr">
+                      <a:solidFill>
+                        <a:srgbClr val="000000"/>
+                      </a:solidFill>
+                      <a:prstDash val="solid"/>
+                      <a:round/>
+                      <a:headEnd type="none" w="med" len="med"/>
+                      <a:tailEnd type="none" w="med" len="med"/>
+                    </a:lnR>
+                    <a:lnT w="12700" cap="flat" cmpd="sng" algn="ctr">
+                      <a:solidFill>
+                        <a:srgbClr val="000000"/>
+                      </a:solidFill>
+                      <a:prstDash val="solid"/>
+                      <a:round/>
+                      <a:headEnd type="none" w="med" len="med"/>
+                      <a:tailEnd type="none" w="med" len="med"/>
+                    </a:lnT>
+                    <a:lnB w="12700" cap="flat" cmpd="sng" algn="ctr">
+                      <a:solidFill>
+                        <a:srgbClr val="000000"/>
+                      </a:solidFill>
+                      <a:prstDash val="solid"/>
+                      <a:round/>
+                      <a:headEnd type="none" w="med" len="med"/>
+                      <a:tailEnd type="none" w="med" len="med"/>
+                    </a:lnB>
+                  </a:tcPr>
+                </a:tc>
+                <a:tc>
+                  <a:txBody>
+                    <a:bodyPr/>
+                    <a:lstStyle/>
+                    <a:p>
+                      <a:pPr marL="0" marR="0" algn="ctr">
+                        <a:lnSpc>
+                          <a:spcPct val="150000"/>
+                        </a:lnSpc>
+                        <a:spcBef>
+                          <a:spcPts val="0"/>
+                        </a:spcBef>
+                        <a:spcAft>
+                          <a:spcPts val="1000"/>
+                        </a:spcAft>
+                      </a:pPr>
+                      <a:r>
+                        <a:rPr lang="en-IN" sz="1200" dirty="0">
+                          <a:latin typeface="Times New Roman" panose="02020603050405020304"/>
+                          <a:ea typeface="SimSun" panose="02010600030101010101" pitchFamily="2" charset="-122"/>
+                          <a:cs typeface="Times New Roman" panose="02020603050405020304"/>
+                        </a:rPr>
+                        <a:t>10</a:t>
+                      </a:r>
+                      <a:endParaRPr lang="en-US" sz="1100" dirty="0">
+                        <a:latin typeface="Calibri" panose="020F0502020204030204"/>
+                        <a:ea typeface="Calibri" panose="020F0502020204030204"/>
+                        <a:cs typeface="Times New Roman" panose="02020603050405020304"/>
+                      </a:endParaRPr>
+                    </a:p>
+                  </a:txBody>
+                  <a:tcPr marL="68580" marR="68580" marT="0" marB="0">
+                    <a:lnL w="12700" cap="flat" cmpd="sng" algn="ctr">
+                      <a:solidFill>
+                        <a:srgbClr val="000000"/>
+                      </a:solidFill>
+                      <a:prstDash val="solid"/>
+                      <a:round/>
+                      <a:headEnd type="none" w="med" len="med"/>
+                      <a:tailEnd type="none" w="med" len="med"/>
+                    </a:lnL>
+                    <a:lnR w="12700" cap="flat" cmpd="sng" algn="ctr">
+                      <a:solidFill>
+                        <a:srgbClr val="000000"/>
+                      </a:solidFill>
+                      <a:prstDash val="solid"/>
+                      <a:round/>
+                      <a:headEnd type="none" w="med" len="med"/>
+                      <a:tailEnd type="none" w="med" len="med"/>
+                    </a:lnR>
+                    <a:lnT w="12700" cap="flat" cmpd="sng" algn="ctr">
+                      <a:solidFill>
+                        <a:srgbClr val="000000"/>
+                      </a:solidFill>
+                      <a:prstDash val="solid"/>
+                      <a:round/>
+                      <a:headEnd type="none" w="med" len="med"/>
+                      <a:tailEnd type="none" w="med" len="med"/>
+                    </a:lnT>
+                    <a:lnB w="12700" cap="flat" cmpd="sng" algn="ctr">
+                      <a:solidFill>
+                        <a:srgbClr val="000000"/>
+                      </a:solidFill>
+                      <a:prstDash val="solid"/>
+                      <a:round/>
+                      <a:headEnd type="none" w="med" len="med"/>
+                      <a:tailEnd type="none" w="med" len="med"/>
+                    </a:lnB>
+                  </a:tcPr>
+                </a:tc>
+                <a:tc>
+                  <a:txBody>
+                    <a:bodyPr/>
+                    <a:lstStyle/>
+                    <a:p>
+                      <a:pPr marL="0" marR="0" algn="ctr">
+                        <a:lnSpc>
+                          <a:spcPct val="150000"/>
+                        </a:lnSpc>
+                        <a:spcBef>
+                          <a:spcPts val="0"/>
+                        </a:spcBef>
+                        <a:spcAft>
+                          <a:spcPts val="1000"/>
+                        </a:spcAft>
+                      </a:pPr>
+                      <a:r>
+                        <a:rPr lang="en-IN" sz="1200" dirty="0">
+                          <a:latin typeface="Times New Roman" panose="02020603050405020304"/>
+                          <a:ea typeface="SimSun" panose="02010600030101010101" pitchFamily="2" charset="-122"/>
+                          <a:cs typeface="Times New Roman" panose="02020603050405020304"/>
+                        </a:rPr>
+                        <a:t>Not null</a:t>
+                      </a:r>
+                      <a:endParaRPr lang="en-US" sz="1100" dirty="0">
+                        <a:latin typeface="Calibri" panose="020F0502020204030204"/>
+                        <a:ea typeface="Calibri" panose="020F0502020204030204"/>
+                        <a:cs typeface="Times New Roman" panose="02020603050405020304"/>
+                      </a:endParaRPr>
+                    </a:p>
+                  </a:txBody>
+                  <a:tcPr marL="68580" marR="68580" marT="0" marB="0">
+                    <a:lnL w="12700" cap="flat" cmpd="sng" algn="ctr">
+                      <a:solidFill>
+                        <a:srgbClr val="000000"/>
+                      </a:solidFill>
+                      <a:prstDash val="solid"/>
+                      <a:round/>
+                      <a:headEnd type="none" w="med" len="med"/>
+                      <a:tailEnd type="none" w="med" len="med"/>
+                    </a:lnL>
+                    <a:lnR w="12700" cap="flat" cmpd="sng" algn="ctr">
+                      <a:solidFill>
+                        <a:srgbClr val="000000"/>
+                      </a:solidFill>
+                      <a:prstDash val="solid"/>
+                      <a:round/>
+                      <a:headEnd type="none" w="med" len="med"/>
+                      <a:tailEnd type="none" w="med" len="med"/>
+                    </a:lnR>
+                    <a:lnT w="12700" cap="flat" cmpd="sng" algn="ctr">
+                      <a:solidFill>
+                        <a:srgbClr val="000000"/>
+                      </a:solidFill>
+                      <a:prstDash val="solid"/>
+                      <a:round/>
+                      <a:headEnd type="none" w="med" len="med"/>
+                      <a:tailEnd type="none" w="med" len="med"/>
+                    </a:lnT>
+                    <a:lnB w="12700" cap="flat" cmpd="sng" algn="ctr">
+                      <a:solidFill>
+                        <a:srgbClr val="000000"/>
+                      </a:solidFill>
+                      <a:prstDash val="solid"/>
+                      <a:round/>
+                      <a:headEnd type="none" w="med" len="med"/>
+                      <a:tailEnd type="none" w="med" len="med"/>
+                    </a:lnB>
+                  </a:tcPr>
+                </a:tc>
+              </a:tr>
+            </a:tbl>
+          </a:graphicData>
+        </a:graphic>
+      </p:graphicFrame>
+      <p:sp>
+        <p:nvSpPr>
+          <p:cNvPr id="9" name="Rectangle 8"/>
+          <p:cNvSpPr/>
+          <p:nvPr/>
+        </p:nvSpPr>
+        <p:spPr>
+          <a:xfrm>
+            <a:off x="2452662" y="3500438"/>
+            <a:ext cx="2642235" cy="368300"/>
+          </a:xfrm>
+          <a:prstGeom prst="rect">
+            <a:avLst/>
+          </a:prstGeom>
+        </p:spPr>
+        <p:txBody>
+          <a:bodyPr wrap="none">
+            <a:spAutoFit/>
+          </a:bodyPr>
+          <a:lstStyle/>
+          <a:p>
+            <a:pPr lvl="0" eaLnBrk="0" fontAlgn="base" hangingPunct="0">
+              <a:spcBef>
+                <a:spcPct val="0"/>
+              </a:spcBef>
+              <a:spcAft>
+                <a:spcPct val="0"/>
+              </a:spcAft>
+            </a:pPr>
+            <a:r>
+              <a:rPr kumimoji="0" lang="en-US" b="1" i="0" u="none" strike="noStrike" cap="none" normalizeH="0" baseline="0" dirty="0">
+                <a:ln>
+                  <a:noFill/>
+                </a:ln>
+                <a:solidFill>
+                  <a:schemeClr val="tx1"/>
+                </a:solidFill>
+                <a:effectLst/>
+                <a:latin typeface="Times New Roman" panose="02020603050405020304" pitchFamily="18" charset="0"/>
+                <a:ea typeface="Calibri" panose="020F0502020204030204" pitchFamily="34" charset="0"/>
+                <a:cs typeface="Times New Roman" panose="02020603050405020304" pitchFamily="18" charset="0"/>
+              </a:rPr>
+              <a:t>TABLE NAME: IN/OUT</a:t>
+            </a:r>
+            <a:endParaRPr kumimoji="0" lang="en-US" sz="1050" b="0" i="0" u="none" strike="noStrike" cap="none" normalizeH="0" baseline="0" dirty="0">
+              <a:ln>
+                <a:noFill/>
+              </a:ln>
+              <a:solidFill>
+                <a:schemeClr val="tx1"/>
+              </a:solidFill>
+              <a:effectLst/>
+              <a:latin typeface="Arial" panose="020B0604020202020204" pitchFamily="34" charset="0"/>
+              <a:cs typeface="Arial" panose="020B0604020202020204" pitchFamily="34" charset="0"/>
+            </a:endParaRPr>
+          </a:p>
+        </p:txBody>
+      </p:sp>
+      <p:sp>
+        <p:nvSpPr>
+          <p:cNvPr id="10" name="Rectangle 1"/>
+          <p:cNvSpPr>
+            <a:spLocks noChangeArrowheads="1"/>
+          </p:cNvSpPr>
+          <p:nvPr/>
+        </p:nvSpPr>
+        <p:spPr bwMode="auto">
+          <a:xfrm>
+            <a:off x="2209800" y="533986"/>
+            <a:ext cx="2496185" cy="645160"/>
+          </a:xfrm>
+          <a:prstGeom prst="rect">
+            <a:avLst/>
+          </a:prstGeom>
+          <a:noFill/>
+          <a:ln w="9525">
+            <a:noFill/>
+            <a:miter lim="800000"/>
+          </a:ln>
+          <a:effectLst/>
+        </p:spPr>
+        <p:txBody>
+          <a:bodyPr vert="horz" wrap="none" lIns="91440" tIns="45720" rIns="91440" bIns="45720" numCol="1" anchor="ctr" anchorCtr="0" compatLnSpc="1">
+            <a:spAutoFit/>
+          </a:bodyPr>
+          <a:lstStyle/>
+          <a:p>
+            <a:pPr marL="0" marR="0" lvl="0" indent="0" algn="l" defTabSz="914400" rtl="0" eaLnBrk="1" fontAlgn="base" latinLnBrk="0" hangingPunct="1">
+              <a:lnSpc>
+                <a:spcPct val="100000"/>
+              </a:lnSpc>
+              <a:spcBef>
+                <a:spcPct val="0"/>
+              </a:spcBef>
+              <a:spcAft>
+                <a:spcPct val="0"/>
+              </a:spcAft>
+              <a:buClrTx/>
+              <a:buSzTx/>
+              <a:buFontTx/>
+              <a:buNone/>
+            </a:pPr>
+            <a:r>
+              <a:rPr kumimoji="0" lang="en-US" b="1" i="0" u="none" strike="noStrike" cap="none" normalizeH="0" baseline="0" dirty="0">
+                <a:ln>
+                  <a:noFill/>
+                </a:ln>
+                <a:solidFill>
+                  <a:schemeClr val="tx1"/>
+                </a:solidFill>
+                <a:effectLst/>
+                <a:latin typeface="Times New Roman" panose="02020603050405020304" pitchFamily="18" charset="0"/>
+                <a:ea typeface="Calibri" panose="020F0502020204030204" pitchFamily="34" charset="0"/>
+                <a:cs typeface="Times New Roman" panose="02020603050405020304" pitchFamily="18" charset="0"/>
+              </a:rPr>
+              <a:t>TABLE NAME : SLOT</a:t>
+            </a:r>
+            <a:endParaRPr kumimoji="0" lang="en-US" b="0" i="0" u="none" strike="noStrike" cap="none" normalizeH="0" baseline="0" dirty="0">
+              <a:ln>
+                <a:noFill/>
+              </a:ln>
+              <a:solidFill>
+                <a:schemeClr val="tx1"/>
+              </a:solidFill>
+              <a:effectLst/>
+              <a:latin typeface="Arial" panose="020B0604020202020204" pitchFamily="34" charset="0"/>
+              <a:cs typeface="Arial" panose="020B0604020202020204" pitchFamily="34" charset="0"/>
+            </a:endParaRPr>
+          </a:p>
+          <a:p>
+            <a:pPr marL="0" marR="0" lvl="0" indent="0" algn="l" defTabSz="914400" rtl="0" eaLnBrk="0" fontAlgn="base" latinLnBrk="0" hangingPunct="0">
+              <a:lnSpc>
+                <a:spcPct val="100000"/>
+              </a:lnSpc>
+              <a:spcBef>
+                <a:spcPct val="0"/>
+              </a:spcBef>
+              <a:spcAft>
+                <a:spcPct val="0"/>
+              </a:spcAft>
+              <a:buClrTx/>
+              <a:buSzTx/>
+              <a:buFontTx/>
+              <a:buNone/>
+            </a:pPr>
+            <a:endParaRPr kumimoji="0" lang="en-US" b="0" i="0" u="none" strike="noStrike" cap="none" normalizeH="0" baseline="0" dirty="0">
+              <a:ln>
+                <a:noFill/>
+              </a:ln>
+              <a:solidFill>
+                <a:schemeClr val="tx1"/>
+              </a:solidFill>
+              <a:effectLst/>
+              <a:latin typeface="Arial" panose="020B0604020202020204" pitchFamily="34" charset="0"/>
+              <a:cs typeface="Arial" panose="020B0604020202020204" pitchFamily="34" charset="0"/>
+            </a:endParaRPr>
+          </a:p>
+        </p:txBody>
+      </p:sp>
+      <p:graphicFrame>
+        <p:nvGraphicFramePr>
+          <p:cNvPr id="11" name="Table 10"/>
+          <p:cNvGraphicFramePr>
+            <a:graphicFrameLocks noGrp="1"/>
+          </p:cNvGraphicFramePr>
+          <p:nvPr/>
+        </p:nvGraphicFramePr>
+        <p:xfrm>
+          <a:off x="3429000" y="1295400"/>
+          <a:ext cx="6248400" cy="1981200"/>
+        </p:xfrm>
+        <a:graphic>
+          <a:graphicData uri="http://schemas.openxmlformats.org/drawingml/2006/table">
+            <a:tbl>
+              <a:tblPr/>
+              <a:tblGrid>
+                <a:gridCol w="1561465"/>
+                <a:gridCol w="1562100"/>
+                <a:gridCol w="1562100"/>
+                <a:gridCol w="1562735"/>
+              </a:tblGrid>
+              <a:tr h="495300">
+                <a:tc>
+                  <a:txBody>
+                    <a:bodyPr/>
+                    <a:lstStyle/>
+                    <a:p>
+                      <a:pPr marL="0" marR="0" algn="ctr">
+                        <a:lnSpc>
+                          <a:spcPct val="150000"/>
+                        </a:lnSpc>
+                        <a:spcBef>
+                          <a:spcPts val="0"/>
+                        </a:spcBef>
+                        <a:spcAft>
+                          <a:spcPts val="1000"/>
+                        </a:spcAft>
+                      </a:pPr>
+                      <a:r>
+                        <a:rPr lang="en-IN" sz="1200" b="1" dirty="0">
+                          <a:latin typeface="Times New Roman" panose="02020603050405020304"/>
+                          <a:ea typeface="SimSun" panose="02010600030101010101" pitchFamily="2" charset="-122"/>
+                          <a:cs typeface="Times New Roman" panose="02020603050405020304"/>
+                        </a:rPr>
+                        <a:t>FIELD </a:t>
+                      </a:r>
+                      <a:endParaRPr lang="en-US" sz="1100" dirty="0">
+                        <a:latin typeface="Calibri" panose="020F0502020204030204"/>
+                        <a:ea typeface="Calibri" panose="020F0502020204030204"/>
+                        <a:cs typeface="Times New Roman" panose="02020603050405020304"/>
+                      </a:endParaRPr>
+                    </a:p>
+                  </a:txBody>
+                  <a:tcPr marL="68580" marR="68580" marT="0" marB="0">
+                    <a:lnL w="12700" cap="flat" cmpd="sng" algn="ctr">
+                      <a:solidFill>
+                        <a:srgbClr val="000000"/>
+                      </a:solidFill>
+                      <a:prstDash val="solid"/>
+                      <a:round/>
+                      <a:headEnd type="none" w="med" len="med"/>
+                      <a:tailEnd type="none" w="med" len="med"/>
+                    </a:lnL>
+                    <a:lnR w="12700" cap="flat" cmpd="sng" algn="ctr">
+                      <a:solidFill>
+                        <a:srgbClr val="000000"/>
+                      </a:solidFill>
+                      <a:prstDash val="solid"/>
+                      <a:round/>
+                      <a:headEnd type="none" w="med" len="med"/>
+                      <a:tailEnd type="none" w="med" len="med"/>
+                    </a:lnR>
+                    <a:lnT w="12700" cap="flat" cmpd="sng" algn="ctr">
+                      <a:solidFill>
+                        <a:srgbClr val="000000"/>
+                      </a:solidFill>
+                      <a:prstDash val="solid"/>
+                      <a:round/>
+                      <a:headEnd type="none" w="med" len="med"/>
+                      <a:tailEnd type="none" w="med" len="med"/>
+                    </a:lnT>
+                    <a:lnB w="12700" cap="flat" cmpd="sng" algn="ctr">
+                      <a:solidFill>
+                        <a:srgbClr val="000000"/>
+                      </a:solidFill>
+                      <a:prstDash val="solid"/>
+                      <a:round/>
+                      <a:headEnd type="none" w="med" len="med"/>
+                      <a:tailEnd type="none" w="med" len="med"/>
+                    </a:lnB>
+                  </a:tcPr>
+                </a:tc>
+                <a:tc>
+                  <a:txBody>
+                    <a:bodyPr/>
+                    <a:lstStyle/>
+                    <a:p>
+                      <a:pPr marL="0" marR="0" algn="ctr">
+                        <a:lnSpc>
+                          <a:spcPct val="150000"/>
+                        </a:lnSpc>
+                        <a:spcBef>
+                          <a:spcPts val="0"/>
+                        </a:spcBef>
+                        <a:spcAft>
+                          <a:spcPts val="1000"/>
+                        </a:spcAft>
+                      </a:pPr>
+                      <a:r>
+                        <a:rPr lang="en-IN" sz="1200" b="1" dirty="0">
+                          <a:latin typeface="Times New Roman" panose="02020603050405020304"/>
+                          <a:ea typeface="SimSun" panose="02010600030101010101" pitchFamily="2" charset="-122"/>
+                          <a:cs typeface="Times New Roman" panose="02020603050405020304"/>
+                        </a:rPr>
+                        <a:t>DATA TYPE</a:t>
+                      </a:r>
+                      <a:endParaRPr lang="en-US" sz="1100" dirty="0">
+                        <a:latin typeface="Calibri" panose="020F0502020204030204"/>
+                        <a:ea typeface="Calibri" panose="020F0502020204030204"/>
+                        <a:cs typeface="Times New Roman" panose="02020603050405020304"/>
+                      </a:endParaRPr>
+                    </a:p>
+                  </a:txBody>
+                  <a:tcPr marL="68580" marR="68580" marT="0" marB="0">
+                    <a:lnL w="12700" cap="flat" cmpd="sng" algn="ctr">
+                      <a:solidFill>
+                        <a:srgbClr val="000000"/>
+                      </a:solidFill>
+                      <a:prstDash val="solid"/>
+                      <a:round/>
+                      <a:headEnd type="none" w="med" len="med"/>
+                      <a:tailEnd type="none" w="med" len="med"/>
+                    </a:lnL>
+                    <a:lnR w="12700" cap="flat" cmpd="sng" algn="ctr">
+                      <a:solidFill>
+                        <a:srgbClr val="000000"/>
+                      </a:solidFill>
+                      <a:prstDash val="solid"/>
+                      <a:round/>
+                      <a:headEnd type="none" w="med" len="med"/>
+                      <a:tailEnd type="none" w="med" len="med"/>
+                    </a:lnR>
+                    <a:lnT w="12700" cap="flat" cmpd="sng" algn="ctr">
+                      <a:solidFill>
+                        <a:srgbClr val="000000"/>
+                      </a:solidFill>
+                      <a:prstDash val="solid"/>
+                      <a:round/>
+                      <a:headEnd type="none" w="med" len="med"/>
+                      <a:tailEnd type="none" w="med" len="med"/>
+                    </a:lnT>
+                    <a:lnB w="12700" cap="flat" cmpd="sng" algn="ctr">
+                      <a:solidFill>
+                        <a:srgbClr val="000000"/>
+                      </a:solidFill>
+                      <a:prstDash val="solid"/>
+                      <a:round/>
+                      <a:headEnd type="none" w="med" len="med"/>
+                      <a:tailEnd type="none" w="med" len="med"/>
+                    </a:lnB>
+                  </a:tcPr>
+                </a:tc>
+                <a:tc>
+                  <a:txBody>
+                    <a:bodyPr/>
+                    <a:lstStyle/>
+                    <a:p>
+                      <a:pPr marL="0" marR="0" algn="ctr">
+                        <a:lnSpc>
+                          <a:spcPct val="150000"/>
+                        </a:lnSpc>
+                        <a:spcBef>
+                          <a:spcPts val="0"/>
+                        </a:spcBef>
+                        <a:spcAft>
+                          <a:spcPts val="1000"/>
+                        </a:spcAft>
+                      </a:pPr>
+                      <a:r>
+                        <a:rPr lang="en-IN" sz="1200" b="1">
+                          <a:latin typeface="Times New Roman" panose="02020603050405020304"/>
+                          <a:ea typeface="SimSun" panose="02010600030101010101" pitchFamily="2" charset="-122"/>
+                          <a:cs typeface="Times New Roman" panose="02020603050405020304"/>
+                        </a:rPr>
+                        <a:t>SIZE</a:t>
+                      </a:r>
+                      <a:endParaRPr lang="en-US" sz="1100">
+                        <a:latin typeface="Calibri" panose="020F0502020204030204"/>
+                        <a:ea typeface="Calibri" panose="020F0502020204030204"/>
+                        <a:cs typeface="Times New Roman" panose="02020603050405020304"/>
+                      </a:endParaRPr>
+                    </a:p>
+                  </a:txBody>
+                  <a:tcPr marL="68580" marR="68580" marT="0" marB="0">
+                    <a:lnL w="12700" cap="flat" cmpd="sng" algn="ctr">
+                      <a:solidFill>
+                        <a:srgbClr val="000000"/>
+                      </a:solidFill>
+                      <a:prstDash val="solid"/>
+                      <a:round/>
+                      <a:headEnd type="none" w="med" len="med"/>
+                      <a:tailEnd type="none" w="med" len="med"/>
+                    </a:lnL>
+                    <a:lnR w="12700" cap="flat" cmpd="sng" algn="ctr">
+                      <a:solidFill>
+                        <a:srgbClr val="000000"/>
+                      </a:solidFill>
+                      <a:prstDash val="solid"/>
+                      <a:round/>
+                      <a:headEnd type="none" w="med" len="med"/>
+                      <a:tailEnd type="none" w="med" len="med"/>
+                    </a:lnR>
+                    <a:lnT w="12700" cap="flat" cmpd="sng" algn="ctr">
+                      <a:solidFill>
+                        <a:srgbClr val="000000"/>
+                      </a:solidFill>
+                      <a:prstDash val="solid"/>
+                      <a:round/>
+                      <a:headEnd type="none" w="med" len="med"/>
+                      <a:tailEnd type="none" w="med" len="med"/>
+                    </a:lnT>
+                    <a:lnB w="12700" cap="flat" cmpd="sng" algn="ctr">
+                      <a:solidFill>
+                        <a:srgbClr val="000000"/>
+                      </a:solidFill>
+                      <a:prstDash val="solid"/>
+                      <a:round/>
+                      <a:headEnd type="none" w="med" len="med"/>
+                      <a:tailEnd type="none" w="med" len="med"/>
+                    </a:lnB>
+                  </a:tcPr>
+                </a:tc>
+                <a:tc>
+                  <a:txBody>
+                    <a:bodyPr/>
+                    <a:lstStyle/>
+                    <a:p>
+                      <a:pPr marL="0" marR="0" algn="ctr">
+                        <a:lnSpc>
+                          <a:spcPct val="150000"/>
+                        </a:lnSpc>
+                        <a:spcBef>
+                          <a:spcPts val="0"/>
+                        </a:spcBef>
+                        <a:spcAft>
+                          <a:spcPts val="1000"/>
+                        </a:spcAft>
+                      </a:pPr>
+                      <a:r>
+                        <a:rPr lang="en-IN" sz="1200" b="1">
+                          <a:latin typeface="Times New Roman" panose="02020603050405020304"/>
+                          <a:ea typeface="SimSun" panose="02010600030101010101" pitchFamily="2" charset="-122"/>
+                          <a:cs typeface="Times New Roman" panose="02020603050405020304"/>
+                        </a:rPr>
+                        <a:t>CONSTRAINT</a:t>
+                      </a:r>
+                      <a:endParaRPr lang="en-US" sz="1100">
+                        <a:latin typeface="Calibri" panose="020F0502020204030204"/>
+                        <a:ea typeface="Calibri" panose="020F0502020204030204"/>
+                        <a:cs typeface="Times New Roman" panose="02020603050405020304"/>
+                      </a:endParaRPr>
+                    </a:p>
+                  </a:txBody>
+                  <a:tcPr marL="68580" marR="68580" marT="0" marB="0">
+                    <a:lnL w="12700" cap="flat" cmpd="sng" algn="ctr">
+                      <a:solidFill>
+                        <a:srgbClr val="000000"/>
+                      </a:solidFill>
+                      <a:prstDash val="solid"/>
+                      <a:round/>
+                      <a:headEnd type="none" w="med" len="med"/>
+                      <a:tailEnd type="none" w="med" len="med"/>
+                    </a:lnL>
+                    <a:lnR w="12700" cap="flat" cmpd="sng" algn="ctr">
+                      <a:solidFill>
+                        <a:srgbClr val="000000"/>
+                      </a:solidFill>
+                      <a:prstDash val="solid"/>
+                      <a:round/>
+                      <a:headEnd type="none" w="med" len="med"/>
+                      <a:tailEnd type="none" w="med" len="med"/>
+                    </a:lnR>
+                    <a:lnT w="12700" cap="flat" cmpd="sng" algn="ctr">
+                      <a:solidFill>
+                        <a:srgbClr val="000000"/>
+                      </a:solidFill>
+                      <a:prstDash val="solid"/>
+                      <a:round/>
+                      <a:headEnd type="none" w="med" len="med"/>
+                      <a:tailEnd type="none" w="med" len="med"/>
+                    </a:lnT>
+                    <a:lnB w="12700" cap="flat" cmpd="sng" algn="ctr">
+                      <a:solidFill>
+                        <a:srgbClr val="000000"/>
+                      </a:solidFill>
+                      <a:prstDash val="solid"/>
+                      <a:round/>
+                      <a:headEnd type="none" w="med" len="med"/>
+                      <a:tailEnd type="none" w="med" len="med"/>
+                    </a:lnB>
+                  </a:tcPr>
+                </a:tc>
+              </a:tr>
+              <a:tr h="495300">
+                <a:tc>
+                  <a:txBody>
+                    <a:bodyPr/>
+                    <a:lstStyle/>
+                    <a:p>
+                      <a:pPr marL="0" marR="0" algn="ctr">
+                        <a:lnSpc>
+                          <a:spcPct val="150000"/>
+                        </a:lnSpc>
+                        <a:spcBef>
+                          <a:spcPts val="0"/>
+                        </a:spcBef>
+                        <a:spcAft>
+                          <a:spcPts val="1000"/>
+                        </a:spcAft>
+                      </a:pPr>
+                      <a:r>
+                        <a:rPr lang="en-IN" sz="1200" dirty="0">
+                          <a:latin typeface="Times New Roman" panose="02020603050405020304"/>
+                          <a:ea typeface="SimSun" panose="02010600030101010101" pitchFamily="2" charset="-122"/>
+                          <a:cs typeface="Times New Roman" panose="02020603050405020304"/>
+                        </a:rPr>
+                        <a:t>Slot id</a:t>
+                      </a:r>
+                      <a:endParaRPr lang="en-US" sz="1100" dirty="0">
+                        <a:latin typeface="Calibri" panose="020F0502020204030204"/>
+                        <a:ea typeface="Calibri" panose="020F0502020204030204"/>
+                        <a:cs typeface="Times New Roman" panose="02020603050405020304"/>
+                      </a:endParaRPr>
+                    </a:p>
+                  </a:txBody>
+                  <a:tcPr marL="68580" marR="68580" marT="0" marB="0">
+                    <a:lnL w="12700" cap="flat" cmpd="sng" algn="ctr">
+                      <a:solidFill>
+                        <a:srgbClr val="000000"/>
+                      </a:solidFill>
+                      <a:prstDash val="solid"/>
+                      <a:round/>
+                      <a:headEnd type="none" w="med" len="med"/>
+                      <a:tailEnd type="none" w="med" len="med"/>
+                    </a:lnL>
+                    <a:lnR w="12700" cap="flat" cmpd="sng" algn="ctr">
+                      <a:solidFill>
+                        <a:srgbClr val="000000"/>
+                      </a:solidFill>
+                      <a:prstDash val="solid"/>
+                      <a:round/>
+                      <a:headEnd type="none" w="med" len="med"/>
+                      <a:tailEnd type="none" w="med" len="med"/>
+                    </a:lnR>
+                    <a:lnT w="12700" cap="flat" cmpd="sng" algn="ctr">
+                      <a:solidFill>
+                        <a:srgbClr val="000000"/>
+                      </a:solidFill>
+                      <a:prstDash val="solid"/>
+                      <a:round/>
+                      <a:headEnd type="none" w="med" len="med"/>
+                      <a:tailEnd type="none" w="med" len="med"/>
+                    </a:lnT>
+                    <a:lnB w="12700" cap="flat" cmpd="sng" algn="ctr">
+                      <a:solidFill>
+                        <a:srgbClr val="000000"/>
+                      </a:solidFill>
+                      <a:prstDash val="solid"/>
+                      <a:round/>
+                      <a:headEnd type="none" w="med" len="med"/>
+                      <a:tailEnd type="none" w="med" len="med"/>
+                    </a:lnB>
+                  </a:tcPr>
+                </a:tc>
+                <a:tc>
+                  <a:txBody>
+                    <a:bodyPr/>
+                    <a:lstStyle/>
+                    <a:p>
+                      <a:pPr marL="0" marR="0" algn="ctr">
+                        <a:lnSpc>
+                          <a:spcPct val="150000"/>
+                        </a:lnSpc>
+                        <a:spcBef>
+                          <a:spcPts val="0"/>
+                        </a:spcBef>
+                        <a:spcAft>
+                          <a:spcPts val="1000"/>
+                        </a:spcAft>
+                      </a:pPr>
+                      <a:r>
+                        <a:rPr lang="en-IN" sz="1200" dirty="0" err="1">
+                          <a:latin typeface="Times New Roman" panose="02020603050405020304"/>
+                          <a:ea typeface="SimSun" panose="02010600030101010101" pitchFamily="2" charset="-122"/>
+                          <a:cs typeface="Times New Roman" panose="02020603050405020304"/>
+                        </a:rPr>
+                        <a:t>Int</a:t>
+                      </a:r>
+                      <a:endParaRPr lang="en-US" sz="1100" dirty="0">
+                        <a:latin typeface="Calibri" panose="020F0502020204030204"/>
+                        <a:ea typeface="Calibri" panose="020F0502020204030204"/>
+                        <a:cs typeface="Times New Roman" panose="02020603050405020304"/>
+                      </a:endParaRPr>
+                    </a:p>
+                  </a:txBody>
+                  <a:tcPr marL="68580" marR="68580" marT="0" marB="0">
+                    <a:lnL w="12700" cap="flat" cmpd="sng" algn="ctr">
+                      <a:solidFill>
+                        <a:srgbClr val="000000"/>
+                      </a:solidFill>
+                      <a:prstDash val="solid"/>
+                      <a:round/>
+                      <a:headEnd type="none" w="med" len="med"/>
+                      <a:tailEnd type="none" w="med" len="med"/>
+                    </a:lnL>
+                    <a:lnR w="12700" cap="flat" cmpd="sng" algn="ctr">
+                      <a:solidFill>
+                        <a:srgbClr val="000000"/>
+                      </a:solidFill>
+                      <a:prstDash val="solid"/>
+                      <a:round/>
+                      <a:headEnd type="none" w="med" len="med"/>
+                      <a:tailEnd type="none" w="med" len="med"/>
+                    </a:lnR>
+                    <a:lnT w="12700" cap="flat" cmpd="sng" algn="ctr">
+                      <a:solidFill>
+                        <a:srgbClr val="000000"/>
+                      </a:solidFill>
+                      <a:prstDash val="solid"/>
+                      <a:round/>
+                      <a:headEnd type="none" w="med" len="med"/>
+                      <a:tailEnd type="none" w="med" len="med"/>
+                    </a:lnT>
+                    <a:lnB w="12700" cap="flat" cmpd="sng" algn="ctr">
+                      <a:solidFill>
+                        <a:srgbClr val="000000"/>
+                      </a:solidFill>
+                      <a:prstDash val="solid"/>
+                      <a:round/>
+                      <a:headEnd type="none" w="med" len="med"/>
+                      <a:tailEnd type="none" w="med" len="med"/>
+                    </a:lnB>
+                  </a:tcPr>
+                </a:tc>
+                <a:tc>
+                  <a:txBody>
+                    <a:bodyPr/>
+                    <a:lstStyle/>
+                    <a:p>
+                      <a:pPr marL="0" marR="0" algn="ctr">
+                        <a:lnSpc>
+                          <a:spcPct val="150000"/>
+                        </a:lnSpc>
+                        <a:spcBef>
+                          <a:spcPts val="0"/>
+                        </a:spcBef>
+                        <a:spcAft>
+                          <a:spcPts val="1000"/>
+                        </a:spcAft>
+                      </a:pPr>
+                      <a:r>
+                        <a:rPr lang="en-IN" sz="1200">
+                          <a:latin typeface="Times New Roman" panose="02020603050405020304"/>
+                          <a:ea typeface="SimSun" panose="02010600030101010101" pitchFamily="2" charset="-122"/>
+                          <a:cs typeface="Times New Roman" panose="02020603050405020304"/>
+                        </a:rPr>
+                        <a:t>10</a:t>
+                      </a:r>
+                      <a:endParaRPr lang="en-US" sz="1100">
+                        <a:latin typeface="Calibri" panose="020F0502020204030204"/>
+                        <a:ea typeface="Calibri" panose="020F0502020204030204"/>
+                        <a:cs typeface="Times New Roman" panose="02020603050405020304"/>
+                      </a:endParaRPr>
+                    </a:p>
+                  </a:txBody>
+                  <a:tcPr marL="68580" marR="68580" marT="0" marB="0">
+                    <a:lnL w="12700" cap="flat" cmpd="sng" algn="ctr">
+                      <a:solidFill>
+                        <a:srgbClr val="000000"/>
+                      </a:solidFill>
+                      <a:prstDash val="solid"/>
+                      <a:round/>
+                      <a:headEnd type="none" w="med" len="med"/>
+                      <a:tailEnd type="none" w="med" len="med"/>
+                    </a:lnL>
+                    <a:lnR w="12700" cap="flat" cmpd="sng" algn="ctr">
+                      <a:solidFill>
+                        <a:srgbClr val="000000"/>
+                      </a:solidFill>
+                      <a:prstDash val="solid"/>
+                      <a:round/>
+                      <a:headEnd type="none" w="med" len="med"/>
+                      <a:tailEnd type="none" w="med" len="med"/>
+                    </a:lnR>
+                    <a:lnT w="12700" cap="flat" cmpd="sng" algn="ctr">
+                      <a:solidFill>
+                        <a:srgbClr val="000000"/>
+                      </a:solidFill>
+                      <a:prstDash val="solid"/>
+                      <a:round/>
+                      <a:headEnd type="none" w="med" len="med"/>
+                      <a:tailEnd type="none" w="med" len="med"/>
+                    </a:lnT>
+                    <a:lnB w="12700" cap="flat" cmpd="sng" algn="ctr">
+                      <a:solidFill>
+                        <a:srgbClr val="000000"/>
+                      </a:solidFill>
+                      <a:prstDash val="solid"/>
+                      <a:round/>
+                      <a:headEnd type="none" w="med" len="med"/>
+                      <a:tailEnd type="none" w="med" len="med"/>
+                    </a:lnB>
+                  </a:tcPr>
+                </a:tc>
+                <a:tc>
+                  <a:txBody>
+                    <a:bodyPr/>
+                    <a:lstStyle/>
+                    <a:p>
+                      <a:pPr marL="0" marR="0" algn="ctr">
+                        <a:lnSpc>
+                          <a:spcPct val="150000"/>
+                        </a:lnSpc>
+                        <a:spcBef>
+                          <a:spcPts val="0"/>
+                        </a:spcBef>
+                        <a:spcAft>
+                          <a:spcPts val="1000"/>
+                        </a:spcAft>
+                      </a:pPr>
+                      <a:r>
+                        <a:rPr lang="en-IN" sz="1200">
+                          <a:latin typeface="Times New Roman" panose="02020603050405020304"/>
+                          <a:ea typeface="SimSun" panose="02010600030101010101" pitchFamily="2" charset="-122"/>
+                          <a:cs typeface="Times New Roman" panose="02020603050405020304"/>
+                        </a:rPr>
+                        <a:t>Primary key</a:t>
+                      </a:r>
+                      <a:endParaRPr lang="en-US" sz="1100">
+                        <a:latin typeface="Calibri" panose="020F0502020204030204"/>
+                        <a:ea typeface="Calibri" panose="020F0502020204030204"/>
+                        <a:cs typeface="Times New Roman" panose="02020603050405020304"/>
+                      </a:endParaRPr>
+                    </a:p>
+                  </a:txBody>
+                  <a:tcPr marL="68580" marR="68580" marT="0" marB="0">
+                    <a:lnL w="12700" cap="flat" cmpd="sng" algn="ctr">
+                      <a:solidFill>
+                        <a:srgbClr val="000000"/>
+                      </a:solidFill>
+                      <a:prstDash val="solid"/>
+                      <a:round/>
+                      <a:headEnd type="none" w="med" len="med"/>
+                      <a:tailEnd type="none" w="med" len="med"/>
+                    </a:lnL>
+                    <a:lnR w="12700" cap="flat" cmpd="sng" algn="ctr">
+                      <a:solidFill>
+                        <a:srgbClr val="000000"/>
+                      </a:solidFill>
+                      <a:prstDash val="solid"/>
+                      <a:round/>
+                      <a:headEnd type="none" w="med" len="med"/>
+                      <a:tailEnd type="none" w="med" len="med"/>
+                    </a:lnR>
+                    <a:lnT w="12700" cap="flat" cmpd="sng" algn="ctr">
+                      <a:solidFill>
+                        <a:srgbClr val="000000"/>
+                      </a:solidFill>
+                      <a:prstDash val="solid"/>
+                      <a:round/>
+                      <a:headEnd type="none" w="med" len="med"/>
+                      <a:tailEnd type="none" w="med" len="med"/>
+                    </a:lnT>
+                    <a:lnB w="12700" cap="flat" cmpd="sng" algn="ctr">
+                      <a:solidFill>
+                        <a:srgbClr val="000000"/>
+                      </a:solidFill>
+                      <a:prstDash val="solid"/>
+                      <a:round/>
+                      <a:headEnd type="none" w="med" len="med"/>
+                      <a:tailEnd type="none" w="med" len="med"/>
+                    </a:lnB>
+                  </a:tcPr>
+                </a:tc>
+              </a:tr>
+              <a:tr h="495300">
+                <a:tc>
+                  <a:txBody>
+                    <a:bodyPr/>
+                    <a:lstStyle/>
+                    <a:p>
+                      <a:pPr marL="0" marR="0" algn="ctr">
+                        <a:lnSpc>
+                          <a:spcPct val="150000"/>
+                        </a:lnSpc>
+                        <a:spcBef>
+                          <a:spcPts val="0"/>
+                        </a:spcBef>
+                        <a:spcAft>
+                          <a:spcPts val="1000"/>
+                        </a:spcAft>
+                      </a:pPr>
+                      <a:r>
+                        <a:rPr lang="en-IN" sz="1200" dirty="0">
+                          <a:latin typeface="Times New Roman" panose="02020603050405020304"/>
+                          <a:ea typeface="SimSun" panose="02010600030101010101" pitchFamily="2" charset="-122"/>
+                          <a:cs typeface="Times New Roman" panose="02020603050405020304"/>
+                        </a:rPr>
+                        <a:t>Slot name</a:t>
+                      </a:r>
+                      <a:endParaRPr lang="en-US" sz="1100" dirty="0">
+                        <a:latin typeface="Calibri" panose="020F0502020204030204"/>
+                        <a:ea typeface="Calibri" panose="020F0502020204030204"/>
+                        <a:cs typeface="Times New Roman" panose="02020603050405020304"/>
+                      </a:endParaRPr>
+                    </a:p>
+                  </a:txBody>
+                  <a:tcPr marL="68580" marR="68580" marT="0" marB="0">
+                    <a:lnL w="12700" cap="flat" cmpd="sng" algn="ctr">
+                      <a:solidFill>
+                        <a:srgbClr val="000000"/>
+                      </a:solidFill>
+                      <a:prstDash val="solid"/>
+                      <a:round/>
+                      <a:headEnd type="none" w="med" len="med"/>
+                      <a:tailEnd type="none" w="med" len="med"/>
+                    </a:lnL>
+                    <a:lnR w="12700" cap="flat" cmpd="sng" algn="ctr">
+                      <a:solidFill>
+                        <a:srgbClr val="000000"/>
+                      </a:solidFill>
+                      <a:prstDash val="solid"/>
+                      <a:round/>
+                      <a:headEnd type="none" w="med" len="med"/>
+                      <a:tailEnd type="none" w="med" len="med"/>
+                    </a:lnR>
+                    <a:lnT w="12700" cap="flat" cmpd="sng" algn="ctr">
+                      <a:solidFill>
+                        <a:srgbClr val="000000"/>
+                      </a:solidFill>
+                      <a:prstDash val="solid"/>
+                      <a:round/>
+                      <a:headEnd type="none" w="med" len="med"/>
+                      <a:tailEnd type="none" w="med" len="med"/>
+                    </a:lnT>
+                    <a:lnB w="12700" cap="flat" cmpd="sng" algn="ctr">
+                      <a:solidFill>
+                        <a:srgbClr val="000000"/>
+                      </a:solidFill>
+                      <a:prstDash val="solid"/>
+                      <a:round/>
+                      <a:headEnd type="none" w="med" len="med"/>
+                      <a:tailEnd type="none" w="med" len="med"/>
+                    </a:lnB>
+                  </a:tcPr>
+                </a:tc>
+                <a:tc>
+                  <a:txBody>
+                    <a:bodyPr/>
+                    <a:lstStyle/>
+                    <a:p>
+                      <a:pPr marL="0" marR="0" algn="ctr">
+                        <a:lnSpc>
+                          <a:spcPct val="150000"/>
+                        </a:lnSpc>
+                        <a:spcBef>
+                          <a:spcPts val="0"/>
+                        </a:spcBef>
+                        <a:spcAft>
+                          <a:spcPts val="1000"/>
+                        </a:spcAft>
+                      </a:pPr>
+                      <a:r>
+                        <a:rPr lang="en-IN" sz="1200" dirty="0">
+                          <a:latin typeface="Times New Roman" panose="02020603050405020304"/>
+                          <a:ea typeface="SimSun" panose="02010600030101010101" pitchFamily="2" charset="-122"/>
+                          <a:cs typeface="Times New Roman" panose="02020603050405020304"/>
+                        </a:rPr>
+                        <a:t>Varchar </a:t>
+                      </a:r>
+                      <a:endParaRPr lang="en-US" sz="1100" dirty="0">
+                        <a:latin typeface="Calibri" panose="020F0502020204030204"/>
+                        <a:ea typeface="Calibri" panose="020F0502020204030204"/>
+                        <a:cs typeface="Times New Roman" panose="02020603050405020304"/>
+                      </a:endParaRPr>
+                    </a:p>
+                  </a:txBody>
+                  <a:tcPr marL="68580" marR="68580" marT="0" marB="0">
+                    <a:lnL w="12700" cap="flat" cmpd="sng" algn="ctr">
+                      <a:solidFill>
+                        <a:srgbClr val="000000"/>
+                      </a:solidFill>
+                      <a:prstDash val="solid"/>
+                      <a:round/>
+                      <a:headEnd type="none" w="med" len="med"/>
+                      <a:tailEnd type="none" w="med" len="med"/>
+                    </a:lnL>
+                    <a:lnR w="12700" cap="flat" cmpd="sng" algn="ctr">
+                      <a:solidFill>
+                        <a:srgbClr val="000000"/>
+                      </a:solidFill>
+                      <a:prstDash val="solid"/>
+                      <a:round/>
+                      <a:headEnd type="none" w="med" len="med"/>
+                      <a:tailEnd type="none" w="med" len="med"/>
+                    </a:lnR>
+                    <a:lnT w="12700" cap="flat" cmpd="sng" algn="ctr">
+                      <a:solidFill>
+                        <a:srgbClr val="000000"/>
+                      </a:solidFill>
+                      <a:prstDash val="solid"/>
+                      <a:round/>
+                      <a:headEnd type="none" w="med" len="med"/>
+                      <a:tailEnd type="none" w="med" len="med"/>
+                    </a:lnT>
+                    <a:lnB w="12700" cap="flat" cmpd="sng" algn="ctr">
+                      <a:solidFill>
+                        <a:srgbClr val="000000"/>
+                      </a:solidFill>
+                      <a:prstDash val="solid"/>
+                      <a:round/>
+                      <a:headEnd type="none" w="med" len="med"/>
+                      <a:tailEnd type="none" w="med" len="med"/>
+                    </a:lnB>
+                  </a:tcPr>
+                </a:tc>
+                <a:tc>
+                  <a:txBody>
+                    <a:bodyPr/>
+                    <a:lstStyle/>
+                    <a:p>
+                      <a:pPr marL="0" marR="0" algn="ctr">
+                        <a:lnSpc>
+                          <a:spcPct val="150000"/>
+                        </a:lnSpc>
+                        <a:spcBef>
+                          <a:spcPts val="0"/>
+                        </a:spcBef>
+                        <a:spcAft>
+                          <a:spcPts val="1000"/>
+                        </a:spcAft>
+                      </a:pPr>
+                      <a:r>
+                        <a:rPr lang="en-IN" sz="1200" dirty="0">
+                          <a:latin typeface="Times New Roman" panose="02020603050405020304"/>
+                          <a:ea typeface="SimSun" panose="02010600030101010101" pitchFamily="2" charset="-122"/>
+                          <a:cs typeface="Times New Roman" panose="02020603050405020304"/>
+                        </a:rPr>
+                        <a:t>30</a:t>
+                      </a:r>
+                      <a:endParaRPr lang="en-US" sz="1100" dirty="0">
+                        <a:latin typeface="Calibri" panose="020F0502020204030204"/>
+                        <a:ea typeface="Calibri" panose="020F0502020204030204"/>
+                        <a:cs typeface="Times New Roman" panose="02020603050405020304"/>
+                      </a:endParaRPr>
+                    </a:p>
+                  </a:txBody>
+                  <a:tcPr marL="68580" marR="68580" marT="0" marB="0">
+                    <a:lnL w="12700" cap="flat" cmpd="sng" algn="ctr">
+                      <a:solidFill>
+                        <a:srgbClr val="000000"/>
+                      </a:solidFill>
+                      <a:prstDash val="solid"/>
+                      <a:round/>
+                      <a:headEnd type="none" w="med" len="med"/>
+                      <a:tailEnd type="none" w="med" len="med"/>
+                    </a:lnL>
+                    <a:lnR w="12700" cap="flat" cmpd="sng" algn="ctr">
+                      <a:solidFill>
+                        <a:srgbClr val="000000"/>
+                      </a:solidFill>
+                      <a:prstDash val="solid"/>
+                      <a:round/>
+                      <a:headEnd type="none" w="med" len="med"/>
+                      <a:tailEnd type="none" w="med" len="med"/>
+                    </a:lnR>
+                    <a:lnT w="12700" cap="flat" cmpd="sng" algn="ctr">
+                      <a:solidFill>
+                        <a:srgbClr val="000000"/>
+                      </a:solidFill>
+                      <a:prstDash val="solid"/>
+                      <a:round/>
+                      <a:headEnd type="none" w="med" len="med"/>
+                      <a:tailEnd type="none" w="med" len="med"/>
+                    </a:lnT>
+                    <a:lnB w="12700" cap="flat" cmpd="sng" algn="ctr">
+                      <a:solidFill>
+                        <a:srgbClr val="000000"/>
+                      </a:solidFill>
+                      <a:prstDash val="solid"/>
+                      <a:round/>
+                      <a:headEnd type="none" w="med" len="med"/>
+                      <a:tailEnd type="none" w="med" len="med"/>
+                    </a:lnB>
+                  </a:tcPr>
+                </a:tc>
+                <a:tc>
+                  <a:txBody>
+                    <a:bodyPr/>
+                    <a:lstStyle/>
+                    <a:p>
+                      <a:pPr marL="0" marR="0" algn="ctr">
+                        <a:lnSpc>
+                          <a:spcPct val="150000"/>
+                        </a:lnSpc>
+                        <a:spcBef>
+                          <a:spcPts val="0"/>
+                        </a:spcBef>
+                        <a:spcAft>
+                          <a:spcPts val="1000"/>
+                        </a:spcAft>
+                      </a:pPr>
+                      <a:r>
+                        <a:rPr lang="en-IN" sz="1200">
+                          <a:latin typeface="Times New Roman" panose="02020603050405020304"/>
+                          <a:ea typeface="SimSun" panose="02010600030101010101" pitchFamily="2" charset="-122"/>
+                          <a:cs typeface="Times New Roman" panose="02020603050405020304"/>
+                        </a:rPr>
+                        <a:t>Not null</a:t>
+                      </a:r>
+                      <a:endParaRPr lang="en-US" sz="1100">
+                        <a:latin typeface="Calibri" panose="020F0502020204030204"/>
+                        <a:ea typeface="Calibri" panose="020F0502020204030204"/>
+                        <a:cs typeface="Times New Roman" panose="02020603050405020304"/>
+                      </a:endParaRPr>
+                    </a:p>
+                  </a:txBody>
+                  <a:tcPr marL="68580" marR="68580" marT="0" marB="0">
+                    <a:lnL w="12700" cap="flat" cmpd="sng" algn="ctr">
+                      <a:solidFill>
+                        <a:srgbClr val="000000"/>
+                      </a:solidFill>
+                      <a:prstDash val="solid"/>
+                      <a:round/>
+                      <a:headEnd type="none" w="med" len="med"/>
+                      <a:tailEnd type="none" w="med" len="med"/>
+                    </a:lnL>
+                    <a:lnR w="12700" cap="flat" cmpd="sng" algn="ctr">
+                      <a:solidFill>
+                        <a:srgbClr val="000000"/>
+                      </a:solidFill>
+                      <a:prstDash val="solid"/>
+                      <a:round/>
+                      <a:headEnd type="none" w="med" len="med"/>
+                      <a:tailEnd type="none" w="med" len="med"/>
+                    </a:lnR>
+                    <a:lnT w="12700" cap="flat" cmpd="sng" algn="ctr">
+                      <a:solidFill>
+                        <a:srgbClr val="000000"/>
+                      </a:solidFill>
+                      <a:prstDash val="solid"/>
+                      <a:round/>
+                      <a:headEnd type="none" w="med" len="med"/>
+                      <a:tailEnd type="none" w="med" len="med"/>
+                    </a:lnT>
+                    <a:lnB w="12700" cap="flat" cmpd="sng" algn="ctr">
+                      <a:solidFill>
+                        <a:srgbClr val="000000"/>
+                      </a:solidFill>
+                      <a:prstDash val="solid"/>
+                      <a:round/>
+                      <a:headEnd type="none" w="med" len="med"/>
+                      <a:tailEnd type="none" w="med" len="med"/>
+                    </a:lnB>
+                  </a:tcPr>
+                </a:tc>
+              </a:tr>
+              <a:tr h="495300">
+                <a:tc>
+                  <a:txBody>
+                    <a:bodyPr/>
+                    <a:lstStyle/>
+                    <a:p>
+                      <a:pPr marL="0" marR="0" algn="ctr">
+                        <a:lnSpc>
+                          <a:spcPct val="150000"/>
+                        </a:lnSpc>
+                        <a:spcBef>
+                          <a:spcPts val="0"/>
+                        </a:spcBef>
+                        <a:spcAft>
+                          <a:spcPts val="1000"/>
+                        </a:spcAft>
+                      </a:pPr>
+                      <a:r>
+                        <a:rPr lang="en-IN" sz="1200" dirty="0">
+                          <a:latin typeface="Times New Roman" panose="02020603050405020304"/>
+                          <a:ea typeface="SimSun" panose="02010600030101010101" pitchFamily="2" charset="-122"/>
+                          <a:cs typeface="Times New Roman" panose="02020603050405020304"/>
+                        </a:rPr>
+                        <a:t>total</a:t>
+                      </a:r>
+                      <a:endParaRPr lang="en-US" sz="1100" dirty="0">
+                        <a:latin typeface="Calibri" panose="020F0502020204030204"/>
+                        <a:ea typeface="Calibri" panose="020F0502020204030204"/>
+                        <a:cs typeface="Times New Roman" panose="02020603050405020304"/>
+                      </a:endParaRPr>
+                    </a:p>
+                  </a:txBody>
+                  <a:tcPr marL="68580" marR="68580" marT="0" marB="0">
+                    <a:lnL w="12700" cap="flat" cmpd="sng" algn="ctr">
+                      <a:solidFill>
+                        <a:srgbClr val="000000"/>
+                      </a:solidFill>
+                      <a:prstDash val="solid"/>
+                      <a:round/>
+                      <a:headEnd type="none" w="med" len="med"/>
+                      <a:tailEnd type="none" w="med" len="med"/>
+                    </a:lnL>
+                    <a:lnR w="12700" cap="flat" cmpd="sng" algn="ctr">
+                      <a:solidFill>
+                        <a:srgbClr val="000000"/>
+                      </a:solidFill>
+                      <a:prstDash val="solid"/>
+                      <a:round/>
+                      <a:headEnd type="none" w="med" len="med"/>
+                      <a:tailEnd type="none" w="med" len="med"/>
+                    </a:lnR>
+                    <a:lnT w="12700" cap="flat" cmpd="sng" algn="ctr">
+                      <a:solidFill>
+                        <a:srgbClr val="000000"/>
+                      </a:solidFill>
+                      <a:prstDash val="solid"/>
+                      <a:round/>
+                      <a:headEnd type="none" w="med" len="med"/>
+                      <a:tailEnd type="none" w="med" len="med"/>
+                    </a:lnT>
+                    <a:lnB w="12700" cap="flat" cmpd="sng" algn="ctr">
+                      <a:solidFill>
+                        <a:srgbClr val="000000"/>
+                      </a:solidFill>
+                      <a:prstDash val="solid"/>
+                      <a:round/>
+                      <a:headEnd type="none" w="med" len="med"/>
+                      <a:tailEnd type="none" w="med" len="med"/>
+                    </a:lnB>
+                  </a:tcPr>
+                </a:tc>
+                <a:tc>
+                  <a:txBody>
+                    <a:bodyPr/>
+                    <a:lstStyle/>
+                    <a:p>
+                      <a:pPr marL="0" marR="0" algn="ctr">
+                        <a:lnSpc>
+                          <a:spcPct val="150000"/>
+                        </a:lnSpc>
+                        <a:spcBef>
+                          <a:spcPts val="0"/>
+                        </a:spcBef>
+                        <a:spcAft>
+                          <a:spcPts val="1000"/>
+                        </a:spcAft>
+                      </a:pPr>
+                      <a:r>
+                        <a:rPr lang="en-IN" sz="1200" dirty="0" err="1">
+                          <a:latin typeface="Times New Roman" panose="02020603050405020304"/>
+                          <a:ea typeface="SimSun" panose="02010600030101010101" pitchFamily="2" charset="-122"/>
+                          <a:cs typeface="Times New Roman" panose="02020603050405020304"/>
+                        </a:rPr>
+                        <a:t>Int</a:t>
+                      </a:r>
+                      <a:endParaRPr lang="en-US" sz="1100" dirty="0">
+                        <a:latin typeface="Calibri" panose="020F0502020204030204"/>
+                        <a:ea typeface="Calibri" panose="020F0502020204030204"/>
+                        <a:cs typeface="Times New Roman" panose="02020603050405020304"/>
+                      </a:endParaRPr>
+                    </a:p>
+                  </a:txBody>
+                  <a:tcPr marL="68580" marR="68580" marT="0" marB="0">
+                    <a:lnL w="12700" cap="flat" cmpd="sng" algn="ctr">
+                      <a:solidFill>
+                        <a:srgbClr val="000000"/>
+                      </a:solidFill>
+                      <a:prstDash val="solid"/>
+                      <a:round/>
+                      <a:headEnd type="none" w="med" len="med"/>
+                      <a:tailEnd type="none" w="med" len="med"/>
+                    </a:lnL>
+                    <a:lnR w="12700" cap="flat" cmpd="sng" algn="ctr">
+                      <a:solidFill>
+                        <a:srgbClr val="000000"/>
+                      </a:solidFill>
+                      <a:prstDash val="solid"/>
+                      <a:round/>
+                      <a:headEnd type="none" w="med" len="med"/>
+                      <a:tailEnd type="none" w="med" len="med"/>
+                    </a:lnR>
+                    <a:lnT w="12700" cap="flat" cmpd="sng" algn="ctr">
+                      <a:solidFill>
+                        <a:srgbClr val="000000"/>
+                      </a:solidFill>
+                      <a:prstDash val="solid"/>
+                      <a:round/>
+                      <a:headEnd type="none" w="med" len="med"/>
+                      <a:tailEnd type="none" w="med" len="med"/>
+                    </a:lnT>
+                    <a:lnB w="12700" cap="flat" cmpd="sng" algn="ctr">
+                      <a:solidFill>
+                        <a:srgbClr val="000000"/>
+                      </a:solidFill>
+                      <a:prstDash val="solid"/>
+                      <a:round/>
+                      <a:headEnd type="none" w="med" len="med"/>
+                      <a:tailEnd type="none" w="med" len="med"/>
+                    </a:lnB>
+                  </a:tcPr>
+                </a:tc>
+                <a:tc>
+                  <a:txBody>
+                    <a:bodyPr/>
+                    <a:lstStyle/>
+                    <a:p>
+                      <a:pPr marL="0" marR="0" algn="ctr">
+                        <a:lnSpc>
+                          <a:spcPct val="150000"/>
+                        </a:lnSpc>
+                        <a:spcBef>
+                          <a:spcPts val="0"/>
+                        </a:spcBef>
+                        <a:spcAft>
+                          <a:spcPts val="1000"/>
+                        </a:spcAft>
+                      </a:pPr>
+                      <a:r>
+                        <a:rPr lang="en-IN" sz="1200" dirty="0">
+                          <a:latin typeface="Times New Roman" panose="02020603050405020304"/>
+                          <a:ea typeface="SimSun" panose="02010600030101010101" pitchFamily="2" charset="-122"/>
+                          <a:cs typeface="Times New Roman" panose="02020603050405020304"/>
+                        </a:rPr>
+                        <a:t>5</a:t>
                       </a:r>
                       <a:endParaRPr lang="en-US" sz="1100" dirty="0">
                         <a:latin typeface="Calibri" panose="020F0502020204030204"/>
@@ -29305,14 +29288,14 @@
                         </a:spcAft>
                       </a:pPr>
                       <a:r>
-                        <a:rPr lang="en-IN" sz="1200">
+                        <a:rPr lang="en-IN" sz="1200" dirty="0" err="1">
                           <a:latin typeface="Times New Roman" panose="02020603050405020304"/>
                           <a:ea typeface="SimSun" panose="02010600030101010101" pitchFamily="2" charset="-122"/>
                           <a:cs typeface="Times New Roman" panose="02020603050405020304"/>
                         </a:rPr>
                         <a:t>Int</a:t>
                       </a:r>
-                      <a:endParaRPr lang="en-US" sz="1100">
+                      <a:endParaRPr lang="en-US" sz="1100" dirty="0">
                         <a:latin typeface="Calibri" panose="020F0502020204030204"/>
                         <a:ea typeface="Calibri" panose="020F0502020204030204"/>
                         <a:cs typeface="Times New Roman" panose="02020603050405020304"/>
@@ -29587,14 +29570,22 @@
                         </a:spcAft>
                       </a:pPr>
                       <a:r>
-                        <a:rPr lang="en-IN" sz="1200">
+                        <a:rPr lang="en-IN" sz="1200" dirty="0" err="1">
                           <a:latin typeface="Times New Roman" panose="02020603050405020304"/>
                           <a:ea typeface="SimSun" panose="02010600030101010101" pitchFamily="2" charset="-122"/>
                           <a:cs typeface="Times New Roman" panose="02020603050405020304"/>
                         </a:rPr>
-                        <a:t>Int </a:t>
+                        <a:t>Int</a:t>
                       </a:r>
-                      <a:endParaRPr lang="en-US" sz="1100">
+                      <a:r>
+                        <a:rPr lang="en-IN" sz="1200" dirty="0">
+                          <a:latin typeface="Times New Roman" panose="02020603050405020304"/>
+                          <a:ea typeface="SimSun" panose="02010600030101010101" pitchFamily="2" charset="-122"/>
+                          <a:cs typeface="Times New Roman" panose="02020603050405020304"/>
+                        </a:rPr>
+                        <a:t> </a:t>
+                      </a:r>
+                      <a:endParaRPr lang="en-US" sz="1100" dirty="0">
                         <a:latin typeface="Calibri" panose="020F0502020204030204"/>
                         <a:ea typeface="Calibri" panose="020F0502020204030204"/>
                         <a:cs typeface="Times New Roman" panose="02020603050405020304"/>
@@ -29657,14 +29648,14 @@
                         </a:spcAft>
                       </a:pPr>
                       <a:r>
-                        <a:rPr lang="en-IN" sz="1200">
+                        <a:rPr lang="en-IN" sz="1200" dirty="0">
                           <a:latin typeface="Times New Roman" panose="02020603050405020304"/>
                           <a:ea typeface="SimSun" panose="02010600030101010101" pitchFamily="2" charset="-122"/>
                           <a:cs typeface="Times New Roman" panose="02020603050405020304"/>
                         </a:rPr>
                         <a:t>10</a:t>
                       </a:r>
-                      <a:endParaRPr lang="en-US" sz="1100">
+                      <a:endParaRPr lang="en-US" sz="1100" dirty="0">
                         <a:latin typeface="Calibri" panose="020F0502020204030204"/>
                         <a:ea typeface="Calibri" panose="020F0502020204030204"/>
                         <a:cs typeface="Times New Roman" panose="02020603050405020304"/>
@@ -29939,14 +29930,14 @@
                         </a:spcAft>
                       </a:pPr>
                       <a:r>
-                        <a:rPr lang="en-IN" sz="1200">
+                        <a:rPr lang="en-IN" sz="1200" dirty="0">
                           <a:latin typeface="Times New Roman" panose="02020603050405020304"/>
                           <a:ea typeface="SimSun" panose="02010600030101010101" pitchFamily="2" charset="-122"/>
                           <a:cs typeface="Times New Roman" panose="02020603050405020304"/>
                         </a:rPr>
                         <a:t>5</a:t>
                       </a:r>
-                      <a:endParaRPr lang="en-US" sz="1100">
+                      <a:endParaRPr lang="en-US" sz="1100" dirty="0">
                         <a:latin typeface="Calibri" panose="020F0502020204030204"/>
                         <a:ea typeface="Calibri" panose="020F0502020204030204"/>
                         <a:cs typeface="Times New Roman" panose="02020603050405020304"/>
@@ -30221,14 +30212,14 @@
                         </a:spcAft>
                       </a:pPr>
                       <a:r>
-                        <a:rPr lang="en-IN" sz="1200">
+                        <a:rPr lang="en-IN" sz="1200" dirty="0">
                           <a:latin typeface="Times New Roman" panose="02020603050405020304"/>
                           <a:ea typeface="SimSun" panose="02010600030101010101" pitchFamily="2" charset="-122"/>
                           <a:cs typeface="Times New Roman" panose="02020603050405020304"/>
                         </a:rPr>
                         <a:t>10</a:t>
                       </a:r>
-                      <a:endParaRPr lang="en-US" sz="1100">
+                      <a:endParaRPr lang="en-US" sz="1100" dirty="0">
                         <a:latin typeface="Calibri" panose="020F0502020204030204"/>
                         <a:ea typeface="Calibri" panose="020F0502020204030204"/>
                         <a:cs typeface="Times New Roman" panose="02020603050405020304"/>
@@ -30291,14 +30282,14 @@
                         </a:spcAft>
                       </a:pPr>
                       <a:r>
-                        <a:rPr lang="en-IN" sz="1200">
+                        <a:rPr lang="en-IN" sz="1200" dirty="0">
                           <a:latin typeface="Times New Roman" panose="02020603050405020304"/>
                           <a:ea typeface="SimSun" panose="02010600030101010101" pitchFamily="2" charset="-122"/>
                           <a:cs typeface="Times New Roman" panose="02020603050405020304"/>
                         </a:rPr>
                         <a:t>Not null</a:t>
                       </a:r>
-                      <a:endParaRPr lang="en-US" sz="1100">
+                      <a:endParaRPr lang="en-US" sz="1100" dirty="0">
                         <a:latin typeface="Calibri" panose="020F0502020204030204"/>
                         <a:ea typeface="Calibri" panose="020F0502020204030204"/>
                         <a:cs typeface="Times New Roman" panose="02020603050405020304"/>
@@ -30573,14 +30564,14 @@
                         </a:spcAft>
                       </a:pPr>
                       <a:r>
-                        <a:rPr lang="en-IN" sz="1200">
+                        <a:rPr lang="en-IN" sz="1200" dirty="0">
                           <a:latin typeface="Times New Roman" panose="02020603050405020304"/>
                           <a:ea typeface="SimSun" panose="02010600030101010101" pitchFamily="2" charset="-122"/>
                           <a:cs typeface="Times New Roman" panose="02020603050405020304"/>
                         </a:rPr>
                         <a:t>Not null</a:t>
                       </a:r>
-                      <a:endParaRPr lang="en-US" sz="1100">
+                      <a:endParaRPr lang="en-US" sz="1100" dirty="0">
                         <a:latin typeface="Calibri" panose="020F0502020204030204"/>
                         <a:ea typeface="Calibri" panose="020F0502020204030204"/>
                         <a:cs typeface="Times New Roman" panose="02020603050405020304"/>
